--- a/docs/Presentation.pptx
+++ b/docs/Presentation.pptx
@@ -5,10 +5,10 @@
     <p:sldMasterId id="2147483648" r:id="rId1"/>
   </p:sldMasterIdLst>
   <p:notesMasterIdLst>
-    <p:notesMasterId r:id="rId36"/>
+    <p:notesMasterId r:id="rId38"/>
   </p:notesMasterIdLst>
   <p:handoutMasterIdLst>
-    <p:handoutMasterId r:id="rId37"/>
+    <p:handoutMasterId r:id="rId39"/>
   </p:handoutMasterIdLst>
   <p:sldIdLst>
     <p:sldId id="259" r:id="rId2"/>
@@ -18,33 +18,35 @@
     <p:sldId id="328" r:id="rId6"/>
     <p:sldId id="337" r:id="rId7"/>
     <p:sldId id="332" r:id="rId8"/>
-    <p:sldId id="292" r:id="rId9"/>
-    <p:sldId id="331" r:id="rId10"/>
-    <p:sldId id="329" r:id="rId11"/>
-    <p:sldId id="330" r:id="rId12"/>
-    <p:sldId id="333" r:id="rId13"/>
-    <p:sldId id="327" r:id="rId14"/>
-    <p:sldId id="291" r:id="rId15"/>
-    <p:sldId id="305" r:id="rId16"/>
-    <p:sldId id="306" r:id="rId17"/>
-    <p:sldId id="336" r:id="rId18"/>
-    <p:sldId id="307" r:id="rId19"/>
-    <p:sldId id="308" r:id="rId20"/>
-    <p:sldId id="309" r:id="rId21"/>
-    <p:sldId id="310" r:id="rId22"/>
-    <p:sldId id="334" r:id="rId23"/>
-    <p:sldId id="311" r:id="rId24"/>
-    <p:sldId id="312" r:id="rId25"/>
-    <p:sldId id="313" r:id="rId26"/>
-    <p:sldId id="314" r:id="rId27"/>
-    <p:sldId id="335" r:id="rId28"/>
-    <p:sldId id="340" r:id="rId29"/>
-    <p:sldId id="338" r:id="rId30"/>
-    <p:sldId id="339" r:id="rId31"/>
-    <p:sldId id="341" r:id="rId32"/>
-    <p:sldId id="342" r:id="rId33"/>
-    <p:sldId id="289" r:id="rId34"/>
-    <p:sldId id="326" r:id="rId35"/>
+    <p:sldId id="343" r:id="rId9"/>
+    <p:sldId id="344" r:id="rId10"/>
+    <p:sldId id="292" r:id="rId11"/>
+    <p:sldId id="331" r:id="rId12"/>
+    <p:sldId id="329" r:id="rId13"/>
+    <p:sldId id="330" r:id="rId14"/>
+    <p:sldId id="333" r:id="rId15"/>
+    <p:sldId id="327" r:id="rId16"/>
+    <p:sldId id="291" r:id="rId17"/>
+    <p:sldId id="305" r:id="rId18"/>
+    <p:sldId id="306" r:id="rId19"/>
+    <p:sldId id="336" r:id="rId20"/>
+    <p:sldId id="307" r:id="rId21"/>
+    <p:sldId id="308" r:id="rId22"/>
+    <p:sldId id="309" r:id="rId23"/>
+    <p:sldId id="310" r:id="rId24"/>
+    <p:sldId id="334" r:id="rId25"/>
+    <p:sldId id="311" r:id="rId26"/>
+    <p:sldId id="312" r:id="rId27"/>
+    <p:sldId id="313" r:id="rId28"/>
+    <p:sldId id="314" r:id="rId29"/>
+    <p:sldId id="335" r:id="rId30"/>
+    <p:sldId id="340" r:id="rId31"/>
+    <p:sldId id="338" r:id="rId32"/>
+    <p:sldId id="339" r:id="rId33"/>
+    <p:sldId id="341" r:id="rId34"/>
+    <p:sldId id="342" r:id="rId35"/>
+    <p:sldId id="289" r:id="rId36"/>
+    <p:sldId id="326" r:id="rId37"/>
   </p:sldIdLst>
   <p:sldSz cx="9144000" cy="6858000" type="screen4x3"/>
   <p:notesSz cx="6858000" cy="9144000"/>
@@ -247,7 +249,7 @@
           <a:p>
             <a:fld id="{291D7B54-10FA-4B58-9BB9-8A810A6BB78D}" type="datetimeFigureOut">
               <a:rPr lang="en-US" smtClean="0"/>
-              <a:t>6/8/2016</a:t>
+              <a:t>6/9/2016</a:t>
             </a:fld>
             <a:endParaRPr lang="en-US"/>
           </a:p>
@@ -412,7 +414,7 @@
           <a:p>
             <a:fld id="{8480E8FD-D04B-45D3-9727-4D028C5089BD}" type="datetimeFigureOut">
               <a:rPr lang="en-US" smtClean="0"/>
-              <a:t>6/8/2016</a:t>
+              <a:t>6/9/2016</a:t>
             </a:fld>
             <a:endParaRPr lang="en-US"/>
           </a:p>
@@ -1051,7 +1053,7 @@
           <a:p>
             <a:fld id="{0AD24312-430C-47F9-90D6-A40331DAF7A2}" type="slidenum">
               <a:rPr lang="en-US" smtClean="0"/>
-              <a:t>8</a:t>
+              <a:t>10</a:t>
             </a:fld>
             <a:endParaRPr lang="en-US"/>
           </a:p>
@@ -1157,7 +1159,7 @@
           <a:p>
             <a:fld id="{0AD24312-430C-47F9-90D6-A40331DAF7A2}" type="slidenum">
               <a:rPr lang="en-US" smtClean="0"/>
-              <a:t>13</a:t>
+              <a:t>15</a:t>
             </a:fld>
             <a:endParaRPr lang="en-US"/>
           </a:p>
@@ -1263,7 +1265,7 @@
           <a:p>
             <a:fld id="{0AD24312-430C-47F9-90D6-A40331DAF7A2}" type="slidenum">
               <a:rPr lang="en-US" smtClean="0"/>
-              <a:t>18</a:t>
+              <a:t>20</a:t>
             </a:fld>
             <a:endParaRPr lang="en-US"/>
           </a:p>
@@ -1369,7 +1371,7 @@
           <a:p>
             <a:fld id="{0AD24312-430C-47F9-90D6-A40331DAF7A2}" type="slidenum">
               <a:rPr lang="en-US" smtClean="0"/>
-              <a:t>23</a:t>
+              <a:t>25</a:t>
             </a:fld>
             <a:endParaRPr lang="en-US"/>
           </a:p>
@@ -1475,7 +1477,7 @@
           <a:p>
             <a:fld id="{0AD24312-430C-47F9-90D6-A40331DAF7A2}" type="slidenum">
               <a:rPr lang="en-US" smtClean="0"/>
-              <a:t>28</a:t>
+              <a:t>30</a:t>
             </a:fld>
             <a:endParaRPr lang="en-US"/>
           </a:p>
@@ -5102,17 +5104,37 @@
             <a:spLocks noGrp="1"/>
           </p:cNvSpPr>
           <p:nvPr>
-            <p:ph type="title"/>
-          </p:nvPr>
-        </p:nvSpPr>
-        <p:spPr/>
+            <p:ph type="ctrTitle"/>
+          </p:nvPr>
+        </p:nvSpPr>
+        <p:spPr>
+          <a:xfrm>
+            <a:off x="2197706" y="2165181"/>
+            <a:ext cx="5574700" cy="1287708"/>
+          </a:xfrm>
+        </p:spPr>
         <p:txBody>
           <a:bodyPr/>
           <a:lstStyle/>
           <a:p>
             <a:r>
               <a:rPr lang="en-US" dirty="0" smtClean="0"/>
-              <a:t>Implement code</a:t>
+              <a:t>Part 1 </a:t>
+            </a:r>
+            <a:br>
+              <a:rPr lang="en-US" dirty="0" smtClean="0"/>
+            </a:br>
+            <a:r>
+              <a:rPr lang="en-US" dirty="0" smtClean="0"/>
+              <a:t>Basic </a:t>
+            </a:r>
+            <a:r>
+              <a:rPr lang="en-US" dirty="0"/>
+              <a:t>W</a:t>
+            </a:r>
+            <a:r>
+              <a:rPr lang="en-US" dirty="0" smtClean="0"/>
+              <a:t>ord Count</a:t>
             </a:r>
             <a:endParaRPr lang="en-US" dirty="0"/>
           </a:p>
@@ -5120,160 +5142,36 @@
       </p:sp>
       <p:sp>
         <p:nvSpPr>
-          <p:cNvPr id="3" name="Content Placeholder 2"/>
-          <p:cNvSpPr>
-            <a:spLocks noGrp="1"/>
-          </p:cNvSpPr>
-          <p:nvPr>
-            <p:ph idx="1"/>
-          </p:nvPr>
-        </p:nvSpPr>
-        <p:spPr/>
-        <p:txBody>
-          <a:bodyPr/>
+          <p:cNvPr id="4" name="TextBox 3"/>
+          <p:cNvSpPr txBox="1"/>
+          <p:nvPr/>
+        </p:nvSpPr>
+        <p:spPr>
+          <a:xfrm>
+            <a:off x="713990" y="5796878"/>
+            <a:ext cx="5824603" cy="1691015"/>
+          </a:xfrm>
+          <a:prstGeom prst="rect">
+            <a:avLst/>
+          </a:prstGeom>
+        </p:spPr>
+        <p:txBody>
+          <a:bodyPr vert="horz" wrap="square" lIns="91440" tIns="45720" rIns="91440" bIns="45720" rtlCol="0" anchor="t">
+            <a:normAutofit/>
+          </a:bodyPr>
           <a:lstStyle/>
           <a:p>
-            <a:r>
-              <a:rPr lang="en-US" dirty="0" smtClean="0"/>
-              <a:t>Implement Java code:</a:t>
-            </a:r>
-          </a:p>
-          <a:p>
-            <a:pPr lvl="1"/>
-            <a:r>
-              <a:rPr lang="en-US" dirty="0" smtClean="0"/>
-              <a:t>\project\</a:t>
-            </a:r>
-            <a:r>
-              <a:rPr lang="en-US" dirty="0" err="1" smtClean="0"/>
-              <a:t>hadoop</a:t>
-            </a:r>
-            <a:r>
-              <a:rPr lang="en-US" dirty="0" smtClean="0"/>
-              <a:t>\</a:t>
-            </a:r>
-            <a:r>
-              <a:rPr lang="en-US" dirty="0" err="1" smtClean="0"/>
-              <a:t>src</a:t>
-            </a:r>
-            <a:r>
-              <a:rPr lang="en-US" dirty="0" smtClean="0"/>
-              <a:t>\main\java\com\</a:t>
-            </a:r>
-            <a:r>
-              <a:rPr lang="en-US" dirty="0" err="1" smtClean="0"/>
-              <a:t>hadoop</a:t>
-            </a:r>
-            <a:r>
-              <a:rPr lang="en-US" dirty="0" smtClean="0"/>
-              <a:t> </a:t>
-            </a:r>
-            <a:r>
-              <a:rPr lang="en-US" dirty="0"/>
-              <a:t>\</a:t>
-            </a:r>
-            <a:r>
-              <a:rPr lang="en-US" dirty="0" smtClean="0"/>
-              <a:t>jobs\WordCountDriver.java</a:t>
-            </a:r>
-          </a:p>
-          <a:p>
-            <a:pPr lvl="1"/>
-            <a:r>
-              <a:rPr lang="en-US" dirty="0" smtClean="0"/>
-              <a:t>\project\</a:t>
-            </a:r>
-            <a:r>
-              <a:rPr lang="en-US" dirty="0" err="1" smtClean="0"/>
-              <a:t>hadoop</a:t>
-            </a:r>
-            <a:r>
-              <a:rPr lang="en-US" dirty="0" smtClean="0"/>
-              <a:t>\</a:t>
-            </a:r>
-            <a:r>
-              <a:rPr lang="en-US" dirty="0" err="1" smtClean="0"/>
-              <a:t>src</a:t>
-            </a:r>
-            <a:r>
-              <a:rPr lang="en-US" dirty="0" smtClean="0"/>
-              <a:t>\main\java\com\</a:t>
-            </a:r>
-            <a:r>
-              <a:rPr lang="en-US" dirty="0" err="1" smtClean="0"/>
-              <a:t>hadoop</a:t>
-            </a:r>
-            <a:r>
-              <a:rPr lang="en-US" dirty="0" smtClean="0"/>
-              <a:t> </a:t>
-            </a:r>
-            <a:r>
-              <a:rPr lang="en-US" dirty="0"/>
-              <a:t>\mappers\WordCountMapper.java</a:t>
-            </a:r>
-            <a:endParaRPr lang="en-US" dirty="0" smtClean="0"/>
-          </a:p>
-          <a:p>
-            <a:pPr lvl="1"/>
-            <a:r>
-              <a:rPr lang="en-US" dirty="0" smtClean="0"/>
-              <a:t>\project\</a:t>
-            </a:r>
-            <a:r>
-              <a:rPr lang="en-US" dirty="0" err="1" smtClean="0"/>
-              <a:t>hadoop</a:t>
-            </a:r>
-            <a:r>
-              <a:rPr lang="en-US" dirty="0" smtClean="0"/>
-              <a:t>\</a:t>
-            </a:r>
-            <a:r>
-              <a:rPr lang="en-US" dirty="0" err="1" smtClean="0"/>
-              <a:t>src</a:t>
-            </a:r>
-            <a:r>
-              <a:rPr lang="en-US" dirty="0" smtClean="0"/>
-              <a:t>\main\java\com\</a:t>
-            </a:r>
-            <a:r>
-              <a:rPr lang="en-US" dirty="0" err="1" smtClean="0"/>
-              <a:t>hadoop</a:t>
-            </a:r>
-            <a:r>
-              <a:rPr lang="en-US" dirty="0" smtClean="0"/>
-              <a:t> </a:t>
-            </a:r>
-            <a:r>
-              <a:rPr lang="en-US" dirty="0"/>
-              <a:t>\ </a:t>
-            </a:r>
-            <a:r>
-              <a:rPr lang="en-US" dirty="0" smtClean="0"/>
-              <a:t>reducers\</a:t>
-            </a:r>
-            <a:r>
-              <a:rPr lang="en-US" dirty="0"/>
-              <a:t>WordCount</a:t>
-            </a:r>
-            <a:r>
-              <a:rPr lang="en-US" dirty="0" smtClean="0"/>
-              <a:t>Reducer.java</a:t>
-            </a:r>
-            <a:endParaRPr lang="en-US" dirty="0"/>
-          </a:p>
-          <a:p>
-            <a:pPr lvl="1"/>
-            <a:endParaRPr lang="en-US" dirty="0" smtClean="0"/>
-          </a:p>
-          <a:p>
-            <a:endParaRPr lang="en-US" dirty="0"/>
+            <a:endParaRPr lang="en-US" dirty="0">
+              <a:latin typeface="Gill Sans Light"/>
+              <a:cs typeface="Gill Sans Light"/>
+            </a:endParaRPr>
           </a:p>
         </p:txBody>
       </p:sp>
     </p:spTree>
     <p:extLst>
       <p:ext uri="{BB962C8B-B14F-4D97-AF65-F5344CB8AC3E}">
-        <p14:creationId xmlns:p14="http://schemas.microsoft.com/office/powerpoint/2010/main" val="2981419"/>
+        <p14:creationId xmlns:p14="http://schemas.microsoft.com/office/powerpoint/2010/main" val="2544883009"/>
       </p:ext>
     </p:extLst>
   </p:cSld>
@@ -5324,15 +5222,423 @@
           <a:p>
             <a:r>
               <a:rPr lang="en-US" dirty="0" smtClean="0"/>
-              <a:t>Input </a:t>
-            </a:r>
-            <a:r>
-              <a:rPr lang="en-US" dirty="0" smtClean="0"/>
-              <a:t>&amp; Run on </a:t>
-            </a:r>
-            <a:r>
-              <a:rPr lang="en-US" dirty="0" smtClean="0"/>
-              <a:t>Terminal</a:t>
+              <a:t>Pseudo code</a:t>
+            </a:r>
+            <a:endParaRPr lang="en-US" dirty="0"/>
+          </a:p>
+        </p:txBody>
+      </p:sp>
+      <p:sp>
+        <p:nvSpPr>
+          <p:cNvPr id="3" name="Content Placeholder 2"/>
+          <p:cNvSpPr>
+            <a:spLocks noGrp="1"/>
+          </p:cNvSpPr>
+          <p:nvPr>
+            <p:ph idx="1"/>
+          </p:nvPr>
+        </p:nvSpPr>
+        <p:spPr>
+          <a:xfrm>
+            <a:off x="457200" y="1064532"/>
+            <a:ext cx="8229600" cy="4961755"/>
+          </a:xfrm>
+        </p:spPr>
+        <p:txBody>
+          <a:bodyPr/>
+          <a:lstStyle/>
+          <a:p>
+            <a:r>
+              <a:rPr lang="en-US" dirty="0"/>
+              <a:t>The </a:t>
+            </a:r>
+            <a:r>
+              <a:rPr lang="en-US" dirty="0" smtClean="0"/>
+              <a:t>word count basic to </a:t>
+            </a:r>
+            <a:r>
+              <a:rPr lang="en-US" dirty="0"/>
+              <a:t>compute relative </a:t>
+            </a:r>
+            <a:r>
+              <a:rPr lang="en-US" dirty="0" smtClean="0"/>
+              <a:t>frequencies</a:t>
+            </a:r>
+          </a:p>
+          <a:p>
+            <a:endParaRPr lang="en-US" dirty="0"/>
+          </a:p>
+        </p:txBody>
+      </p:sp>
+      <p:sp>
+        <p:nvSpPr>
+          <p:cNvPr id="6" name="Rectangle 5"/>
+          <p:cNvSpPr/>
+          <p:nvPr/>
+        </p:nvSpPr>
+        <p:spPr>
+          <a:xfrm>
+            <a:off x="899657" y="2101760"/>
+            <a:ext cx="7241460" cy="4248195"/>
+          </a:xfrm>
+          <a:prstGeom prst="rect">
+            <a:avLst/>
+          </a:prstGeom>
+        </p:spPr>
+        <p:style>
+          <a:lnRef idx="1">
+            <a:schemeClr val="accent1"/>
+          </a:lnRef>
+          <a:fillRef idx="3">
+            <a:schemeClr val="accent1"/>
+          </a:fillRef>
+          <a:effectRef idx="2">
+            <a:schemeClr val="accent1"/>
+          </a:effectRef>
+          <a:fontRef idx="minor">
+            <a:schemeClr val="lt1"/>
+          </a:fontRef>
+        </p:style>
+        <p:txBody>
+          <a:bodyPr rtlCol="0" anchor="ctr"/>
+          <a:lstStyle/>
+          <a:p>
+            <a:r>
+              <a:rPr lang="en-US" dirty="0"/>
+              <a:t>	class Mapper</a:t>
+            </a:r>
+          </a:p>
+          <a:p>
+            <a:r>
+              <a:rPr lang="en-US" dirty="0"/>
+              <a:t>		method Map(</a:t>
+            </a:r>
+            <a:r>
+              <a:rPr lang="en-US" dirty="0" err="1"/>
+              <a:t>docid</a:t>
+            </a:r>
+            <a:r>
+              <a:rPr lang="en-US" dirty="0"/>
+              <a:t> a, doc d)</a:t>
+            </a:r>
+          </a:p>
+          <a:p>
+            <a:r>
+              <a:rPr lang="en-US" dirty="0"/>
+              <a:t>			for all term w in doc d do</a:t>
+            </a:r>
+          </a:p>
+          <a:p>
+            <a:r>
+              <a:rPr lang="en-US" dirty="0"/>
+              <a:t>					Emit(w, count 1)</a:t>
+            </a:r>
+          </a:p>
+          <a:p>
+            <a:r>
+              <a:rPr lang="en-US" dirty="0"/>
+              <a:t>	class Reducer</a:t>
+            </a:r>
+          </a:p>
+          <a:p>
+            <a:r>
+              <a:rPr lang="en-US" dirty="0"/>
+              <a:t>		method Reduce(term t, counts [c1, c2,..])</a:t>
+            </a:r>
+          </a:p>
+          <a:p>
+            <a:r>
+              <a:rPr lang="en-US" dirty="0"/>
+              <a:t>			s = 0</a:t>
+            </a:r>
+          </a:p>
+          <a:p>
+            <a:r>
+              <a:rPr lang="en-US" dirty="0"/>
+              <a:t>			for all count c in counts[c1, c2,...] do</a:t>
+            </a:r>
+          </a:p>
+          <a:p>
+            <a:r>
+              <a:rPr lang="en-US" dirty="0"/>
+              <a:t>				s += c</a:t>
+            </a:r>
+          </a:p>
+          <a:p>
+            <a:r>
+              <a:rPr lang="en-US" dirty="0"/>
+              <a:t>			Emit(term t, s)</a:t>
+            </a:r>
+          </a:p>
+        </p:txBody>
+      </p:sp>
+    </p:spTree>
+    <p:extLst>
+      <p:ext uri="{BB962C8B-B14F-4D97-AF65-F5344CB8AC3E}">
+        <p14:creationId xmlns:p14="http://schemas.microsoft.com/office/powerpoint/2010/main" val="2756107147"/>
+      </p:ext>
+    </p:extLst>
+  </p:cSld>
+  <p:clrMapOvr>
+    <a:masterClrMapping/>
+  </p:clrMapOvr>
+  <p:timing>
+    <p:tnLst>
+      <p:par>
+        <p:cTn id="1" dur="indefinite" restart="never" nodeType="tmRoot"/>
+      </p:par>
+    </p:tnLst>
+  </p:timing>
+</p:sld>
+</file>
+
+<file path=ppt/slides/slide12.xml><?xml version="1.0" encoding="utf-8"?>
+<p:sld xmlns:a="http://schemas.openxmlformats.org/drawingml/2006/main" xmlns:r="http://schemas.openxmlformats.org/officeDocument/2006/relationships" xmlns:p="http://schemas.openxmlformats.org/presentationml/2006/main">
+  <p:cSld>
+    <p:spTree>
+      <p:nvGrpSpPr>
+        <p:cNvPr id="1" name=""/>
+        <p:cNvGrpSpPr/>
+        <p:nvPr/>
+      </p:nvGrpSpPr>
+      <p:grpSpPr>
+        <a:xfrm>
+          <a:off x="0" y="0"/>
+          <a:ext cx="0" cy="0"/>
+          <a:chOff x="0" y="0"/>
+          <a:chExt cx="0" cy="0"/>
+        </a:xfrm>
+      </p:grpSpPr>
+      <p:sp>
+        <p:nvSpPr>
+          <p:cNvPr id="2" name="Title 1"/>
+          <p:cNvSpPr>
+            <a:spLocks noGrp="1"/>
+          </p:cNvSpPr>
+          <p:nvPr>
+            <p:ph type="title"/>
+          </p:nvPr>
+        </p:nvSpPr>
+        <p:spPr/>
+        <p:txBody>
+          <a:bodyPr/>
+          <a:lstStyle/>
+          <a:p>
+            <a:r>
+              <a:rPr lang="en-US" dirty="0" smtClean="0"/>
+              <a:t>Implement code</a:t>
+            </a:r>
+            <a:endParaRPr lang="en-US" dirty="0"/>
+          </a:p>
+        </p:txBody>
+      </p:sp>
+      <p:sp>
+        <p:nvSpPr>
+          <p:cNvPr id="3" name="Content Placeholder 2"/>
+          <p:cNvSpPr>
+            <a:spLocks noGrp="1"/>
+          </p:cNvSpPr>
+          <p:nvPr>
+            <p:ph idx="1"/>
+          </p:nvPr>
+        </p:nvSpPr>
+        <p:spPr/>
+        <p:txBody>
+          <a:bodyPr/>
+          <a:lstStyle/>
+          <a:p>
+            <a:r>
+              <a:rPr lang="en-US" dirty="0" smtClean="0"/>
+              <a:t>Implement Java code:</a:t>
+            </a:r>
+          </a:p>
+          <a:p>
+            <a:pPr lvl="1"/>
+            <a:r>
+              <a:rPr lang="en-US" dirty="0" smtClean="0"/>
+              <a:t>\project\</a:t>
+            </a:r>
+            <a:r>
+              <a:rPr lang="en-US" dirty="0" err="1" smtClean="0"/>
+              <a:t>hadoop</a:t>
+            </a:r>
+            <a:r>
+              <a:rPr lang="en-US" dirty="0" smtClean="0"/>
+              <a:t>\</a:t>
+            </a:r>
+            <a:r>
+              <a:rPr lang="en-US" dirty="0" err="1" smtClean="0"/>
+              <a:t>src</a:t>
+            </a:r>
+            <a:r>
+              <a:rPr lang="en-US" dirty="0" smtClean="0"/>
+              <a:t>\main\java\com\</a:t>
+            </a:r>
+            <a:r>
+              <a:rPr lang="en-US" dirty="0" err="1" smtClean="0"/>
+              <a:t>hadoop</a:t>
+            </a:r>
+            <a:r>
+              <a:rPr lang="en-US" dirty="0" smtClean="0"/>
+              <a:t> </a:t>
+            </a:r>
+            <a:r>
+              <a:rPr lang="en-US" dirty="0"/>
+              <a:t>\</a:t>
+            </a:r>
+            <a:r>
+              <a:rPr lang="en-US" dirty="0" smtClean="0"/>
+              <a:t>jobs\WordCountDriver.java</a:t>
+            </a:r>
+          </a:p>
+          <a:p>
+            <a:pPr lvl="1"/>
+            <a:r>
+              <a:rPr lang="en-US" dirty="0" smtClean="0"/>
+              <a:t>\project\</a:t>
+            </a:r>
+            <a:r>
+              <a:rPr lang="en-US" dirty="0" err="1" smtClean="0"/>
+              <a:t>hadoop</a:t>
+            </a:r>
+            <a:r>
+              <a:rPr lang="en-US" dirty="0" smtClean="0"/>
+              <a:t>\</a:t>
+            </a:r>
+            <a:r>
+              <a:rPr lang="en-US" dirty="0" err="1" smtClean="0"/>
+              <a:t>src</a:t>
+            </a:r>
+            <a:r>
+              <a:rPr lang="en-US" dirty="0" smtClean="0"/>
+              <a:t>\main\java\com\</a:t>
+            </a:r>
+            <a:r>
+              <a:rPr lang="en-US" dirty="0" err="1" smtClean="0"/>
+              <a:t>hadoop</a:t>
+            </a:r>
+            <a:r>
+              <a:rPr lang="en-US" dirty="0" smtClean="0"/>
+              <a:t> </a:t>
+            </a:r>
+            <a:r>
+              <a:rPr lang="en-US" dirty="0"/>
+              <a:t>\mappers\WordCountMapper.java</a:t>
+            </a:r>
+            <a:endParaRPr lang="en-US" dirty="0" smtClean="0"/>
+          </a:p>
+          <a:p>
+            <a:pPr lvl="1"/>
+            <a:r>
+              <a:rPr lang="en-US" dirty="0" smtClean="0"/>
+              <a:t>\project\</a:t>
+            </a:r>
+            <a:r>
+              <a:rPr lang="en-US" dirty="0" err="1" smtClean="0"/>
+              <a:t>hadoop</a:t>
+            </a:r>
+            <a:r>
+              <a:rPr lang="en-US" dirty="0" smtClean="0"/>
+              <a:t>\</a:t>
+            </a:r>
+            <a:r>
+              <a:rPr lang="en-US" dirty="0" err="1" smtClean="0"/>
+              <a:t>src</a:t>
+            </a:r>
+            <a:r>
+              <a:rPr lang="en-US" dirty="0" smtClean="0"/>
+              <a:t>\main\java\com\</a:t>
+            </a:r>
+            <a:r>
+              <a:rPr lang="en-US" dirty="0" err="1" smtClean="0"/>
+              <a:t>hadoop</a:t>
+            </a:r>
+            <a:r>
+              <a:rPr lang="en-US" dirty="0" smtClean="0"/>
+              <a:t> </a:t>
+            </a:r>
+            <a:r>
+              <a:rPr lang="en-US" dirty="0"/>
+              <a:t>\ </a:t>
+            </a:r>
+            <a:r>
+              <a:rPr lang="en-US" dirty="0" smtClean="0"/>
+              <a:t>reducers\</a:t>
+            </a:r>
+            <a:r>
+              <a:rPr lang="en-US" dirty="0"/>
+              <a:t>WordCount</a:t>
+            </a:r>
+            <a:r>
+              <a:rPr lang="en-US" dirty="0" smtClean="0"/>
+              <a:t>Reducer.java</a:t>
+            </a:r>
+            <a:endParaRPr lang="en-US" dirty="0"/>
+          </a:p>
+          <a:p>
+            <a:pPr lvl="1"/>
+            <a:endParaRPr lang="en-US" dirty="0" smtClean="0"/>
+          </a:p>
+          <a:p>
+            <a:endParaRPr lang="en-US" dirty="0"/>
+          </a:p>
+        </p:txBody>
+      </p:sp>
+    </p:spTree>
+    <p:extLst>
+      <p:ext uri="{BB962C8B-B14F-4D97-AF65-F5344CB8AC3E}">
+        <p14:creationId xmlns:p14="http://schemas.microsoft.com/office/powerpoint/2010/main" val="2981419"/>
+      </p:ext>
+    </p:extLst>
+  </p:cSld>
+  <p:clrMapOvr>
+    <a:masterClrMapping/>
+  </p:clrMapOvr>
+  <p:timing>
+    <p:tnLst>
+      <p:par>
+        <p:cTn id="1" dur="indefinite" restart="never" nodeType="tmRoot"/>
+      </p:par>
+    </p:tnLst>
+  </p:timing>
+</p:sld>
+</file>
+
+<file path=ppt/slides/slide13.xml><?xml version="1.0" encoding="utf-8"?>
+<p:sld xmlns:a="http://schemas.openxmlformats.org/drawingml/2006/main" xmlns:r="http://schemas.openxmlformats.org/officeDocument/2006/relationships" xmlns:p="http://schemas.openxmlformats.org/presentationml/2006/main">
+  <p:cSld>
+    <p:spTree>
+      <p:nvGrpSpPr>
+        <p:cNvPr id="1" name=""/>
+        <p:cNvGrpSpPr/>
+        <p:nvPr/>
+      </p:nvGrpSpPr>
+      <p:grpSpPr>
+        <a:xfrm>
+          <a:off x="0" y="0"/>
+          <a:ext cx="0" cy="0"/>
+          <a:chOff x="0" y="0"/>
+          <a:chExt cx="0" cy="0"/>
+        </a:xfrm>
+      </p:grpSpPr>
+      <p:sp>
+        <p:nvSpPr>
+          <p:cNvPr id="2" name="Title 1"/>
+          <p:cNvSpPr>
+            <a:spLocks noGrp="1"/>
+          </p:cNvSpPr>
+          <p:nvPr>
+            <p:ph type="title"/>
+          </p:nvPr>
+        </p:nvSpPr>
+        <p:spPr/>
+        <p:txBody>
+          <a:bodyPr/>
+          <a:lstStyle/>
+          <a:p>
+            <a:r>
+              <a:rPr lang="en-US" dirty="0" smtClean="0"/>
+              <a:t>Input &amp; Run on Terminal</a:t>
             </a:r>
             <a:endParaRPr lang="en-US" dirty="0"/>
           </a:p>
@@ -5518,190 +5824,6 @@
 </p:sld>
 </file>
 
-<file path=ppt/slides/slide12.xml><?xml version="1.0" encoding="utf-8"?>
-<p:sld xmlns:a="http://schemas.openxmlformats.org/drawingml/2006/main" xmlns:r="http://schemas.openxmlformats.org/officeDocument/2006/relationships" xmlns:p="http://schemas.openxmlformats.org/presentationml/2006/main">
-  <p:cSld>
-    <p:spTree>
-      <p:nvGrpSpPr>
-        <p:cNvPr id="1" name=""/>
-        <p:cNvGrpSpPr/>
-        <p:nvPr/>
-      </p:nvGrpSpPr>
-      <p:grpSpPr>
-        <a:xfrm>
-          <a:off x="0" y="0"/>
-          <a:ext cx="0" cy="0"/>
-          <a:chOff x="0" y="0"/>
-          <a:chExt cx="0" cy="0"/>
-        </a:xfrm>
-      </p:grpSpPr>
-      <p:sp>
-        <p:nvSpPr>
-          <p:cNvPr id="2" name="Title 1"/>
-          <p:cNvSpPr>
-            <a:spLocks noGrp="1"/>
-          </p:cNvSpPr>
-          <p:nvPr>
-            <p:ph type="title"/>
-          </p:nvPr>
-        </p:nvSpPr>
-        <p:spPr/>
-        <p:txBody>
-          <a:bodyPr/>
-          <a:lstStyle/>
-          <a:p>
-            <a:r>
-              <a:rPr lang="en-US" dirty="0" smtClean="0"/>
-              <a:t>Terminal OUTPUT</a:t>
-            </a:r>
-            <a:endParaRPr lang="en-US" dirty="0"/>
-          </a:p>
-        </p:txBody>
-      </p:sp>
-      <p:pic>
-        <p:nvPicPr>
-          <p:cNvPr id="8" name="Picture 7"/>
-          <p:cNvPicPr>
-            <a:picLocks noChangeAspect="1"/>
-          </p:cNvPicPr>
-          <p:nvPr/>
-        </p:nvPicPr>
-        <p:blipFill>
-          <a:blip r:embed="rId2"/>
-          <a:stretch>
-            <a:fillRect/>
-          </a:stretch>
-        </p:blipFill>
-        <p:spPr>
-          <a:xfrm>
-            <a:off x="1023589" y="1037229"/>
-            <a:ext cx="7369293" cy="5199880"/>
-          </a:xfrm>
-          <a:prstGeom prst="rect">
-            <a:avLst/>
-          </a:prstGeom>
-        </p:spPr>
-      </p:pic>
-    </p:spTree>
-    <p:extLst>
-      <p:ext uri="{BB962C8B-B14F-4D97-AF65-F5344CB8AC3E}">
-        <p14:creationId xmlns:p14="http://schemas.microsoft.com/office/powerpoint/2010/main" val="3217592657"/>
-      </p:ext>
-    </p:extLst>
-  </p:cSld>
-  <p:clrMapOvr>
-    <a:masterClrMapping/>
-  </p:clrMapOvr>
-  <p:timing>
-    <p:tnLst>
-      <p:par>
-        <p:cTn id="1" dur="indefinite" restart="never" nodeType="tmRoot"/>
-      </p:par>
-    </p:tnLst>
-  </p:timing>
-</p:sld>
-</file>
-
-<file path=ppt/slides/slide13.xml><?xml version="1.0" encoding="utf-8"?>
-<p:sld xmlns:a="http://schemas.openxmlformats.org/drawingml/2006/main" xmlns:r="http://schemas.openxmlformats.org/officeDocument/2006/relationships" xmlns:p="http://schemas.openxmlformats.org/presentationml/2006/main">
-  <p:cSld>
-    <p:spTree>
-      <p:nvGrpSpPr>
-        <p:cNvPr id="1" name=""/>
-        <p:cNvGrpSpPr/>
-        <p:nvPr/>
-      </p:nvGrpSpPr>
-      <p:grpSpPr>
-        <a:xfrm>
-          <a:off x="0" y="0"/>
-          <a:ext cx="0" cy="0"/>
-          <a:chOff x="0" y="0"/>
-          <a:chExt cx="0" cy="0"/>
-        </a:xfrm>
-      </p:grpSpPr>
-      <p:sp>
-        <p:nvSpPr>
-          <p:cNvPr id="2" name="Title 1"/>
-          <p:cNvSpPr>
-            <a:spLocks noGrp="1"/>
-          </p:cNvSpPr>
-          <p:nvPr>
-            <p:ph type="ctrTitle"/>
-          </p:nvPr>
-        </p:nvSpPr>
-        <p:spPr>
-          <a:xfrm>
-            <a:off x="2197706" y="2233421"/>
-            <a:ext cx="5574700" cy="1246765"/>
-          </a:xfrm>
-        </p:spPr>
-        <p:txBody>
-          <a:bodyPr/>
-          <a:lstStyle/>
-          <a:p>
-            <a:r>
-              <a:rPr lang="en-US" dirty="0" smtClean="0"/>
-              <a:t>Part 2 </a:t>
-            </a:r>
-            <a:br>
-              <a:rPr lang="en-US" dirty="0" smtClean="0"/>
-            </a:br>
-            <a:r>
-              <a:rPr lang="en-US" dirty="0" smtClean="0"/>
-              <a:t>Pair Approach</a:t>
-            </a:r>
-            <a:endParaRPr lang="en-US" dirty="0"/>
-          </a:p>
-        </p:txBody>
-      </p:sp>
-      <p:sp>
-        <p:nvSpPr>
-          <p:cNvPr id="4" name="TextBox 3"/>
-          <p:cNvSpPr txBox="1"/>
-          <p:nvPr/>
-        </p:nvSpPr>
-        <p:spPr>
-          <a:xfrm>
-            <a:off x="713990" y="5796878"/>
-            <a:ext cx="5824603" cy="1691015"/>
-          </a:xfrm>
-          <a:prstGeom prst="rect">
-            <a:avLst/>
-          </a:prstGeom>
-        </p:spPr>
-        <p:txBody>
-          <a:bodyPr vert="horz" wrap="square" lIns="91440" tIns="45720" rIns="91440" bIns="45720" rtlCol="0" anchor="t">
-            <a:normAutofit/>
-          </a:bodyPr>
-          <a:lstStyle/>
-          <a:p>
-            <a:endParaRPr lang="en-US" dirty="0">
-              <a:latin typeface="Gill Sans Light"/>
-              <a:cs typeface="Gill Sans Light"/>
-            </a:endParaRPr>
-          </a:p>
-        </p:txBody>
-      </p:sp>
-    </p:spTree>
-    <p:extLst>
-      <p:ext uri="{BB962C8B-B14F-4D97-AF65-F5344CB8AC3E}">
-        <p14:creationId xmlns:p14="http://schemas.microsoft.com/office/powerpoint/2010/main" val="106216841"/>
-      </p:ext>
-    </p:extLst>
-  </p:cSld>
-  <p:clrMapOvr>
-    <a:masterClrMapping/>
-  </p:clrMapOvr>
-  <p:timing>
-    <p:tnLst>
-      <p:par>
-        <p:cTn id="1" dur="indefinite" restart="never" nodeType="tmRoot"/>
-      </p:par>
-    </p:tnLst>
-  </p:timing>
-</p:sld>
-</file>
-
 <file path=ppt/slides/slide14.xml><?xml version="1.0" encoding="utf-8"?>
 <p:sld xmlns:a="http://schemas.openxmlformats.org/drawingml/2006/main" xmlns:r="http://schemas.openxmlformats.org/officeDocument/2006/relationships" xmlns:p="http://schemas.openxmlformats.org/presentationml/2006/main">
   <p:cSld>
@@ -5736,198 +5858,40 @@
           <a:p>
             <a:r>
               <a:rPr lang="en-US" dirty="0" smtClean="0"/>
-              <a:t>Pseudo code</a:t>
+              <a:t>Terminal OUTPUT</a:t>
             </a:r>
             <a:endParaRPr lang="en-US" dirty="0"/>
           </a:p>
         </p:txBody>
       </p:sp>
-      <p:sp>
-        <p:nvSpPr>
-          <p:cNvPr id="3" name="Content Placeholder 2"/>
-          <p:cNvSpPr>
-            <a:spLocks noGrp="1"/>
-          </p:cNvSpPr>
-          <p:nvPr>
-            <p:ph idx="1"/>
-          </p:nvPr>
-        </p:nvSpPr>
+      <p:pic>
+        <p:nvPicPr>
+          <p:cNvPr id="8" name="Picture 7"/>
+          <p:cNvPicPr>
+            <a:picLocks noChangeAspect="1"/>
+          </p:cNvPicPr>
+          <p:nvPr/>
+        </p:nvPicPr>
+        <p:blipFill>
+          <a:blip r:embed="rId2"/>
+          <a:stretch>
+            <a:fillRect/>
+          </a:stretch>
+        </p:blipFill>
         <p:spPr>
           <a:xfrm>
-            <a:off x="457200" y="1064527"/>
-            <a:ext cx="8229600" cy="1037232"/>
-          </a:xfrm>
-        </p:spPr>
-        <p:txBody>
-          <a:bodyPr/>
-          <a:lstStyle/>
-          <a:p>
-            <a:r>
-              <a:rPr lang="en-US" dirty="0"/>
-              <a:t>The Pairs approach to compute relative </a:t>
-            </a:r>
-            <a:r>
-              <a:rPr lang="en-US" dirty="0" smtClean="0"/>
-              <a:t>frequencies</a:t>
-            </a:r>
-          </a:p>
-          <a:p>
-            <a:endParaRPr lang="en-US" dirty="0"/>
-          </a:p>
-        </p:txBody>
-      </p:sp>
-      <p:sp>
-        <p:nvSpPr>
-          <p:cNvPr id="6" name="Rectangle 5"/>
-          <p:cNvSpPr/>
-          <p:nvPr/>
-        </p:nvSpPr>
-        <p:spPr>
-          <a:xfrm>
-            <a:off x="899657" y="2101760"/>
-            <a:ext cx="7241460" cy="4248195"/>
+            <a:off x="1023589" y="1037229"/>
+            <a:ext cx="7369293" cy="5199880"/>
           </a:xfrm>
           <a:prstGeom prst="rect">
             <a:avLst/>
           </a:prstGeom>
         </p:spPr>
-        <p:style>
-          <a:lnRef idx="1">
-            <a:schemeClr val="accent1"/>
-          </a:lnRef>
-          <a:fillRef idx="3">
-            <a:schemeClr val="accent1"/>
-          </a:fillRef>
-          <a:effectRef idx="2">
-            <a:schemeClr val="accent1"/>
-          </a:effectRef>
-          <a:fontRef idx="minor">
-            <a:schemeClr val="lt1"/>
-          </a:fontRef>
-        </p:style>
-        <p:txBody>
-          <a:bodyPr rtlCol="0" anchor="ctr"/>
-          <a:lstStyle/>
-          <a:p>
-            <a:r>
-              <a:rPr lang="en-US" dirty="0"/>
-              <a:t>	class Mapper</a:t>
-            </a:r>
-          </a:p>
-          <a:p>
-            <a:r>
-              <a:rPr lang="en-US" dirty="0"/>
-              <a:t>		method Map(</a:t>
-            </a:r>
-            <a:r>
-              <a:rPr lang="en-US" dirty="0" err="1"/>
-              <a:t>docid</a:t>
-            </a:r>
-            <a:r>
-              <a:rPr lang="en-US" dirty="0"/>
-              <a:t> a, doc d)</a:t>
-            </a:r>
-          </a:p>
-          <a:p>
-            <a:r>
-              <a:rPr lang="en-US" dirty="0"/>
-              <a:t>			for all term w in doc d do</a:t>
-            </a:r>
-          </a:p>
-          <a:p>
-            <a:r>
-              <a:rPr lang="en-US" dirty="0"/>
-              <a:t>				for all term u in Neighborhoods(w) do</a:t>
-            </a:r>
-          </a:p>
-          <a:p>
-            <a:r>
-              <a:rPr lang="en-US" dirty="0"/>
-              <a:t>					Emit(pair (w, u), count 1)</a:t>
-            </a:r>
-          </a:p>
-          <a:p>
-            <a:r>
-              <a:rPr lang="en-US" dirty="0"/>
-              <a:t>					Emit(pair (w, *), count 1)</a:t>
-            </a:r>
-          </a:p>
-          <a:p>
-            <a:r>
-              <a:rPr lang="en-US" dirty="0"/>
-              <a:t>	class Reducer</a:t>
-            </a:r>
-          </a:p>
-          <a:p>
-            <a:r>
-              <a:rPr lang="en-US" dirty="0"/>
-              <a:t>		method Initialize</a:t>
-            </a:r>
-          </a:p>
-          <a:p>
-            <a:r>
-              <a:rPr lang="en-US" dirty="0"/>
-              <a:t>			 marginal = 0</a:t>
-            </a:r>
-          </a:p>
-          <a:p>
-            <a:r>
-              <a:rPr lang="en-US" dirty="0"/>
-              <a:t>		method Reduce(pair p, counts [c1, c2,..])</a:t>
-            </a:r>
-          </a:p>
-          <a:p>
-            <a:r>
-              <a:rPr lang="en-US" dirty="0"/>
-              <a:t>			s = 0</a:t>
-            </a:r>
-          </a:p>
-          <a:p>
-            <a:r>
-              <a:rPr lang="en-US" dirty="0"/>
-              <a:t>			for all count c in counts[c1, c2,...] do</a:t>
-            </a:r>
-          </a:p>
-          <a:p>
-            <a:r>
-              <a:rPr lang="en-US" dirty="0"/>
-              <a:t>				s += c</a:t>
-            </a:r>
-          </a:p>
-          <a:p>
-            <a:r>
-              <a:rPr lang="en-US" dirty="0"/>
-              <a:t>			if (</a:t>
-            </a:r>
-            <a:r>
-              <a:rPr lang="en-US" dirty="0" err="1"/>
-              <a:t>p.u</a:t>
-            </a:r>
-            <a:r>
-              <a:rPr lang="en-US" dirty="0"/>
-              <a:t> == "*") marginal = s</a:t>
-            </a:r>
-          </a:p>
-          <a:p>
-            <a:r>
-              <a:rPr lang="en-US" dirty="0"/>
-              <a:t>			else Emit(pair p, double </a:t>
-            </a:r>
-            <a:r>
-              <a:rPr lang="en-US" dirty="0" smtClean="0"/>
-              <a:t>s/marginal</a:t>
-            </a:r>
-            <a:r>
-              <a:rPr lang="en-US" dirty="0"/>
-              <a:t>)</a:t>
-            </a:r>
-          </a:p>
-        </p:txBody>
-      </p:sp>
+      </p:pic>
     </p:spTree>
     <p:extLst>
       <p:ext uri="{BB962C8B-B14F-4D97-AF65-F5344CB8AC3E}">
-        <p14:creationId xmlns:p14="http://schemas.microsoft.com/office/powerpoint/2010/main" val="340896086"/>
+        <p14:creationId xmlns:p14="http://schemas.microsoft.com/office/powerpoint/2010/main" val="3217592657"/>
       </p:ext>
     </p:extLst>
   </p:cSld>
@@ -5968,6 +5932,348 @@
             <a:spLocks noGrp="1"/>
           </p:cNvSpPr>
           <p:nvPr>
+            <p:ph type="ctrTitle"/>
+          </p:nvPr>
+        </p:nvSpPr>
+        <p:spPr>
+          <a:xfrm>
+            <a:off x="2197706" y="2233421"/>
+            <a:ext cx="5574700" cy="1246765"/>
+          </a:xfrm>
+        </p:spPr>
+        <p:txBody>
+          <a:bodyPr/>
+          <a:lstStyle/>
+          <a:p>
+            <a:r>
+              <a:rPr lang="en-US" dirty="0" smtClean="0"/>
+              <a:t>Part 2 </a:t>
+            </a:r>
+            <a:br>
+              <a:rPr lang="en-US" dirty="0" smtClean="0"/>
+            </a:br>
+            <a:r>
+              <a:rPr lang="en-US" dirty="0" smtClean="0"/>
+              <a:t>Pair Approach</a:t>
+            </a:r>
+            <a:endParaRPr lang="en-US" dirty="0"/>
+          </a:p>
+        </p:txBody>
+      </p:sp>
+      <p:sp>
+        <p:nvSpPr>
+          <p:cNvPr id="4" name="TextBox 3"/>
+          <p:cNvSpPr txBox="1"/>
+          <p:nvPr/>
+        </p:nvSpPr>
+        <p:spPr>
+          <a:xfrm>
+            <a:off x="713990" y="5796878"/>
+            <a:ext cx="5824603" cy="1691015"/>
+          </a:xfrm>
+          <a:prstGeom prst="rect">
+            <a:avLst/>
+          </a:prstGeom>
+        </p:spPr>
+        <p:txBody>
+          <a:bodyPr vert="horz" wrap="square" lIns="91440" tIns="45720" rIns="91440" bIns="45720" rtlCol="0" anchor="t">
+            <a:normAutofit/>
+          </a:bodyPr>
+          <a:lstStyle/>
+          <a:p>
+            <a:endParaRPr lang="en-US" dirty="0">
+              <a:latin typeface="Gill Sans Light"/>
+              <a:cs typeface="Gill Sans Light"/>
+            </a:endParaRPr>
+          </a:p>
+        </p:txBody>
+      </p:sp>
+    </p:spTree>
+    <p:extLst>
+      <p:ext uri="{BB962C8B-B14F-4D97-AF65-F5344CB8AC3E}">
+        <p14:creationId xmlns:p14="http://schemas.microsoft.com/office/powerpoint/2010/main" val="106216841"/>
+      </p:ext>
+    </p:extLst>
+  </p:cSld>
+  <p:clrMapOvr>
+    <a:masterClrMapping/>
+  </p:clrMapOvr>
+  <p:timing>
+    <p:tnLst>
+      <p:par>
+        <p:cTn id="1" dur="indefinite" restart="never" nodeType="tmRoot"/>
+      </p:par>
+    </p:tnLst>
+  </p:timing>
+</p:sld>
+</file>
+
+<file path=ppt/slides/slide16.xml><?xml version="1.0" encoding="utf-8"?>
+<p:sld xmlns:a="http://schemas.openxmlformats.org/drawingml/2006/main" xmlns:r="http://schemas.openxmlformats.org/officeDocument/2006/relationships" xmlns:p="http://schemas.openxmlformats.org/presentationml/2006/main">
+  <p:cSld>
+    <p:spTree>
+      <p:nvGrpSpPr>
+        <p:cNvPr id="1" name=""/>
+        <p:cNvGrpSpPr/>
+        <p:nvPr/>
+      </p:nvGrpSpPr>
+      <p:grpSpPr>
+        <a:xfrm>
+          <a:off x="0" y="0"/>
+          <a:ext cx="0" cy="0"/>
+          <a:chOff x="0" y="0"/>
+          <a:chExt cx="0" cy="0"/>
+        </a:xfrm>
+      </p:grpSpPr>
+      <p:sp>
+        <p:nvSpPr>
+          <p:cNvPr id="2" name="Title 1"/>
+          <p:cNvSpPr>
+            <a:spLocks noGrp="1"/>
+          </p:cNvSpPr>
+          <p:nvPr>
+            <p:ph type="title"/>
+          </p:nvPr>
+        </p:nvSpPr>
+        <p:spPr/>
+        <p:txBody>
+          <a:bodyPr/>
+          <a:lstStyle/>
+          <a:p>
+            <a:r>
+              <a:rPr lang="en-US" dirty="0" smtClean="0"/>
+              <a:t>Pseudo code</a:t>
+            </a:r>
+            <a:endParaRPr lang="en-US" dirty="0"/>
+          </a:p>
+        </p:txBody>
+      </p:sp>
+      <p:sp>
+        <p:nvSpPr>
+          <p:cNvPr id="3" name="Content Placeholder 2"/>
+          <p:cNvSpPr>
+            <a:spLocks noGrp="1"/>
+          </p:cNvSpPr>
+          <p:nvPr>
+            <p:ph idx="1"/>
+          </p:nvPr>
+        </p:nvSpPr>
+        <p:spPr>
+          <a:xfrm>
+            <a:off x="457200" y="1064527"/>
+            <a:ext cx="8229600" cy="1037232"/>
+          </a:xfrm>
+        </p:spPr>
+        <p:txBody>
+          <a:bodyPr/>
+          <a:lstStyle/>
+          <a:p>
+            <a:r>
+              <a:rPr lang="en-US" dirty="0"/>
+              <a:t>The Pairs approach to compute relative </a:t>
+            </a:r>
+            <a:r>
+              <a:rPr lang="en-US" dirty="0" smtClean="0"/>
+              <a:t>frequencies</a:t>
+            </a:r>
+          </a:p>
+          <a:p>
+            <a:endParaRPr lang="en-US" dirty="0"/>
+          </a:p>
+        </p:txBody>
+      </p:sp>
+      <p:sp>
+        <p:nvSpPr>
+          <p:cNvPr id="6" name="Rectangle 5"/>
+          <p:cNvSpPr/>
+          <p:nvPr/>
+        </p:nvSpPr>
+        <p:spPr>
+          <a:xfrm>
+            <a:off x="899657" y="2101760"/>
+            <a:ext cx="7241460" cy="4248195"/>
+          </a:xfrm>
+          <a:prstGeom prst="rect">
+            <a:avLst/>
+          </a:prstGeom>
+        </p:spPr>
+        <p:style>
+          <a:lnRef idx="1">
+            <a:schemeClr val="accent1"/>
+          </a:lnRef>
+          <a:fillRef idx="3">
+            <a:schemeClr val="accent1"/>
+          </a:fillRef>
+          <a:effectRef idx="2">
+            <a:schemeClr val="accent1"/>
+          </a:effectRef>
+          <a:fontRef idx="minor">
+            <a:schemeClr val="lt1"/>
+          </a:fontRef>
+        </p:style>
+        <p:txBody>
+          <a:bodyPr rtlCol="0" anchor="ctr"/>
+          <a:lstStyle/>
+          <a:p>
+            <a:r>
+              <a:rPr lang="en-US" dirty="0"/>
+              <a:t>	class Mapper</a:t>
+            </a:r>
+          </a:p>
+          <a:p>
+            <a:r>
+              <a:rPr lang="en-US" dirty="0"/>
+              <a:t>		method Map(</a:t>
+            </a:r>
+            <a:r>
+              <a:rPr lang="en-US" dirty="0" err="1"/>
+              <a:t>docid</a:t>
+            </a:r>
+            <a:r>
+              <a:rPr lang="en-US" dirty="0"/>
+              <a:t> a, doc d)</a:t>
+            </a:r>
+          </a:p>
+          <a:p>
+            <a:r>
+              <a:rPr lang="en-US" dirty="0"/>
+              <a:t>			for all term w in doc d do</a:t>
+            </a:r>
+          </a:p>
+          <a:p>
+            <a:r>
+              <a:rPr lang="en-US" dirty="0"/>
+              <a:t>				for all term u in Neighborhoods(w) do</a:t>
+            </a:r>
+          </a:p>
+          <a:p>
+            <a:r>
+              <a:rPr lang="en-US" dirty="0"/>
+              <a:t>					Emit(pair (w, u), count 1)</a:t>
+            </a:r>
+          </a:p>
+          <a:p>
+            <a:r>
+              <a:rPr lang="en-US" dirty="0"/>
+              <a:t>					Emit(pair (w, *), count 1)</a:t>
+            </a:r>
+          </a:p>
+          <a:p>
+            <a:r>
+              <a:rPr lang="en-US" dirty="0"/>
+              <a:t>	class Reducer</a:t>
+            </a:r>
+          </a:p>
+          <a:p>
+            <a:r>
+              <a:rPr lang="en-US" dirty="0"/>
+              <a:t>		method Initialize</a:t>
+            </a:r>
+          </a:p>
+          <a:p>
+            <a:r>
+              <a:rPr lang="en-US" dirty="0"/>
+              <a:t>			 marginal = 0</a:t>
+            </a:r>
+          </a:p>
+          <a:p>
+            <a:r>
+              <a:rPr lang="en-US" dirty="0"/>
+              <a:t>		method Reduce(pair p, counts [c1, c2,..])</a:t>
+            </a:r>
+          </a:p>
+          <a:p>
+            <a:r>
+              <a:rPr lang="en-US" dirty="0"/>
+              <a:t>			s = 0</a:t>
+            </a:r>
+          </a:p>
+          <a:p>
+            <a:r>
+              <a:rPr lang="en-US" dirty="0"/>
+              <a:t>			for all count c in counts[c1, c2,...] do</a:t>
+            </a:r>
+          </a:p>
+          <a:p>
+            <a:r>
+              <a:rPr lang="en-US" dirty="0"/>
+              <a:t>				s += c</a:t>
+            </a:r>
+          </a:p>
+          <a:p>
+            <a:r>
+              <a:rPr lang="en-US" dirty="0"/>
+              <a:t>			if (</a:t>
+            </a:r>
+            <a:r>
+              <a:rPr lang="en-US" dirty="0" err="1"/>
+              <a:t>p.u</a:t>
+            </a:r>
+            <a:r>
+              <a:rPr lang="en-US" dirty="0"/>
+              <a:t> == "*") marginal = s</a:t>
+            </a:r>
+          </a:p>
+          <a:p>
+            <a:r>
+              <a:rPr lang="en-US" dirty="0"/>
+              <a:t>			else Emit(pair p, double </a:t>
+            </a:r>
+            <a:r>
+              <a:rPr lang="en-US" dirty="0" smtClean="0"/>
+              <a:t>s/marginal</a:t>
+            </a:r>
+            <a:r>
+              <a:rPr lang="en-US" dirty="0"/>
+              <a:t>)</a:t>
+            </a:r>
+          </a:p>
+        </p:txBody>
+      </p:sp>
+    </p:spTree>
+    <p:extLst>
+      <p:ext uri="{BB962C8B-B14F-4D97-AF65-F5344CB8AC3E}">
+        <p14:creationId xmlns:p14="http://schemas.microsoft.com/office/powerpoint/2010/main" val="340896086"/>
+      </p:ext>
+    </p:extLst>
+  </p:cSld>
+  <p:clrMapOvr>
+    <a:masterClrMapping/>
+  </p:clrMapOvr>
+  <p:timing>
+    <p:tnLst>
+      <p:par>
+        <p:cTn id="1" dur="indefinite" restart="never" nodeType="tmRoot"/>
+      </p:par>
+    </p:tnLst>
+  </p:timing>
+</p:sld>
+</file>
+
+<file path=ppt/slides/slide17.xml><?xml version="1.0" encoding="utf-8"?>
+<p:sld xmlns:a="http://schemas.openxmlformats.org/drawingml/2006/main" xmlns:r="http://schemas.openxmlformats.org/officeDocument/2006/relationships" xmlns:p="http://schemas.openxmlformats.org/presentationml/2006/main">
+  <p:cSld>
+    <p:spTree>
+      <p:nvGrpSpPr>
+        <p:cNvPr id="1" name=""/>
+        <p:cNvGrpSpPr/>
+        <p:nvPr/>
+      </p:nvGrpSpPr>
+      <p:grpSpPr>
+        <a:xfrm>
+          <a:off x="0" y="0"/>
+          <a:ext cx="0" cy="0"/>
+          <a:chOff x="0" y="0"/>
+          <a:chExt cx="0" cy="0"/>
+        </a:xfrm>
+      </p:grpSpPr>
+      <p:sp>
+        <p:nvSpPr>
+          <p:cNvPr id="2" name="Title 1"/>
+          <p:cNvSpPr>
+            <a:spLocks noGrp="1"/>
+          </p:cNvSpPr>
+          <p:nvPr>
             <p:ph type="title"/>
           </p:nvPr>
         </p:nvSpPr>
@@ -6131,7 +6437,7 @@
 </p:sld>
 </file>
 
-<file path=ppt/slides/slide16.xml><?xml version="1.0" encoding="utf-8"?>
+<file path=ppt/slides/slide18.xml><?xml version="1.0" encoding="utf-8"?>
 <p:sld xmlns:a="http://schemas.openxmlformats.org/drawingml/2006/main" xmlns:r="http://schemas.openxmlformats.org/officeDocument/2006/relationships" xmlns:p="http://schemas.openxmlformats.org/presentationml/2006/main">
   <p:cSld>
     <p:spTree>
@@ -6948,190 +7254,6 @@
 </p:sld>
 </file>
 
-<file path=ppt/slides/slide17.xml><?xml version="1.0" encoding="utf-8"?>
-<p:sld xmlns:a="http://schemas.openxmlformats.org/drawingml/2006/main" xmlns:r="http://schemas.openxmlformats.org/officeDocument/2006/relationships" xmlns:p="http://schemas.openxmlformats.org/presentationml/2006/main">
-  <p:cSld>
-    <p:spTree>
-      <p:nvGrpSpPr>
-        <p:cNvPr id="1" name=""/>
-        <p:cNvGrpSpPr/>
-        <p:nvPr/>
-      </p:nvGrpSpPr>
-      <p:grpSpPr>
-        <a:xfrm>
-          <a:off x="0" y="0"/>
-          <a:ext cx="0" cy="0"/>
-          <a:chOff x="0" y="0"/>
-          <a:chExt cx="0" cy="0"/>
-        </a:xfrm>
-      </p:grpSpPr>
-      <p:sp>
-        <p:nvSpPr>
-          <p:cNvPr id="2" name="Title 1"/>
-          <p:cNvSpPr>
-            <a:spLocks noGrp="1"/>
-          </p:cNvSpPr>
-          <p:nvPr>
-            <p:ph type="title"/>
-          </p:nvPr>
-        </p:nvSpPr>
-        <p:spPr/>
-        <p:txBody>
-          <a:bodyPr/>
-          <a:lstStyle/>
-          <a:p>
-            <a:r>
-              <a:rPr lang="en-US" dirty="0" smtClean="0"/>
-              <a:t>Terminal output</a:t>
-            </a:r>
-            <a:endParaRPr lang="en-US" dirty="0"/>
-          </a:p>
-        </p:txBody>
-      </p:sp>
-      <p:pic>
-        <p:nvPicPr>
-          <p:cNvPr id="5" name="Picture 4"/>
-          <p:cNvPicPr>
-            <a:picLocks noChangeAspect="1"/>
-          </p:cNvPicPr>
-          <p:nvPr/>
-        </p:nvPicPr>
-        <p:blipFill>
-          <a:blip r:embed="rId2"/>
-          <a:stretch>
-            <a:fillRect/>
-          </a:stretch>
-        </p:blipFill>
-        <p:spPr>
-          <a:xfrm>
-            <a:off x="726316" y="914399"/>
-            <a:ext cx="7697044" cy="5418161"/>
-          </a:xfrm>
-          <a:prstGeom prst="rect">
-            <a:avLst/>
-          </a:prstGeom>
-        </p:spPr>
-      </p:pic>
-    </p:spTree>
-    <p:extLst>
-      <p:ext uri="{BB962C8B-B14F-4D97-AF65-F5344CB8AC3E}">
-        <p14:creationId xmlns:p14="http://schemas.microsoft.com/office/powerpoint/2010/main" val="524239844"/>
-      </p:ext>
-    </p:extLst>
-  </p:cSld>
-  <p:clrMapOvr>
-    <a:masterClrMapping/>
-  </p:clrMapOvr>
-  <p:timing>
-    <p:tnLst>
-      <p:par>
-        <p:cTn id="1" dur="indefinite" restart="never" nodeType="tmRoot"/>
-      </p:par>
-    </p:tnLst>
-  </p:timing>
-</p:sld>
-</file>
-
-<file path=ppt/slides/slide18.xml><?xml version="1.0" encoding="utf-8"?>
-<p:sld xmlns:a="http://schemas.openxmlformats.org/drawingml/2006/main" xmlns:r="http://schemas.openxmlformats.org/officeDocument/2006/relationships" xmlns:p="http://schemas.openxmlformats.org/presentationml/2006/main">
-  <p:cSld>
-    <p:spTree>
-      <p:nvGrpSpPr>
-        <p:cNvPr id="1" name=""/>
-        <p:cNvGrpSpPr/>
-        <p:nvPr/>
-      </p:nvGrpSpPr>
-      <p:grpSpPr>
-        <a:xfrm>
-          <a:off x="0" y="0"/>
-          <a:ext cx="0" cy="0"/>
-          <a:chOff x="0" y="0"/>
-          <a:chExt cx="0" cy="0"/>
-        </a:xfrm>
-      </p:grpSpPr>
-      <p:sp>
-        <p:nvSpPr>
-          <p:cNvPr id="2" name="Title 1"/>
-          <p:cNvSpPr>
-            <a:spLocks noGrp="1"/>
-          </p:cNvSpPr>
-          <p:nvPr>
-            <p:ph type="ctrTitle"/>
-          </p:nvPr>
-        </p:nvSpPr>
-        <p:spPr>
-          <a:xfrm>
-            <a:off x="2197706" y="2247069"/>
-            <a:ext cx="5574700" cy="1301356"/>
-          </a:xfrm>
-        </p:spPr>
-        <p:txBody>
-          <a:bodyPr/>
-          <a:lstStyle/>
-          <a:p>
-            <a:r>
-              <a:rPr lang="en-US" dirty="0" smtClean="0"/>
-              <a:t>Part 3 </a:t>
-            </a:r>
-            <a:br>
-              <a:rPr lang="en-US" dirty="0" smtClean="0"/>
-            </a:br>
-            <a:r>
-              <a:rPr lang="en-US" dirty="0" smtClean="0"/>
-              <a:t>Stripe Approach</a:t>
-            </a:r>
-            <a:endParaRPr lang="en-US" dirty="0"/>
-          </a:p>
-        </p:txBody>
-      </p:sp>
-      <p:sp>
-        <p:nvSpPr>
-          <p:cNvPr id="4" name="TextBox 3"/>
-          <p:cNvSpPr txBox="1"/>
-          <p:nvPr/>
-        </p:nvSpPr>
-        <p:spPr>
-          <a:xfrm>
-            <a:off x="713990" y="5796878"/>
-            <a:ext cx="5824603" cy="1691015"/>
-          </a:xfrm>
-          <a:prstGeom prst="rect">
-            <a:avLst/>
-          </a:prstGeom>
-        </p:spPr>
-        <p:txBody>
-          <a:bodyPr vert="horz" wrap="square" lIns="91440" tIns="45720" rIns="91440" bIns="45720" rtlCol="0" anchor="t">
-            <a:normAutofit/>
-          </a:bodyPr>
-          <a:lstStyle/>
-          <a:p>
-            <a:endParaRPr lang="en-US" dirty="0">
-              <a:latin typeface="Gill Sans Light"/>
-              <a:cs typeface="Gill Sans Light"/>
-            </a:endParaRPr>
-          </a:p>
-        </p:txBody>
-      </p:sp>
-    </p:spTree>
-    <p:extLst>
-      <p:ext uri="{BB962C8B-B14F-4D97-AF65-F5344CB8AC3E}">
-        <p14:creationId xmlns:p14="http://schemas.microsoft.com/office/powerpoint/2010/main" val="2322987464"/>
-      </p:ext>
-    </p:extLst>
-  </p:cSld>
-  <p:clrMapOvr>
-    <a:masterClrMapping/>
-  </p:clrMapOvr>
-  <p:timing>
-    <p:tnLst>
-      <p:par>
-        <p:cTn id="1" dur="indefinite" restart="never" nodeType="tmRoot"/>
-      </p:par>
-    </p:tnLst>
-  </p:timing>
-</p:sld>
-</file>
-
 <file path=ppt/slides/slide19.xml><?xml version="1.0" encoding="utf-8"?>
 <p:sld xmlns:a="http://schemas.openxmlformats.org/drawingml/2006/main" xmlns:r="http://schemas.openxmlformats.org/officeDocument/2006/relationships" xmlns:p="http://schemas.openxmlformats.org/presentationml/2006/main">
   <p:cSld>
@@ -7166,268 +7288,40 @@
           <a:p>
             <a:r>
               <a:rPr lang="en-US" dirty="0" smtClean="0"/>
-              <a:t>Pseudo code</a:t>
+              <a:t>Terminal output</a:t>
             </a:r>
             <a:endParaRPr lang="en-US" dirty="0"/>
           </a:p>
         </p:txBody>
       </p:sp>
-      <p:sp>
-        <p:nvSpPr>
-          <p:cNvPr id="3" name="Content Placeholder 2"/>
-          <p:cNvSpPr>
-            <a:spLocks noGrp="1"/>
-          </p:cNvSpPr>
-          <p:nvPr>
-            <p:ph idx="1"/>
-          </p:nvPr>
-        </p:nvSpPr>
+      <p:pic>
+        <p:nvPicPr>
+          <p:cNvPr id="5" name="Picture 4"/>
+          <p:cNvPicPr>
+            <a:picLocks noChangeAspect="1"/>
+          </p:cNvPicPr>
+          <p:nvPr/>
+        </p:nvPicPr>
+        <p:blipFill>
+          <a:blip r:embed="rId2"/>
+          <a:stretch>
+            <a:fillRect/>
+          </a:stretch>
+        </p:blipFill>
         <p:spPr>
           <a:xfrm>
-            <a:off x="457200" y="969382"/>
-            <a:ext cx="8229600" cy="4525963"/>
-          </a:xfrm>
-        </p:spPr>
-        <p:txBody>
-          <a:bodyPr/>
-          <a:lstStyle/>
-          <a:p>
-            <a:r>
-              <a:rPr lang="en-US" sz="2800" dirty="0"/>
-              <a:t>The Stripe approach to compute relative frequencies</a:t>
-            </a:r>
-          </a:p>
-          <a:p>
-            <a:endParaRPr lang="en-US" sz="2800" dirty="0"/>
-          </a:p>
-        </p:txBody>
-      </p:sp>
-      <p:sp>
-        <p:nvSpPr>
-          <p:cNvPr id="6" name="Rectangle 5"/>
-          <p:cNvSpPr/>
-          <p:nvPr/>
-        </p:nvSpPr>
-        <p:spPr>
-          <a:xfrm>
-            <a:off x="899654" y="1542422"/>
-            <a:ext cx="7374195" cy="4822723"/>
+            <a:off x="726316" y="914399"/>
+            <a:ext cx="7697044" cy="5418161"/>
           </a:xfrm>
           <a:prstGeom prst="rect">
             <a:avLst/>
           </a:prstGeom>
         </p:spPr>
-        <p:style>
-          <a:lnRef idx="1">
-            <a:schemeClr val="accent1"/>
-          </a:lnRef>
-          <a:fillRef idx="3">
-            <a:schemeClr val="accent1"/>
-          </a:fillRef>
-          <a:effectRef idx="2">
-            <a:schemeClr val="accent1"/>
-          </a:effectRef>
-          <a:fontRef idx="minor">
-            <a:schemeClr val="lt1"/>
-          </a:fontRef>
-        </p:style>
-        <p:txBody>
-          <a:bodyPr rtlCol="0" anchor="ctr"/>
-          <a:lstStyle/>
-          <a:p>
-            <a:r>
-              <a:rPr lang="en-US" sz="1600" dirty="0"/>
-              <a:t>	class Mapper</a:t>
-            </a:r>
-          </a:p>
-          <a:p>
-            <a:r>
-              <a:rPr lang="en-US" sz="1600" dirty="0"/>
-              <a:t>		method Map(</a:t>
-            </a:r>
-            <a:r>
-              <a:rPr lang="en-US" sz="1600" dirty="0" err="1"/>
-              <a:t>docid</a:t>
-            </a:r>
-            <a:r>
-              <a:rPr lang="en-US" sz="1600" dirty="0"/>
-              <a:t> a, doc d)</a:t>
-            </a:r>
-          </a:p>
-          <a:p>
-            <a:r>
-              <a:rPr lang="en-US" sz="1600" dirty="0"/>
-              <a:t>			for all term w in doc d do</a:t>
-            </a:r>
-          </a:p>
-          <a:p>
-            <a:r>
-              <a:rPr lang="en-US" sz="1600" dirty="0"/>
-              <a:t>				H = new </a:t>
-            </a:r>
-            <a:r>
-              <a:rPr lang="en-US" sz="1600" dirty="0" err="1"/>
-              <a:t>AssociativeArray</a:t>
-            </a:r>
-            <a:endParaRPr lang="en-US" sz="1600" dirty="0"/>
-          </a:p>
-          <a:p>
-            <a:r>
-              <a:rPr lang="en-US" sz="1600" dirty="0"/>
-              <a:t>				for all term u in Neighborhoods(w) do</a:t>
-            </a:r>
-          </a:p>
-          <a:p>
-            <a:r>
-              <a:rPr lang="en-US" sz="1600" dirty="0"/>
-              <a:t>					H{u} = H{u} + 1</a:t>
-            </a:r>
-          </a:p>
-          <a:p>
-            <a:r>
-              <a:rPr lang="en-US" sz="1600" dirty="0"/>
-              <a:t>				Emit(term w, stripe H)</a:t>
-            </a:r>
-          </a:p>
-          <a:p>
-            <a:r>
-              <a:rPr lang="en-US" sz="1600" dirty="0"/>
-              <a:t>	class Reducer</a:t>
-            </a:r>
-          </a:p>
-          <a:p>
-            <a:r>
-              <a:rPr lang="en-US" sz="1600" dirty="0"/>
-              <a:t>		method Reduce(term w, stripes [H1, H2,...])</a:t>
-            </a:r>
-          </a:p>
-          <a:p>
-            <a:r>
-              <a:rPr lang="en-US" sz="1600" dirty="0"/>
-              <a:t>			</a:t>
-            </a:r>
-            <a:r>
-              <a:rPr lang="en-US" sz="1600" dirty="0" err="1"/>
-              <a:t>Hf</a:t>
-            </a:r>
-            <a:r>
-              <a:rPr lang="en-US" sz="1600" dirty="0"/>
-              <a:t> = new </a:t>
-            </a:r>
-            <a:r>
-              <a:rPr lang="en-US" sz="1600" dirty="0" err="1"/>
-              <a:t>AssociativeArray</a:t>
-            </a:r>
-            <a:endParaRPr lang="en-US" sz="1600" dirty="0"/>
-          </a:p>
-          <a:p>
-            <a:r>
-              <a:rPr lang="en-US" sz="1600" dirty="0"/>
-              <a:t>			 marginal = 0 </a:t>
-            </a:r>
-          </a:p>
-          <a:p>
-            <a:r>
-              <a:rPr lang="en-US" sz="1600" dirty="0"/>
-              <a:t>			for all stripe H in stripes [H1, H2, ...] do</a:t>
-            </a:r>
-          </a:p>
-          <a:p>
-            <a:r>
-              <a:rPr lang="en-US" sz="1600" dirty="0"/>
-              <a:t>				//Element-wise sum: Sum(</a:t>
-            </a:r>
-            <a:r>
-              <a:rPr lang="en-US" sz="1600" dirty="0" err="1"/>
-              <a:t>Hf</a:t>
-            </a:r>
-            <a:r>
-              <a:rPr lang="en-US" sz="1600" dirty="0"/>
-              <a:t>, H)</a:t>
-            </a:r>
-          </a:p>
-          <a:p>
-            <a:r>
-              <a:rPr lang="en-US" sz="1600" dirty="0"/>
-              <a:t>				for all term t in stripe H do</a:t>
-            </a:r>
-          </a:p>
-          <a:p>
-            <a:r>
-              <a:rPr lang="en-US" sz="1600" dirty="0"/>
-              <a:t>					</a:t>
-            </a:r>
-            <a:r>
-              <a:rPr lang="en-US" sz="1600" dirty="0" err="1"/>
-              <a:t>Hf</a:t>
-            </a:r>
-            <a:r>
-              <a:rPr lang="en-US" sz="1600" dirty="0"/>
-              <a:t>{t} += H{t}</a:t>
-            </a:r>
-          </a:p>
-          <a:p>
-            <a:r>
-              <a:rPr lang="en-US" sz="1600" dirty="0"/>
-              <a:t>					total += H{t}</a:t>
-            </a:r>
-          </a:p>
-          <a:p>
-            <a:r>
-              <a:rPr lang="en-US" sz="1600" dirty="0"/>
-              <a:t>			for all term t in stripe </a:t>
-            </a:r>
-            <a:r>
-              <a:rPr lang="en-US" sz="1600" dirty="0" err="1"/>
-              <a:t>Hf</a:t>
-            </a:r>
-            <a:r>
-              <a:rPr lang="en-US" sz="1600" dirty="0"/>
-              <a:t> do</a:t>
-            </a:r>
-          </a:p>
-          <a:p>
-            <a:r>
-              <a:rPr lang="en-US" sz="1600" dirty="0"/>
-              <a:t>				</a:t>
-            </a:r>
-            <a:r>
-              <a:rPr lang="en-US" sz="1600" dirty="0" err="1"/>
-              <a:t>Hf</a:t>
-            </a:r>
-            <a:r>
-              <a:rPr lang="en-US" sz="1600" dirty="0"/>
-              <a:t>{t} = </a:t>
-            </a:r>
-            <a:r>
-              <a:rPr lang="en-US" sz="1600" dirty="0" err="1"/>
-              <a:t>Hf</a:t>
-            </a:r>
-            <a:r>
-              <a:rPr lang="en-US" sz="1600" dirty="0"/>
-              <a:t>{t}/ marginal</a:t>
-            </a:r>
-          </a:p>
-          <a:p>
-            <a:r>
-              <a:rPr lang="en-US" sz="1600" dirty="0"/>
-              <a:t>			Emit(term w, stripe </a:t>
-            </a:r>
-            <a:r>
-              <a:rPr lang="en-US" sz="1600" dirty="0" err="1"/>
-              <a:t>Hf</a:t>
-            </a:r>
-            <a:r>
-              <a:rPr lang="en-US" sz="1600" dirty="0"/>
-              <a:t>)</a:t>
-            </a:r>
-          </a:p>
-        </p:txBody>
-      </p:sp>
+      </p:pic>
     </p:spTree>
     <p:extLst>
       <p:ext uri="{BB962C8B-B14F-4D97-AF65-F5344CB8AC3E}">
-        <p14:creationId xmlns:p14="http://schemas.microsoft.com/office/powerpoint/2010/main" val="3324663414"/>
+        <p14:creationId xmlns:p14="http://schemas.microsoft.com/office/powerpoint/2010/main" val="524239844"/>
       </p:ext>
     </p:extLst>
   </p:cSld>
@@ -7591,6 +7485,418 @@
             <a:spLocks noGrp="1"/>
           </p:cNvSpPr>
           <p:nvPr>
+            <p:ph type="ctrTitle"/>
+          </p:nvPr>
+        </p:nvSpPr>
+        <p:spPr>
+          <a:xfrm>
+            <a:off x="2197706" y="2247069"/>
+            <a:ext cx="5574700" cy="1301356"/>
+          </a:xfrm>
+        </p:spPr>
+        <p:txBody>
+          <a:bodyPr/>
+          <a:lstStyle/>
+          <a:p>
+            <a:r>
+              <a:rPr lang="en-US" dirty="0" smtClean="0"/>
+              <a:t>Part 3 </a:t>
+            </a:r>
+            <a:br>
+              <a:rPr lang="en-US" dirty="0" smtClean="0"/>
+            </a:br>
+            <a:r>
+              <a:rPr lang="en-US" dirty="0" smtClean="0"/>
+              <a:t>Stripe Approach</a:t>
+            </a:r>
+            <a:endParaRPr lang="en-US" dirty="0"/>
+          </a:p>
+        </p:txBody>
+      </p:sp>
+      <p:sp>
+        <p:nvSpPr>
+          <p:cNvPr id="4" name="TextBox 3"/>
+          <p:cNvSpPr txBox="1"/>
+          <p:nvPr/>
+        </p:nvSpPr>
+        <p:spPr>
+          <a:xfrm>
+            <a:off x="713990" y="5796878"/>
+            <a:ext cx="5824603" cy="1691015"/>
+          </a:xfrm>
+          <a:prstGeom prst="rect">
+            <a:avLst/>
+          </a:prstGeom>
+        </p:spPr>
+        <p:txBody>
+          <a:bodyPr vert="horz" wrap="square" lIns="91440" tIns="45720" rIns="91440" bIns="45720" rtlCol="0" anchor="t">
+            <a:normAutofit/>
+          </a:bodyPr>
+          <a:lstStyle/>
+          <a:p>
+            <a:endParaRPr lang="en-US" dirty="0">
+              <a:latin typeface="Gill Sans Light"/>
+              <a:cs typeface="Gill Sans Light"/>
+            </a:endParaRPr>
+          </a:p>
+        </p:txBody>
+      </p:sp>
+    </p:spTree>
+    <p:extLst>
+      <p:ext uri="{BB962C8B-B14F-4D97-AF65-F5344CB8AC3E}">
+        <p14:creationId xmlns:p14="http://schemas.microsoft.com/office/powerpoint/2010/main" val="2322987464"/>
+      </p:ext>
+    </p:extLst>
+  </p:cSld>
+  <p:clrMapOvr>
+    <a:masterClrMapping/>
+  </p:clrMapOvr>
+  <p:timing>
+    <p:tnLst>
+      <p:par>
+        <p:cTn id="1" dur="indefinite" restart="never" nodeType="tmRoot"/>
+      </p:par>
+    </p:tnLst>
+  </p:timing>
+</p:sld>
+</file>
+
+<file path=ppt/slides/slide21.xml><?xml version="1.0" encoding="utf-8"?>
+<p:sld xmlns:a="http://schemas.openxmlformats.org/drawingml/2006/main" xmlns:r="http://schemas.openxmlformats.org/officeDocument/2006/relationships" xmlns:p="http://schemas.openxmlformats.org/presentationml/2006/main">
+  <p:cSld>
+    <p:spTree>
+      <p:nvGrpSpPr>
+        <p:cNvPr id="1" name=""/>
+        <p:cNvGrpSpPr/>
+        <p:nvPr/>
+      </p:nvGrpSpPr>
+      <p:grpSpPr>
+        <a:xfrm>
+          <a:off x="0" y="0"/>
+          <a:ext cx="0" cy="0"/>
+          <a:chOff x="0" y="0"/>
+          <a:chExt cx="0" cy="0"/>
+        </a:xfrm>
+      </p:grpSpPr>
+      <p:sp>
+        <p:nvSpPr>
+          <p:cNvPr id="2" name="Title 1"/>
+          <p:cNvSpPr>
+            <a:spLocks noGrp="1"/>
+          </p:cNvSpPr>
+          <p:nvPr>
+            <p:ph type="title"/>
+          </p:nvPr>
+        </p:nvSpPr>
+        <p:spPr/>
+        <p:txBody>
+          <a:bodyPr/>
+          <a:lstStyle/>
+          <a:p>
+            <a:r>
+              <a:rPr lang="en-US" dirty="0" smtClean="0"/>
+              <a:t>Pseudo code</a:t>
+            </a:r>
+            <a:endParaRPr lang="en-US" dirty="0"/>
+          </a:p>
+        </p:txBody>
+      </p:sp>
+      <p:sp>
+        <p:nvSpPr>
+          <p:cNvPr id="3" name="Content Placeholder 2"/>
+          <p:cNvSpPr>
+            <a:spLocks noGrp="1"/>
+          </p:cNvSpPr>
+          <p:nvPr>
+            <p:ph idx="1"/>
+          </p:nvPr>
+        </p:nvSpPr>
+        <p:spPr>
+          <a:xfrm>
+            <a:off x="457200" y="969382"/>
+            <a:ext cx="8229600" cy="4525963"/>
+          </a:xfrm>
+        </p:spPr>
+        <p:txBody>
+          <a:bodyPr/>
+          <a:lstStyle/>
+          <a:p>
+            <a:r>
+              <a:rPr lang="en-US" sz="2800" dirty="0"/>
+              <a:t>The Stripe approach to compute relative frequencies</a:t>
+            </a:r>
+          </a:p>
+          <a:p>
+            <a:endParaRPr lang="en-US" sz="2800" dirty="0"/>
+          </a:p>
+        </p:txBody>
+      </p:sp>
+      <p:sp>
+        <p:nvSpPr>
+          <p:cNvPr id="6" name="Rectangle 5"/>
+          <p:cNvSpPr/>
+          <p:nvPr/>
+        </p:nvSpPr>
+        <p:spPr>
+          <a:xfrm>
+            <a:off x="899654" y="1542422"/>
+            <a:ext cx="7374195" cy="4822723"/>
+          </a:xfrm>
+          <a:prstGeom prst="rect">
+            <a:avLst/>
+          </a:prstGeom>
+        </p:spPr>
+        <p:style>
+          <a:lnRef idx="1">
+            <a:schemeClr val="accent1"/>
+          </a:lnRef>
+          <a:fillRef idx="3">
+            <a:schemeClr val="accent1"/>
+          </a:fillRef>
+          <a:effectRef idx="2">
+            <a:schemeClr val="accent1"/>
+          </a:effectRef>
+          <a:fontRef idx="minor">
+            <a:schemeClr val="lt1"/>
+          </a:fontRef>
+        </p:style>
+        <p:txBody>
+          <a:bodyPr rtlCol="0" anchor="ctr"/>
+          <a:lstStyle/>
+          <a:p>
+            <a:r>
+              <a:rPr lang="en-US" sz="1600" dirty="0"/>
+              <a:t>	class Mapper</a:t>
+            </a:r>
+          </a:p>
+          <a:p>
+            <a:r>
+              <a:rPr lang="en-US" sz="1600" dirty="0"/>
+              <a:t>		method Map(</a:t>
+            </a:r>
+            <a:r>
+              <a:rPr lang="en-US" sz="1600" dirty="0" err="1"/>
+              <a:t>docid</a:t>
+            </a:r>
+            <a:r>
+              <a:rPr lang="en-US" sz="1600" dirty="0"/>
+              <a:t> a, doc d)</a:t>
+            </a:r>
+          </a:p>
+          <a:p>
+            <a:r>
+              <a:rPr lang="en-US" sz="1600" dirty="0"/>
+              <a:t>			for all term w in doc d do</a:t>
+            </a:r>
+          </a:p>
+          <a:p>
+            <a:r>
+              <a:rPr lang="en-US" sz="1600" dirty="0"/>
+              <a:t>				H = new </a:t>
+            </a:r>
+            <a:r>
+              <a:rPr lang="en-US" sz="1600" dirty="0" err="1"/>
+              <a:t>AssociativeArray</a:t>
+            </a:r>
+            <a:endParaRPr lang="en-US" sz="1600" dirty="0"/>
+          </a:p>
+          <a:p>
+            <a:r>
+              <a:rPr lang="en-US" sz="1600" dirty="0"/>
+              <a:t>				for all term u in Neighborhoods(w) do</a:t>
+            </a:r>
+          </a:p>
+          <a:p>
+            <a:r>
+              <a:rPr lang="en-US" sz="1600" dirty="0"/>
+              <a:t>					H{u} = H{u} + 1</a:t>
+            </a:r>
+          </a:p>
+          <a:p>
+            <a:r>
+              <a:rPr lang="en-US" sz="1600" dirty="0"/>
+              <a:t>				Emit(term w, stripe H)</a:t>
+            </a:r>
+          </a:p>
+          <a:p>
+            <a:r>
+              <a:rPr lang="en-US" sz="1600" dirty="0"/>
+              <a:t>	class Reducer</a:t>
+            </a:r>
+          </a:p>
+          <a:p>
+            <a:r>
+              <a:rPr lang="en-US" sz="1600" dirty="0"/>
+              <a:t>		method Reduce(term w, stripes [H1, H2,...])</a:t>
+            </a:r>
+          </a:p>
+          <a:p>
+            <a:r>
+              <a:rPr lang="en-US" sz="1600" dirty="0"/>
+              <a:t>			</a:t>
+            </a:r>
+            <a:r>
+              <a:rPr lang="en-US" sz="1600" dirty="0" err="1"/>
+              <a:t>Hf</a:t>
+            </a:r>
+            <a:r>
+              <a:rPr lang="en-US" sz="1600" dirty="0"/>
+              <a:t> = new </a:t>
+            </a:r>
+            <a:r>
+              <a:rPr lang="en-US" sz="1600" dirty="0" err="1"/>
+              <a:t>AssociativeArray</a:t>
+            </a:r>
+            <a:endParaRPr lang="en-US" sz="1600" dirty="0"/>
+          </a:p>
+          <a:p>
+            <a:r>
+              <a:rPr lang="en-US" sz="1600" dirty="0"/>
+              <a:t>			 marginal = 0 </a:t>
+            </a:r>
+          </a:p>
+          <a:p>
+            <a:r>
+              <a:rPr lang="en-US" sz="1600" dirty="0"/>
+              <a:t>			for all stripe H in stripes [H1, H2, ...] do</a:t>
+            </a:r>
+          </a:p>
+          <a:p>
+            <a:r>
+              <a:rPr lang="en-US" sz="1600" dirty="0"/>
+              <a:t>				//Element-wise sum: Sum(</a:t>
+            </a:r>
+            <a:r>
+              <a:rPr lang="en-US" sz="1600" dirty="0" err="1"/>
+              <a:t>Hf</a:t>
+            </a:r>
+            <a:r>
+              <a:rPr lang="en-US" sz="1600" dirty="0"/>
+              <a:t>, H)</a:t>
+            </a:r>
+          </a:p>
+          <a:p>
+            <a:r>
+              <a:rPr lang="en-US" sz="1600" dirty="0"/>
+              <a:t>				for all term t in stripe H do</a:t>
+            </a:r>
+          </a:p>
+          <a:p>
+            <a:r>
+              <a:rPr lang="en-US" sz="1600" dirty="0"/>
+              <a:t>					</a:t>
+            </a:r>
+            <a:r>
+              <a:rPr lang="en-US" sz="1600" dirty="0" err="1"/>
+              <a:t>Hf</a:t>
+            </a:r>
+            <a:r>
+              <a:rPr lang="en-US" sz="1600" dirty="0"/>
+              <a:t>{t} += H{t}</a:t>
+            </a:r>
+          </a:p>
+          <a:p>
+            <a:r>
+              <a:rPr lang="en-US" sz="1600" dirty="0"/>
+              <a:t>					total += H{t}</a:t>
+            </a:r>
+          </a:p>
+          <a:p>
+            <a:r>
+              <a:rPr lang="en-US" sz="1600" dirty="0"/>
+              <a:t>			for all term t in stripe </a:t>
+            </a:r>
+            <a:r>
+              <a:rPr lang="en-US" sz="1600" dirty="0" err="1"/>
+              <a:t>Hf</a:t>
+            </a:r>
+            <a:r>
+              <a:rPr lang="en-US" sz="1600" dirty="0"/>
+              <a:t> do</a:t>
+            </a:r>
+          </a:p>
+          <a:p>
+            <a:r>
+              <a:rPr lang="en-US" sz="1600" dirty="0"/>
+              <a:t>				</a:t>
+            </a:r>
+            <a:r>
+              <a:rPr lang="en-US" sz="1600" dirty="0" err="1"/>
+              <a:t>Hf</a:t>
+            </a:r>
+            <a:r>
+              <a:rPr lang="en-US" sz="1600" dirty="0"/>
+              <a:t>{t} = </a:t>
+            </a:r>
+            <a:r>
+              <a:rPr lang="en-US" sz="1600" dirty="0" err="1"/>
+              <a:t>Hf</a:t>
+            </a:r>
+            <a:r>
+              <a:rPr lang="en-US" sz="1600" dirty="0"/>
+              <a:t>{t}/ marginal</a:t>
+            </a:r>
+          </a:p>
+          <a:p>
+            <a:r>
+              <a:rPr lang="en-US" sz="1600" dirty="0"/>
+              <a:t>			Emit(term w, stripe </a:t>
+            </a:r>
+            <a:r>
+              <a:rPr lang="en-US" sz="1600" dirty="0" err="1"/>
+              <a:t>Hf</a:t>
+            </a:r>
+            <a:r>
+              <a:rPr lang="en-US" sz="1600" dirty="0"/>
+              <a:t>)</a:t>
+            </a:r>
+          </a:p>
+        </p:txBody>
+      </p:sp>
+    </p:spTree>
+    <p:extLst>
+      <p:ext uri="{BB962C8B-B14F-4D97-AF65-F5344CB8AC3E}">
+        <p14:creationId xmlns:p14="http://schemas.microsoft.com/office/powerpoint/2010/main" val="3324663414"/>
+      </p:ext>
+    </p:extLst>
+  </p:cSld>
+  <p:clrMapOvr>
+    <a:masterClrMapping/>
+  </p:clrMapOvr>
+  <p:timing>
+    <p:tnLst>
+      <p:par>
+        <p:cTn id="1" dur="indefinite" restart="never" nodeType="tmRoot"/>
+      </p:par>
+    </p:tnLst>
+  </p:timing>
+</p:sld>
+</file>
+
+<file path=ppt/slides/slide22.xml><?xml version="1.0" encoding="utf-8"?>
+<p:sld xmlns:a="http://schemas.openxmlformats.org/drawingml/2006/main" xmlns:r="http://schemas.openxmlformats.org/officeDocument/2006/relationships" xmlns:p="http://schemas.openxmlformats.org/presentationml/2006/main">
+  <p:cSld>
+    <p:spTree>
+      <p:nvGrpSpPr>
+        <p:cNvPr id="1" name=""/>
+        <p:cNvGrpSpPr/>
+        <p:nvPr/>
+      </p:nvGrpSpPr>
+      <p:grpSpPr>
+        <a:xfrm>
+          <a:off x="0" y="0"/>
+          <a:ext cx="0" cy="0"/>
+          <a:chOff x="0" y="0"/>
+          <a:chExt cx="0" cy="0"/>
+        </a:xfrm>
+      </p:grpSpPr>
+      <p:sp>
+        <p:nvSpPr>
+          <p:cNvPr id="2" name="Title 1"/>
+          <p:cNvSpPr>
+            <a:spLocks noGrp="1"/>
+          </p:cNvSpPr>
+          <p:nvPr>
             <p:ph type="title"/>
           </p:nvPr>
         </p:nvSpPr>
@@ -7767,7 +8073,7 @@
 </p:sld>
 </file>
 
-<file path=ppt/slides/slide21.xml><?xml version="1.0" encoding="utf-8"?>
+<file path=ppt/slides/slide23.xml><?xml version="1.0" encoding="utf-8"?>
 <p:sld xmlns:a="http://schemas.openxmlformats.org/drawingml/2006/main" xmlns:r="http://schemas.openxmlformats.org/officeDocument/2006/relationships" xmlns:p="http://schemas.openxmlformats.org/presentationml/2006/main">
   <p:cSld>
     <p:spTree>
@@ -8120,190 +8426,6 @@
 </p:sld>
 </file>
 
-<file path=ppt/slides/slide22.xml><?xml version="1.0" encoding="utf-8"?>
-<p:sld xmlns:a="http://schemas.openxmlformats.org/drawingml/2006/main" xmlns:r="http://schemas.openxmlformats.org/officeDocument/2006/relationships" xmlns:p="http://schemas.openxmlformats.org/presentationml/2006/main">
-  <p:cSld>
-    <p:spTree>
-      <p:nvGrpSpPr>
-        <p:cNvPr id="1" name=""/>
-        <p:cNvGrpSpPr/>
-        <p:nvPr/>
-      </p:nvGrpSpPr>
-      <p:grpSpPr>
-        <a:xfrm>
-          <a:off x="0" y="0"/>
-          <a:ext cx="0" cy="0"/>
-          <a:chOff x="0" y="0"/>
-          <a:chExt cx="0" cy="0"/>
-        </a:xfrm>
-      </p:grpSpPr>
-      <p:sp>
-        <p:nvSpPr>
-          <p:cNvPr id="2" name="Title 1"/>
-          <p:cNvSpPr>
-            <a:spLocks noGrp="1"/>
-          </p:cNvSpPr>
-          <p:nvPr>
-            <p:ph type="title"/>
-          </p:nvPr>
-        </p:nvSpPr>
-        <p:spPr/>
-        <p:txBody>
-          <a:bodyPr/>
-          <a:lstStyle/>
-          <a:p>
-            <a:r>
-              <a:rPr lang="en-US" dirty="0" smtClean="0"/>
-              <a:t>Terminal Output</a:t>
-            </a:r>
-            <a:endParaRPr lang="en-US" dirty="0"/>
-          </a:p>
-        </p:txBody>
-      </p:sp>
-      <p:pic>
-        <p:nvPicPr>
-          <p:cNvPr id="6" name="Picture 5"/>
-          <p:cNvPicPr>
-            <a:picLocks noChangeAspect="1"/>
-          </p:cNvPicPr>
-          <p:nvPr/>
-        </p:nvPicPr>
-        <p:blipFill>
-          <a:blip r:embed="rId2"/>
-          <a:stretch>
-            <a:fillRect/>
-          </a:stretch>
-        </p:blipFill>
-        <p:spPr>
-          <a:xfrm>
-            <a:off x="841256" y="968992"/>
-            <a:ext cx="7620356" cy="5390569"/>
-          </a:xfrm>
-          <a:prstGeom prst="rect">
-            <a:avLst/>
-          </a:prstGeom>
-        </p:spPr>
-      </p:pic>
-    </p:spTree>
-    <p:extLst>
-      <p:ext uri="{BB962C8B-B14F-4D97-AF65-F5344CB8AC3E}">
-        <p14:creationId xmlns:p14="http://schemas.microsoft.com/office/powerpoint/2010/main" val="1596820497"/>
-      </p:ext>
-    </p:extLst>
-  </p:cSld>
-  <p:clrMapOvr>
-    <a:masterClrMapping/>
-  </p:clrMapOvr>
-  <p:timing>
-    <p:tnLst>
-      <p:par>
-        <p:cTn id="1" dur="indefinite" restart="never" nodeType="tmRoot"/>
-      </p:par>
-    </p:tnLst>
-  </p:timing>
-</p:sld>
-</file>
-
-<file path=ppt/slides/slide23.xml><?xml version="1.0" encoding="utf-8"?>
-<p:sld xmlns:a="http://schemas.openxmlformats.org/drawingml/2006/main" xmlns:r="http://schemas.openxmlformats.org/officeDocument/2006/relationships" xmlns:p="http://schemas.openxmlformats.org/presentationml/2006/main">
-  <p:cSld>
-    <p:spTree>
-      <p:nvGrpSpPr>
-        <p:cNvPr id="1" name=""/>
-        <p:cNvGrpSpPr/>
-        <p:nvPr/>
-      </p:nvGrpSpPr>
-      <p:grpSpPr>
-        <a:xfrm>
-          <a:off x="0" y="0"/>
-          <a:ext cx="0" cy="0"/>
-          <a:chOff x="0" y="0"/>
-          <a:chExt cx="0" cy="0"/>
-        </a:xfrm>
-      </p:grpSpPr>
-      <p:sp>
-        <p:nvSpPr>
-          <p:cNvPr id="2" name="Title 1"/>
-          <p:cNvSpPr>
-            <a:spLocks noGrp="1"/>
-          </p:cNvSpPr>
-          <p:nvPr>
-            <p:ph type="ctrTitle"/>
-          </p:nvPr>
-        </p:nvSpPr>
-        <p:spPr>
-          <a:xfrm>
-            <a:off x="2197706" y="2301659"/>
-            <a:ext cx="5574700" cy="1274060"/>
-          </a:xfrm>
-        </p:spPr>
-        <p:txBody>
-          <a:bodyPr/>
-          <a:lstStyle/>
-          <a:p>
-            <a:r>
-              <a:rPr lang="en-US" dirty="0" smtClean="0"/>
-              <a:t>Part 4</a:t>
-            </a:r>
-            <a:br>
-              <a:rPr lang="en-US" dirty="0" smtClean="0"/>
-            </a:br>
-            <a:r>
-              <a:rPr lang="en-US" dirty="0" smtClean="0"/>
-              <a:t>Hybrid Approach</a:t>
-            </a:r>
-            <a:endParaRPr lang="en-US" dirty="0"/>
-          </a:p>
-        </p:txBody>
-      </p:sp>
-      <p:sp>
-        <p:nvSpPr>
-          <p:cNvPr id="4" name="TextBox 3"/>
-          <p:cNvSpPr txBox="1"/>
-          <p:nvPr/>
-        </p:nvSpPr>
-        <p:spPr>
-          <a:xfrm>
-            <a:off x="713990" y="5796878"/>
-            <a:ext cx="5824603" cy="1691015"/>
-          </a:xfrm>
-          <a:prstGeom prst="rect">
-            <a:avLst/>
-          </a:prstGeom>
-        </p:spPr>
-        <p:txBody>
-          <a:bodyPr vert="horz" wrap="square" lIns="91440" tIns="45720" rIns="91440" bIns="45720" rtlCol="0" anchor="t">
-            <a:normAutofit/>
-          </a:bodyPr>
-          <a:lstStyle/>
-          <a:p>
-            <a:endParaRPr lang="en-US" dirty="0">
-              <a:latin typeface="Gill Sans Light"/>
-              <a:cs typeface="Gill Sans Light"/>
-            </a:endParaRPr>
-          </a:p>
-        </p:txBody>
-      </p:sp>
-    </p:spTree>
-    <p:extLst>
-      <p:ext uri="{BB962C8B-B14F-4D97-AF65-F5344CB8AC3E}">
-        <p14:creationId xmlns:p14="http://schemas.microsoft.com/office/powerpoint/2010/main" val="1444458545"/>
-      </p:ext>
-    </p:extLst>
-  </p:cSld>
-  <p:clrMapOvr>
-    <a:masterClrMapping/>
-  </p:clrMapOvr>
-  <p:timing>
-    <p:tnLst>
-      <p:par>
-        <p:cTn id="1" dur="indefinite" restart="never" nodeType="tmRoot"/>
-      </p:par>
-    </p:tnLst>
-  </p:timing>
-</p:sld>
-</file>
-
 <file path=ppt/slides/slide24.xml><?xml version="1.0" encoding="utf-8"?>
 <p:sld xmlns:a="http://schemas.openxmlformats.org/drawingml/2006/main" xmlns:r="http://schemas.openxmlformats.org/officeDocument/2006/relationships" xmlns:p="http://schemas.openxmlformats.org/presentationml/2006/main">
   <p:cSld>
@@ -8338,265 +8460,40 @@
           <a:p>
             <a:r>
               <a:rPr lang="en-US" dirty="0" smtClean="0"/>
-              <a:t>Pseudo code</a:t>
+              <a:t>Terminal Output</a:t>
             </a:r>
             <a:endParaRPr lang="en-US" dirty="0"/>
           </a:p>
         </p:txBody>
       </p:sp>
-      <p:sp>
-        <p:nvSpPr>
-          <p:cNvPr id="3" name="Content Placeholder 2"/>
-          <p:cNvSpPr>
-            <a:spLocks noGrp="1"/>
-          </p:cNvSpPr>
-          <p:nvPr>
-            <p:ph idx="1"/>
-          </p:nvPr>
-        </p:nvSpPr>
+      <p:pic>
+        <p:nvPicPr>
+          <p:cNvPr id="6" name="Picture 5"/>
+          <p:cNvPicPr>
+            <a:picLocks noChangeAspect="1"/>
+          </p:cNvPicPr>
+          <p:nvPr/>
+        </p:nvPicPr>
+        <p:blipFill>
+          <a:blip r:embed="rId2"/>
+          <a:stretch>
+            <a:fillRect/>
+          </a:stretch>
+        </p:blipFill>
         <p:spPr>
           <a:xfrm>
-            <a:off x="457200" y="969382"/>
-            <a:ext cx="8229600" cy="4525963"/>
-          </a:xfrm>
-        </p:spPr>
-        <p:txBody>
-          <a:bodyPr/>
-          <a:lstStyle/>
-          <a:p>
-            <a:r>
-              <a:rPr lang="en-US" sz="2400" dirty="0"/>
-              <a:t>The Hybrid approach to compute relative frequencies</a:t>
-            </a:r>
-          </a:p>
-          <a:p>
-            <a:endParaRPr lang="en-US" dirty="0"/>
-          </a:p>
-        </p:txBody>
-      </p:sp>
-      <p:sp>
-        <p:nvSpPr>
-          <p:cNvPr id="6" name="Rectangle 5"/>
-          <p:cNvSpPr/>
-          <p:nvPr/>
-        </p:nvSpPr>
-        <p:spPr>
-          <a:xfrm>
-            <a:off x="899654" y="1430599"/>
-            <a:ext cx="7374195" cy="4822723"/>
+            <a:off x="841256" y="968992"/>
+            <a:ext cx="7620356" cy="5390569"/>
           </a:xfrm>
           <a:prstGeom prst="rect">
             <a:avLst/>
           </a:prstGeom>
         </p:spPr>
-        <p:style>
-          <a:lnRef idx="1">
-            <a:schemeClr val="accent1"/>
-          </a:lnRef>
-          <a:fillRef idx="3">
-            <a:schemeClr val="accent1"/>
-          </a:fillRef>
-          <a:effectRef idx="2">
-            <a:schemeClr val="accent1"/>
-          </a:effectRef>
-          <a:fontRef idx="minor">
-            <a:schemeClr val="lt1"/>
-          </a:fontRef>
-        </p:style>
-        <p:txBody>
-          <a:bodyPr rtlCol="0" anchor="ctr"/>
-          <a:lstStyle/>
-          <a:p>
-            <a:r>
-              <a:rPr lang="en-US" sz="1400" dirty="0"/>
-              <a:t>	class Mapper</a:t>
-            </a:r>
-          </a:p>
-          <a:p>
-            <a:r>
-              <a:rPr lang="en-US" sz="1400" dirty="0"/>
-              <a:t>		method Map(</a:t>
-            </a:r>
-            <a:r>
-              <a:rPr lang="en-US" sz="1400" dirty="0" err="1"/>
-              <a:t>docid</a:t>
-            </a:r>
-            <a:r>
-              <a:rPr lang="en-US" sz="1400" dirty="0"/>
-              <a:t> a, doc d)</a:t>
-            </a:r>
-          </a:p>
-          <a:p>
-            <a:r>
-              <a:rPr lang="en-US" sz="1400" dirty="0"/>
-              <a:t>			for all term w in doc d do</a:t>
-            </a:r>
-          </a:p>
-          <a:p>
-            <a:r>
-              <a:rPr lang="en-US" sz="1400" dirty="0"/>
-              <a:t>				for all term u in Neighborhoods(w) do</a:t>
-            </a:r>
-          </a:p>
-          <a:p>
-            <a:r>
-              <a:rPr lang="en-US" sz="1400" dirty="0"/>
-              <a:t>					Emit(pair (w, u), count 1)</a:t>
-            </a:r>
-          </a:p>
-          <a:p>
-            <a:r>
-              <a:rPr lang="en-US" sz="1400" dirty="0"/>
-              <a:t>	class Reducer</a:t>
-            </a:r>
-          </a:p>
-          <a:p>
-            <a:r>
-              <a:rPr lang="en-US" sz="1400" dirty="0"/>
-              <a:t>		method Initialize</a:t>
-            </a:r>
-          </a:p>
-          <a:p>
-            <a:r>
-              <a:rPr lang="en-US" sz="1400" dirty="0"/>
-              <a:t>			H = new </a:t>
-            </a:r>
-            <a:r>
-              <a:rPr lang="en-US" sz="1400" dirty="0" err="1"/>
-              <a:t>AssociativeArray</a:t>
-            </a:r>
-            <a:endParaRPr lang="en-US" sz="1400" dirty="0"/>
-          </a:p>
-          <a:p>
-            <a:r>
-              <a:rPr lang="en-US" sz="1400" dirty="0"/>
-              <a:t>		method Reduce(pair p, counts [c1, c2,..])</a:t>
-            </a:r>
-          </a:p>
-          <a:p>
-            <a:r>
-              <a:rPr lang="en-US" sz="1400" dirty="0"/>
-              <a:t>			s = 0</a:t>
-            </a:r>
-          </a:p>
-          <a:p>
-            <a:r>
-              <a:rPr lang="en-US" sz="1400" dirty="0"/>
-              <a:t>			for all count c in counts[c1, c2,...] do</a:t>
-            </a:r>
-          </a:p>
-          <a:p>
-            <a:r>
-              <a:rPr lang="en-US" sz="1400" dirty="0"/>
-              <a:t>				s += c</a:t>
-            </a:r>
-          </a:p>
-          <a:p>
-            <a:r>
-              <a:rPr lang="en-US" sz="1400" dirty="0"/>
-              <a:t>			//Element-wise sum: Sum(H{</a:t>
-            </a:r>
-            <a:r>
-              <a:rPr lang="en-US" sz="1400" dirty="0" err="1"/>
-              <a:t>p.w</a:t>
-            </a:r>
-            <a:r>
-              <a:rPr lang="en-US" sz="1400" dirty="0"/>
-              <a:t>}, pair (</a:t>
-            </a:r>
-            <a:r>
-              <a:rPr lang="en-US" sz="1400" dirty="0" err="1"/>
-              <a:t>p.u</a:t>
-            </a:r>
-            <a:r>
-              <a:rPr lang="en-US" sz="1400" dirty="0"/>
-              <a:t>, s) )</a:t>
-            </a:r>
-          </a:p>
-          <a:p>
-            <a:r>
-              <a:rPr lang="en-US" sz="1400" dirty="0"/>
-              <a:t>			(H{</a:t>
-            </a:r>
-            <a:r>
-              <a:rPr lang="en-US" sz="1400" dirty="0" err="1"/>
-              <a:t>p.w</a:t>
-            </a:r>
-            <a:r>
-              <a:rPr lang="en-US" sz="1400" dirty="0"/>
-              <a:t>}){</a:t>
-            </a:r>
-            <a:r>
-              <a:rPr lang="en-US" sz="1400" dirty="0" err="1"/>
-              <a:t>p.u</a:t>
-            </a:r>
-            <a:r>
-              <a:rPr lang="en-US" sz="1400" dirty="0"/>
-              <a:t>} += s</a:t>
-            </a:r>
-          </a:p>
-          <a:p>
-            <a:r>
-              <a:rPr lang="en-US" sz="1400" dirty="0"/>
-              <a:t>		method Close</a:t>
-            </a:r>
-          </a:p>
-          <a:p>
-            <a:r>
-              <a:rPr lang="en-US" sz="1400" dirty="0"/>
-              <a:t>			for all term w in H do</a:t>
-            </a:r>
-          </a:p>
-          <a:p>
-            <a:r>
-              <a:rPr lang="en-US" sz="1400" dirty="0"/>
-              <a:t>				</a:t>
-            </a:r>
-            <a:r>
-              <a:rPr lang="en-US" sz="1400" dirty="0" smtClean="0"/>
-              <a:t>marginal= </a:t>
-            </a:r>
-            <a:r>
-              <a:rPr lang="en-US" sz="1400" dirty="0"/>
-              <a:t>0</a:t>
-            </a:r>
-          </a:p>
-          <a:p>
-            <a:r>
-              <a:rPr lang="en-US" sz="1400" dirty="0"/>
-              <a:t>				for all term u in H{w} do</a:t>
-            </a:r>
-          </a:p>
-          <a:p>
-            <a:r>
-              <a:rPr lang="en-US" sz="1400" dirty="0"/>
-              <a:t>					 marginal += (H{w}){u}</a:t>
-            </a:r>
-          </a:p>
-          <a:p>
-            <a:r>
-              <a:rPr lang="en-US" sz="1400" dirty="0"/>
-              <a:t>				for all term u in H{w} do</a:t>
-            </a:r>
-          </a:p>
-          <a:p>
-            <a:r>
-              <a:rPr lang="en-US" sz="1400" dirty="0"/>
-              <a:t>					(H{w}){u} = (H{w}){u} / marginal</a:t>
-            </a:r>
-          </a:p>
-          <a:p>
-            <a:r>
-              <a:rPr lang="en-US" sz="1400" dirty="0"/>
-              <a:t>				Emit(term w, stripe H{w})</a:t>
-            </a:r>
-          </a:p>
-        </p:txBody>
-      </p:sp>
+      </p:pic>
     </p:spTree>
     <p:extLst>
       <p:ext uri="{BB962C8B-B14F-4D97-AF65-F5344CB8AC3E}">
-        <p14:creationId xmlns:p14="http://schemas.microsoft.com/office/powerpoint/2010/main" val="569951668"/>
+        <p14:creationId xmlns:p14="http://schemas.microsoft.com/office/powerpoint/2010/main" val="1596820497"/>
       </p:ext>
     </p:extLst>
   </p:cSld>
@@ -8637,6 +8534,415 @@
             <a:spLocks noGrp="1"/>
           </p:cNvSpPr>
           <p:nvPr>
+            <p:ph type="ctrTitle"/>
+          </p:nvPr>
+        </p:nvSpPr>
+        <p:spPr>
+          <a:xfrm>
+            <a:off x="2197706" y="2301659"/>
+            <a:ext cx="5574700" cy="1274060"/>
+          </a:xfrm>
+        </p:spPr>
+        <p:txBody>
+          <a:bodyPr/>
+          <a:lstStyle/>
+          <a:p>
+            <a:r>
+              <a:rPr lang="en-US" dirty="0" smtClean="0"/>
+              <a:t>Part 4</a:t>
+            </a:r>
+            <a:br>
+              <a:rPr lang="en-US" dirty="0" smtClean="0"/>
+            </a:br>
+            <a:r>
+              <a:rPr lang="en-US" dirty="0" smtClean="0"/>
+              <a:t>Hybrid Approach</a:t>
+            </a:r>
+            <a:endParaRPr lang="en-US" dirty="0"/>
+          </a:p>
+        </p:txBody>
+      </p:sp>
+      <p:sp>
+        <p:nvSpPr>
+          <p:cNvPr id="4" name="TextBox 3"/>
+          <p:cNvSpPr txBox="1"/>
+          <p:nvPr/>
+        </p:nvSpPr>
+        <p:spPr>
+          <a:xfrm>
+            <a:off x="713990" y="5796878"/>
+            <a:ext cx="5824603" cy="1691015"/>
+          </a:xfrm>
+          <a:prstGeom prst="rect">
+            <a:avLst/>
+          </a:prstGeom>
+        </p:spPr>
+        <p:txBody>
+          <a:bodyPr vert="horz" wrap="square" lIns="91440" tIns="45720" rIns="91440" bIns="45720" rtlCol="0" anchor="t">
+            <a:normAutofit/>
+          </a:bodyPr>
+          <a:lstStyle/>
+          <a:p>
+            <a:endParaRPr lang="en-US" dirty="0">
+              <a:latin typeface="Gill Sans Light"/>
+              <a:cs typeface="Gill Sans Light"/>
+            </a:endParaRPr>
+          </a:p>
+        </p:txBody>
+      </p:sp>
+    </p:spTree>
+    <p:extLst>
+      <p:ext uri="{BB962C8B-B14F-4D97-AF65-F5344CB8AC3E}">
+        <p14:creationId xmlns:p14="http://schemas.microsoft.com/office/powerpoint/2010/main" val="1444458545"/>
+      </p:ext>
+    </p:extLst>
+  </p:cSld>
+  <p:clrMapOvr>
+    <a:masterClrMapping/>
+  </p:clrMapOvr>
+  <p:timing>
+    <p:tnLst>
+      <p:par>
+        <p:cTn id="1" dur="indefinite" restart="never" nodeType="tmRoot"/>
+      </p:par>
+    </p:tnLst>
+  </p:timing>
+</p:sld>
+</file>
+
+<file path=ppt/slides/slide26.xml><?xml version="1.0" encoding="utf-8"?>
+<p:sld xmlns:a="http://schemas.openxmlformats.org/drawingml/2006/main" xmlns:r="http://schemas.openxmlformats.org/officeDocument/2006/relationships" xmlns:p="http://schemas.openxmlformats.org/presentationml/2006/main">
+  <p:cSld>
+    <p:spTree>
+      <p:nvGrpSpPr>
+        <p:cNvPr id="1" name=""/>
+        <p:cNvGrpSpPr/>
+        <p:nvPr/>
+      </p:nvGrpSpPr>
+      <p:grpSpPr>
+        <a:xfrm>
+          <a:off x="0" y="0"/>
+          <a:ext cx="0" cy="0"/>
+          <a:chOff x="0" y="0"/>
+          <a:chExt cx="0" cy="0"/>
+        </a:xfrm>
+      </p:grpSpPr>
+      <p:sp>
+        <p:nvSpPr>
+          <p:cNvPr id="2" name="Title 1"/>
+          <p:cNvSpPr>
+            <a:spLocks noGrp="1"/>
+          </p:cNvSpPr>
+          <p:nvPr>
+            <p:ph type="title"/>
+          </p:nvPr>
+        </p:nvSpPr>
+        <p:spPr/>
+        <p:txBody>
+          <a:bodyPr/>
+          <a:lstStyle/>
+          <a:p>
+            <a:r>
+              <a:rPr lang="en-US" dirty="0" smtClean="0"/>
+              <a:t>Pseudo code</a:t>
+            </a:r>
+            <a:endParaRPr lang="en-US" dirty="0"/>
+          </a:p>
+        </p:txBody>
+      </p:sp>
+      <p:sp>
+        <p:nvSpPr>
+          <p:cNvPr id="3" name="Content Placeholder 2"/>
+          <p:cNvSpPr>
+            <a:spLocks noGrp="1"/>
+          </p:cNvSpPr>
+          <p:nvPr>
+            <p:ph idx="1"/>
+          </p:nvPr>
+        </p:nvSpPr>
+        <p:spPr>
+          <a:xfrm>
+            <a:off x="457200" y="969382"/>
+            <a:ext cx="8229600" cy="4525963"/>
+          </a:xfrm>
+        </p:spPr>
+        <p:txBody>
+          <a:bodyPr/>
+          <a:lstStyle/>
+          <a:p>
+            <a:r>
+              <a:rPr lang="en-US" sz="2400" dirty="0"/>
+              <a:t>The Hybrid approach to compute relative frequencies</a:t>
+            </a:r>
+          </a:p>
+          <a:p>
+            <a:endParaRPr lang="en-US" dirty="0"/>
+          </a:p>
+        </p:txBody>
+      </p:sp>
+      <p:sp>
+        <p:nvSpPr>
+          <p:cNvPr id="6" name="Rectangle 5"/>
+          <p:cNvSpPr/>
+          <p:nvPr/>
+        </p:nvSpPr>
+        <p:spPr>
+          <a:xfrm>
+            <a:off x="899654" y="1430599"/>
+            <a:ext cx="7374195" cy="4822723"/>
+          </a:xfrm>
+          <a:prstGeom prst="rect">
+            <a:avLst/>
+          </a:prstGeom>
+        </p:spPr>
+        <p:style>
+          <a:lnRef idx="1">
+            <a:schemeClr val="accent1"/>
+          </a:lnRef>
+          <a:fillRef idx="3">
+            <a:schemeClr val="accent1"/>
+          </a:fillRef>
+          <a:effectRef idx="2">
+            <a:schemeClr val="accent1"/>
+          </a:effectRef>
+          <a:fontRef idx="minor">
+            <a:schemeClr val="lt1"/>
+          </a:fontRef>
+        </p:style>
+        <p:txBody>
+          <a:bodyPr rtlCol="0" anchor="ctr"/>
+          <a:lstStyle/>
+          <a:p>
+            <a:r>
+              <a:rPr lang="en-US" sz="1400" dirty="0"/>
+              <a:t>	class Mapper</a:t>
+            </a:r>
+          </a:p>
+          <a:p>
+            <a:r>
+              <a:rPr lang="en-US" sz="1400" dirty="0"/>
+              <a:t>		method Map(</a:t>
+            </a:r>
+            <a:r>
+              <a:rPr lang="en-US" sz="1400" dirty="0" err="1"/>
+              <a:t>docid</a:t>
+            </a:r>
+            <a:r>
+              <a:rPr lang="en-US" sz="1400" dirty="0"/>
+              <a:t> a, doc d)</a:t>
+            </a:r>
+          </a:p>
+          <a:p>
+            <a:r>
+              <a:rPr lang="en-US" sz="1400" dirty="0"/>
+              <a:t>			for all term w in doc d do</a:t>
+            </a:r>
+          </a:p>
+          <a:p>
+            <a:r>
+              <a:rPr lang="en-US" sz="1400" dirty="0"/>
+              <a:t>				for all term u in Neighborhoods(w) do</a:t>
+            </a:r>
+          </a:p>
+          <a:p>
+            <a:r>
+              <a:rPr lang="en-US" sz="1400" dirty="0"/>
+              <a:t>					Emit(pair (w, u), count 1)</a:t>
+            </a:r>
+          </a:p>
+          <a:p>
+            <a:r>
+              <a:rPr lang="en-US" sz="1400" dirty="0"/>
+              <a:t>	class Reducer</a:t>
+            </a:r>
+          </a:p>
+          <a:p>
+            <a:r>
+              <a:rPr lang="en-US" sz="1400" dirty="0"/>
+              <a:t>		method Initialize</a:t>
+            </a:r>
+          </a:p>
+          <a:p>
+            <a:r>
+              <a:rPr lang="en-US" sz="1400" dirty="0"/>
+              <a:t>			H = new </a:t>
+            </a:r>
+            <a:r>
+              <a:rPr lang="en-US" sz="1400" dirty="0" err="1"/>
+              <a:t>AssociativeArray</a:t>
+            </a:r>
+            <a:endParaRPr lang="en-US" sz="1400" dirty="0"/>
+          </a:p>
+          <a:p>
+            <a:r>
+              <a:rPr lang="en-US" sz="1400" dirty="0"/>
+              <a:t>		method Reduce(pair p, counts [c1, c2,..])</a:t>
+            </a:r>
+          </a:p>
+          <a:p>
+            <a:r>
+              <a:rPr lang="en-US" sz="1400" dirty="0"/>
+              <a:t>			s = 0</a:t>
+            </a:r>
+          </a:p>
+          <a:p>
+            <a:r>
+              <a:rPr lang="en-US" sz="1400" dirty="0"/>
+              <a:t>			for all count c in counts[c1, c2,...] do</a:t>
+            </a:r>
+          </a:p>
+          <a:p>
+            <a:r>
+              <a:rPr lang="en-US" sz="1400" dirty="0"/>
+              <a:t>				s += c</a:t>
+            </a:r>
+          </a:p>
+          <a:p>
+            <a:r>
+              <a:rPr lang="en-US" sz="1400" dirty="0"/>
+              <a:t>			//Element-wise sum: Sum(H{</a:t>
+            </a:r>
+            <a:r>
+              <a:rPr lang="en-US" sz="1400" dirty="0" err="1"/>
+              <a:t>p.w</a:t>
+            </a:r>
+            <a:r>
+              <a:rPr lang="en-US" sz="1400" dirty="0"/>
+              <a:t>}, pair (</a:t>
+            </a:r>
+            <a:r>
+              <a:rPr lang="en-US" sz="1400" dirty="0" err="1"/>
+              <a:t>p.u</a:t>
+            </a:r>
+            <a:r>
+              <a:rPr lang="en-US" sz="1400" dirty="0"/>
+              <a:t>, s) )</a:t>
+            </a:r>
+          </a:p>
+          <a:p>
+            <a:r>
+              <a:rPr lang="en-US" sz="1400" dirty="0"/>
+              <a:t>			(H{</a:t>
+            </a:r>
+            <a:r>
+              <a:rPr lang="en-US" sz="1400" dirty="0" err="1"/>
+              <a:t>p.w</a:t>
+            </a:r>
+            <a:r>
+              <a:rPr lang="en-US" sz="1400" dirty="0"/>
+              <a:t>}){</a:t>
+            </a:r>
+            <a:r>
+              <a:rPr lang="en-US" sz="1400" dirty="0" err="1"/>
+              <a:t>p.u</a:t>
+            </a:r>
+            <a:r>
+              <a:rPr lang="en-US" sz="1400" dirty="0"/>
+              <a:t>} += s</a:t>
+            </a:r>
+          </a:p>
+          <a:p>
+            <a:r>
+              <a:rPr lang="en-US" sz="1400" dirty="0"/>
+              <a:t>		method Close</a:t>
+            </a:r>
+          </a:p>
+          <a:p>
+            <a:r>
+              <a:rPr lang="en-US" sz="1400" dirty="0"/>
+              <a:t>			for all term w in H do</a:t>
+            </a:r>
+          </a:p>
+          <a:p>
+            <a:r>
+              <a:rPr lang="en-US" sz="1400" dirty="0"/>
+              <a:t>				</a:t>
+            </a:r>
+            <a:r>
+              <a:rPr lang="en-US" sz="1400" dirty="0" smtClean="0"/>
+              <a:t>marginal= </a:t>
+            </a:r>
+            <a:r>
+              <a:rPr lang="en-US" sz="1400" dirty="0"/>
+              <a:t>0</a:t>
+            </a:r>
+          </a:p>
+          <a:p>
+            <a:r>
+              <a:rPr lang="en-US" sz="1400" dirty="0"/>
+              <a:t>				for all term u in H{w} do</a:t>
+            </a:r>
+          </a:p>
+          <a:p>
+            <a:r>
+              <a:rPr lang="en-US" sz="1400" dirty="0"/>
+              <a:t>					 marginal += (H{w}){u}</a:t>
+            </a:r>
+          </a:p>
+          <a:p>
+            <a:r>
+              <a:rPr lang="en-US" sz="1400" dirty="0"/>
+              <a:t>				for all term u in H{w} do</a:t>
+            </a:r>
+          </a:p>
+          <a:p>
+            <a:r>
+              <a:rPr lang="en-US" sz="1400" dirty="0"/>
+              <a:t>					(H{w}){u} = (H{w}){u} / marginal</a:t>
+            </a:r>
+          </a:p>
+          <a:p>
+            <a:r>
+              <a:rPr lang="en-US" sz="1400" dirty="0"/>
+              <a:t>				Emit(term w, stripe H{w})</a:t>
+            </a:r>
+          </a:p>
+        </p:txBody>
+      </p:sp>
+    </p:spTree>
+    <p:extLst>
+      <p:ext uri="{BB962C8B-B14F-4D97-AF65-F5344CB8AC3E}">
+        <p14:creationId xmlns:p14="http://schemas.microsoft.com/office/powerpoint/2010/main" val="569951668"/>
+      </p:ext>
+    </p:extLst>
+  </p:cSld>
+  <p:clrMapOvr>
+    <a:masterClrMapping/>
+  </p:clrMapOvr>
+  <p:timing>
+    <p:tnLst>
+      <p:par>
+        <p:cTn id="1" dur="indefinite" restart="never" nodeType="tmRoot"/>
+      </p:par>
+    </p:tnLst>
+  </p:timing>
+</p:sld>
+</file>
+
+<file path=ppt/slides/slide27.xml><?xml version="1.0" encoding="utf-8"?>
+<p:sld xmlns:a="http://schemas.openxmlformats.org/drawingml/2006/main" xmlns:r="http://schemas.openxmlformats.org/officeDocument/2006/relationships" xmlns:p="http://schemas.openxmlformats.org/presentationml/2006/main">
+  <p:cSld>
+    <p:spTree>
+      <p:nvGrpSpPr>
+        <p:cNvPr id="1" name=""/>
+        <p:cNvGrpSpPr/>
+        <p:nvPr/>
+      </p:nvGrpSpPr>
+      <p:grpSpPr>
+        <a:xfrm>
+          <a:off x="0" y="0"/>
+          <a:ext cx="0" cy="0"/>
+          <a:chOff x="0" y="0"/>
+          <a:chExt cx="0" cy="0"/>
+        </a:xfrm>
+      </p:grpSpPr>
+      <p:sp>
+        <p:nvSpPr>
+          <p:cNvPr id="2" name="Title 1"/>
+          <p:cNvSpPr>
+            <a:spLocks noGrp="1"/>
+          </p:cNvSpPr>
+          <p:nvPr>
             <p:ph type="title"/>
           </p:nvPr>
         </p:nvSpPr>
@@ -8813,7 +9119,7 @@
 </p:sld>
 </file>
 
-<file path=ppt/slides/slide26.xml><?xml version="1.0" encoding="utf-8"?>
+<file path=ppt/slides/slide28.xml><?xml version="1.0" encoding="utf-8"?>
 <p:sld xmlns:a="http://schemas.openxmlformats.org/drawingml/2006/main" xmlns:r="http://schemas.openxmlformats.org/officeDocument/2006/relationships" xmlns:p="http://schemas.openxmlformats.org/presentationml/2006/main">
   <p:cSld>
     <p:spTree>
@@ -9169,198 +9475,6 @@
 </p:sld>
 </file>
 
-<file path=ppt/slides/slide27.xml><?xml version="1.0" encoding="utf-8"?>
-<p:sld xmlns:a="http://schemas.openxmlformats.org/drawingml/2006/main" xmlns:r="http://schemas.openxmlformats.org/officeDocument/2006/relationships" xmlns:p="http://schemas.openxmlformats.org/presentationml/2006/main">
-  <p:cSld>
-    <p:spTree>
-      <p:nvGrpSpPr>
-        <p:cNvPr id="1" name=""/>
-        <p:cNvGrpSpPr/>
-        <p:nvPr/>
-      </p:nvGrpSpPr>
-      <p:grpSpPr>
-        <a:xfrm>
-          <a:off x="0" y="0"/>
-          <a:ext cx="0" cy="0"/>
-          <a:chOff x="0" y="0"/>
-          <a:chExt cx="0" cy="0"/>
-        </a:xfrm>
-      </p:grpSpPr>
-      <p:sp>
-        <p:nvSpPr>
-          <p:cNvPr id="2" name="Title 1"/>
-          <p:cNvSpPr>
-            <a:spLocks noGrp="1"/>
-          </p:cNvSpPr>
-          <p:nvPr>
-            <p:ph type="title"/>
-          </p:nvPr>
-        </p:nvSpPr>
-        <p:spPr/>
-        <p:txBody>
-          <a:bodyPr/>
-          <a:lstStyle/>
-          <a:p>
-            <a:r>
-              <a:rPr lang="en-US" dirty="0" smtClean="0"/>
-              <a:t>terminal</a:t>
-            </a:r>
-            <a:r>
-              <a:rPr lang="en-US" dirty="0" smtClean="0"/>
-              <a:t> </a:t>
-            </a:r>
-            <a:r>
-              <a:rPr lang="en-US" dirty="0" smtClean="0"/>
-              <a:t>output</a:t>
-            </a:r>
-            <a:endParaRPr lang="en-US" dirty="0"/>
-          </a:p>
-        </p:txBody>
-      </p:sp>
-      <p:pic>
-        <p:nvPicPr>
-          <p:cNvPr id="8" name="Picture 7"/>
-          <p:cNvPicPr>
-            <a:picLocks noChangeAspect="1"/>
-          </p:cNvPicPr>
-          <p:nvPr/>
-        </p:nvPicPr>
-        <p:blipFill>
-          <a:blip r:embed="rId2"/>
-          <a:stretch>
-            <a:fillRect/>
-          </a:stretch>
-        </p:blipFill>
-        <p:spPr>
-          <a:xfrm>
-            <a:off x="730156" y="914400"/>
-            <a:ext cx="7690513" cy="5408839"/>
-          </a:xfrm>
-          <a:prstGeom prst="rect">
-            <a:avLst/>
-          </a:prstGeom>
-        </p:spPr>
-      </p:pic>
-    </p:spTree>
-    <p:extLst>
-      <p:ext uri="{BB962C8B-B14F-4D97-AF65-F5344CB8AC3E}">
-        <p14:creationId xmlns:p14="http://schemas.microsoft.com/office/powerpoint/2010/main" val="2384540308"/>
-      </p:ext>
-    </p:extLst>
-  </p:cSld>
-  <p:clrMapOvr>
-    <a:masterClrMapping/>
-  </p:clrMapOvr>
-  <p:timing>
-    <p:tnLst>
-      <p:par>
-        <p:cTn id="1" dur="indefinite" restart="never" nodeType="tmRoot"/>
-      </p:par>
-    </p:tnLst>
-  </p:timing>
-</p:sld>
-</file>
-
-<file path=ppt/slides/slide28.xml><?xml version="1.0" encoding="utf-8"?>
-<p:sld xmlns:a="http://schemas.openxmlformats.org/drawingml/2006/main" xmlns:r="http://schemas.openxmlformats.org/officeDocument/2006/relationships" xmlns:p="http://schemas.openxmlformats.org/presentationml/2006/main">
-  <p:cSld>
-    <p:spTree>
-      <p:nvGrpSpPr>
-        <p:cNvPr id="1" name=""/>
-        <p:cNvGrpSpPr/>
-        <p:nvPr/>
-      </p:nvGrpSpPr>
-      <p:grpSpPr>
-        <a:xfrm>
-          <a:off x="0" y="0"/>
-          <a:ext cx="0" cy="0"/>
-          <a:chOff x="0" y="0"/>
-          <a:chExt cx="0" cy="0"/>
-        </a:xfrm>
-      </p:grpSpPr>
-      <p:sp>
-        <p:nvSpPr>
-          <p:cNvPr id="2" name="Title 1"/>
-          <p:cNvSpPr>
-            <a:spLocks noGrp="1"/>
-          </p:cNvSpPr>
-          <p:nvPr>
-            <p:ph type="ctrTitle"/>
-          </p:nvPr>
-        </p:nvSpPr>
-        <p:spPr>
-          <a:xfrm>
-            <a:off x="2197706" y="2301659"/>
-            <a:ext cx="5574700" cy="1274060"/>
-          </a:xfrm>
-        </p:spPr>
-        <p:txBody>
-          <a:bodyPr/>
-          <a:lstStyle/>
-          <a:p>
-            <a:r>
-              <a:rPr lang="en-US" dirty="0" smtClean="0"/>
-              <a:t>Run with text example</a:t>
-            </a:r>
-            <a:br>
-              <a:rPr lang="en-US" dirty="0" smtClean="0"/>
-            </a:br>
-            <a:r>
-              <a:rPr lang="en-US" dirty="0" smtClean="0"/>
-              <a:t>Question 4 in lab 7</a:t>
-            </a:r>
-            <a:endParaRPr lang="en-US" dirty="0"/>
-          </a:p>
-        </p:txBody>
-      </p:sp>
-      <p:sp>
-        <p:nvSpPr>
-          <p:cNvPr id="4" name="TextBox 3"/>
-          <p:cNvSpPr txBox="1"/>
-          <p:nvPr/>
-        </p:nvSpPr>
-        <p:spPr>
-          <a:xfrm>
-            <a:off x="713990" y="5796878"/>
-            <a:ext cx="5824603" cy="1691015"/>
-          </a:xfrm>
-          <a:prstGeom prst="rect">
-            <a:avLst/>
-          </a:prstGeom>
-        </p:spPr>
-        <p:txBody>
-          <a:bodyPr vert="horz" wrap="square" lIns="91440" tIns="45720" rIns="91440" bIns="45720" rtlCol="0" anchor="t">
-            <a:normAutofit/>
-          </a:bodyPr>
-          <a:lstStyle/>
-          <a:p>
-            <a:endParaRPr lang="en-US" dirty="0">
-              <a:latin typeface="Gill Sans Light"/>
-              <a:cs typeface="Gill Sans Light"/>
-            </a:endParaRPr>
-          </a:p>
-        </p:txBody>
-      </p:sp>
-    </p:spTree>
-    <p:extLst>
-      <p:ext uri="{BB962C8B-B14F-4D97-AF65-F5344CB8AC3E}">
-        <p14:creationId xmlns:p14="http://schemas.microsoft.com/office/powerpoint/2010/main" val="3287655514"/>
-      </p:ext>
-    </p:extLst>
-  </p:cSld>
-  <p:clrMapOvr>
-    <a:masterClrMapping/>
-  </p:clrMapOvr>
-  <p:timing>
-    <p:tnLst>
-      <p:par>
-        <p:cTn id="1" dur="indefinite" restart="never" nodeType="tmRoot"/>
-      </p:par>
-    </p:tnLst>
-  </p:timing>
-</p:sld>
-</file>
-
 <file path=ppt/slides/slide29.xml><?xml version="1.0" encoding="utf-8"?>
 <p:sld xmlns:a="http://schemas.openxmlformats.org/drawingml/2006/main" xmlns:r="http://schemas.openxmlformats.org/officeDocument/2006/relationships" xmlns:p="http://schemas.openxmlformats.org/presentationml/2006/main">
   <p:cSld>
@@ -9395,7 +9509,7 @@
           <a:p>
             <a:r>
               <a:rPr lang="en-US" dirty="0" smtClean="0"/>
-              <a:t>Input</a:t>
+              <a:t>terminal output</a:t>
             </a:r>
             <a:endParaRPr lang="en-US" dirty="0"/>
           </a:p>
@@ -9403,7 +9517,7 @@
       </p:sp>
       <p:pic>
         <p:nvPicPr>
-          <p:cNvPr id="5" name="Picture 4"/>
+          <p:cNvPr id="8" name="Picture 7"/>
           <p:cNvPicPr>
             <a:picLocks noChangeAspect="1"/>
           </p:cNvPicPr>
@@ -9417,32 +9531,8 @@
         </p:blipFill>
         <p:spPr>
           <a:xfrm>
-            <a:off x="677918" y="1072055"/>
-            <a:ext cx="7788165" cy="2508859"/>
-          </a:xfrm>
-          <a:prstGeom prst="rect">
-            <a:avLst/>
-          </a:prstGeom>
-        </p:spPr>
-      </p:pic>
-      <p:pic>
-        <p:nvPicPr>
-          <p:cNvPr id="6" name="Picture 5"/>
-          <p:cNvPicPr>
-            <a:picLocks noChangeAspect="1"/>
-          </p:cNvPicPr>
-          <p:nvPr/>
-        </p:nvPicPr>
-        <p:blipFill>
-          <a:blip r:embed="rId3"/>
-          <a:stretch>
-            <a:fillRect/>
-          </a:stretch>
-        </p:blipFill>
-        <p:spPr>
-          <a:xfrm>
-            <a:off x="677918" y="3864695"/>
-            <a:ext cx="7788165" cy="2473188"/>
+            <a:off x="730156" y="914400"/>
+            <a:ext cx="7690513" cy="5408839"/>
           </a:xfrm>
           <a:prstGeom prst="rect">
             <a:avLst/>
@@ -9452,7 +9542,7 @@
     </p:spTree>
     <p:extLst>
       <p:ext uri="{BB962C8B-B14F-4D97-AF65-F5344CB8AC3E}">
-        <p14:creationId xmlns:p14="http://schemas.microsoft.com/office/powerpoint/2010/main" val="1061482066"/>
+        <p14:creationId xmlns:p14="http://schemas.microsoft.com/office/powerpoint/2010/main" val="2384540308"/>
       </p:ext>
     </p:extLst>
   </p:cSld>
@@ -9581,78 +9671,66 @@
             <a:spLocks noGrp="1"/>
           </p:cNvSpPr>
           <p:nvPr>
-            <p:ph type="title"/>
-          </p:nvPr>
-        </p:nvSpPr>
-        <p:spPr/>
+            <p:ph type="ctrTitle"/>
+          </p:nvPr>
+        </p:nvSpPr>
+        <p:spPr>
+          <a:xfrm>
+            <a:off x="2197706" y="2301659"/>
+            <a:ext cx="5574700" cy="1274060"/>
+          </a:xfrm>
+        </p:spPr>
         <p:txBody>
           <a:bodyPr/>
           <a:lstStyle/>
           <a:p>
             <a:r>
               <a:rPr lang="en-US" dirty="0" smtClean="0"/>
-              <a:t>Out</a:t>
-            </a:r>
-            <a:r>
-              <a:rPr lang="en-US" dirty="0" smtClean="0"/>
-              <a:t>put by using pair approach</a:t>
+              <a:t>Run with text example</a:t>
+            </a:r>
+            <a:br>
+              <a:rPr lang="en-US" dirty="0" smtClean="0"/>
+            </a:br>
+            <a:r>
+              <a:rPr lang="en-US" dirty="0" smtClean="0"/>
+              <a:t>Question 4 in lab 7</a:t>
             </a:r>
             <a:endParaRPr lang="en-US" dirty="0"/>
           </a:p>
         </p:txBody>
       </p:sp>
-      <p:pic>
-        <p:nvPicPr>
-          <p:cNvPr id="3" name="Picture 2"/>
-          <p:cNvPicPr>
-            <a:picLocks noChangeAspect="1"/>
-          </p:cNvPicPr>
+      <p:sp>
+        <p:nvSpPr>
+          <p:cNvPr id="4" name="TextBox 3"/>
+          <p:cNvSpPr txBox="1"/>
           <p:nvPr/>
-        </p:nvPicPr>
-        <p:blipFill>
-          <a:blip r:embed="rId2"/>
-          <a:stretch>
-            <a:fillRect/>
-          </a:stretch>
-        </p:blipFill>
+        </p:nvSpPr>
         <p:spPr>
           <a:xfrm>
-            <a:off x="457201" y="1200971"/>
-            <a:ext cx="8005116" cy="1289981"/>
+            <a:off x="713990" y="5796878"/>
+            <a:ext cx="5824603" cy="1691015"/>
           </a:xfrm>
           <a:prstGeom prst="rect">
             <a:avLst/>
           </a:prstGeom>
         </p:spPr>
-      </p:pic>
-      <p:pic>
-        <p:nvPicPr>
-          <p:cNvPr id="4" name="Picture 3"/>
-          <p:cNvPicPr>
-            <a:picLocks noChangeAspect="1"/>
-          </p:cNvPicPr>
-          <p:nvPr/>
-        </p:nvPicPr>
-        <p:blipFill>
-          <a:blip r:embed="rId3"/>
-          <a:stretch>
-            <a:fillRect/>
-          </a:stretch>
-        </p:blipFill>
-        <p:spPr>
-          <a:xfrm>
-            <a:off x="430047" y="2952914"/>
-            <a:ext cx="8032270" cy="2895494"/>
-          </a:xfrm>
-          <a:prstGeom prst="rect">
-            <a:avLst/>
-          </a:prstGeom>
-        </p:spPr>
-      </p:pic>
+        <p:txBody>
+          <a:bodyPr vert="horz" wrap="square" lIns="91440" tIns="45720" rIns="91440" bIns="45720" rtlCol="0" anchor="t">
+            <a:normAutofit/>
+          </a:bodyPr>
+          <a:lstStyle/>
+          <a:p>
+            <a:endParaRPr lang="en-US" dirty="0">
+              <a:latin typeface="Gill Sans Light"/>
+              <a:cs typeface="Gill Sans Light"/>
+            </a:endParaRPr>
+          </a:p>
+        </p:txBody>
+      </p:sp>
     </p:spTree>
     <p:extLst>
       <p:ext uri="{BB962C8B-B14F-4D97-AF65-F5344CB8AC3E}">
-        <p14:creationId xmlns:p14="http://schemas.microsoft.com/office/powerpoint/2010/main" val="138845124"/>
+        <p14:creationId xmlns:p14="http://schemas.microsoft.com/office/powerpoint/2010/main" val="3287655514"/>
       </p:ext>
     </p:extLst>
   </p:cSld>
@@ -9696,23 +9774,14 @@
             <p:ph type="title"/>
           </p:nvPr>
         </p:nvSpPr>
-        <p:spPr>
-          <a:xfrm>
-            <a:off x="457201" y="274638"/>
-            <a:ext cx="8324192" cy="639762"/>
-          </a:xfrm>
-        </p:spPr>
+        <p:spPr/>
         <p:txBody>
           <a:bodyPr/>
           <a:lstStyle/>
           <a:p>
             <a:r>
               <a:rPr lang="en-US" dirty="0" smtClean="0"/>
-              <a:t>Out</a:t>
-            </a:r>
-            <a:r>
-              <a:rPr lang="en-US" dirty="0" smtClean="0"/>
-              <a:t>put by using Stripe approach</a:t>
+              <a:t>Input</a:t>
             </a:r>
             <a:endParaRPr lang="en-US" dirty="0"/>
           </a:p>
@@ -9720,7 +9789,7 @@
       </p:sp>
       <p:pic>
         <p:nvPicPr>
-          <p:cNvPr id="3" name="Picture 2"/>
+          <p:cNvPr id="5" name="Picture 4"/>
           <p:cNvPicPr>
             <a:picLocks noChangeAspect="1"/>
           </p:cNvPicPr>
@@ -9734,8 +9803,8 @@
         </p:blipFill>
         <p:spPr>
           <a:xfrm>
-            <a:off x="667846" y="1276021"/>
-            <a:ext cx="7924802" cy="1837981"/>
+            <a:off x="677918" y="1072055"/>
+            <a:ext cx="7788165" cy="2508859"/>
           </a:xfrm>
           <a:prstGeom prst="rect">
             <a:avLst/>
@@ -9744,7 +9813,7 @@
       </p:pic>
       <p:pic>
         <p:nvPicPr>
-          <p:cNvPr id="4" name="Picture 3"/>
+          <p:cNvPr id="6" name="Picture 5"/>
           <p:cNvPicPr>
             <a:picLocks noChangeAspect="1"/>
           </p:cNvPicPr>
@@ -9758,8 +9827,8 @@
         </p:blipFill>
         <p:spPr>
           <a:xfrm>
-            <a:off x="667846" y="3728544"/>
-            <a:ext cx="7924802" cy="1757856"/>
+            <a:off x="677918" y="3864695"/>
+            <a:ext cx="7788165" cy="2473188"/>
           </a:xfrm>
           <a:prstGeom prst="rect">
             <a:avLst/>
@@ -9769,7 +9838,7 @@
     </p:spTree>
     <p:extLst>
       <p:ext uri="{BB962C8B-B14F-4D97-AF65-F5344CB8AC3E}">
-        <p14:creationId xmlns:p14="http://schemas.microsoft.com/office/powerpoint/2010/main" val="1564908185"/>
+        <p14:creationId xmlns:p14="http://schemas.microsoft.com/office/powerpoint/2010/main" val="1061482066"/>
       </p:ext>
     </p:extLst>
   </p:cSld>
@@ -9813,6 +9882,114 @@
             <p:ph type="title"/>
           </p:nvPr>
         </p:nvSpPr>
+        <p:spPr/>
+        <p:txBody>
+          <a:bodyPr/>
+          <a:lstStyle/>
+          <a:p>
+            <a:r>
+              <a:rPr lang="en-US" dirty="0" smtClean="0"/>
+              <a:t>Output by using pair approach</a:t>
+            </a:r>
+            <a:endParaRPr lang="en-US" dirty="0"/>
+          </a:p>
+        </p:txBody>
+      </p:sp>
+      <p:pic>
+        <p:nvPicPr>
+          <p:cNvPr id="3" name="Picture 2"/>
+          <p:cNvPicPr>
+            <a:picLocks noChangeAspect="1"/>
+          </p:cNvPicPr>
+          <p:nvPr/>
+        </p:nvPicPr>
+        <p:blipFill>
+          <a:blip r:embed="rId2"/>
+          <a:stretch>
+            <a:fillRect/>
+          </a:stretch>
+        </p:blipFill>
+        <p:spPr>
+          <a:xfrm>
+            <a:off x="457201" y="1200971"/>
+            <a:ext cx="8005116" cy="1289981"/>
+          </a:xfrm>
+          <a:prstGeom prst="rect">
+            <a:avLst/>
+          </a:prstGeom>
+        </p:spPr>
+      </p:pic>
+      <p:pic>
+        <p:nvPicPr>
+          <p:cNvPr id="4" name="Picture 3"/>
+          <p:cNvPicPr>
+            <a:picLocks noChangeAspect="1"/>
+          </p:cNvPicPr>
+          <p:nvPr/>
+        </p:nvPicPr>
+        <p:blipFill>
+          <a:blip r:embed="rId3"/>
+          <a:stretch>
+            <a:fillRect/>
+          </a:stretch>
+        </p:blipFill>
+        <p:spPr>
+          <a:xfrm>
+            <a:off x="430047" y="2952914"/>
+            <a:ext cx="8032270" cy="2895494"/>
+          </a:xfrm>
+          <a:prstGeom prst="rect">
+            <a:avLst/>
+          </a:prstGeom>
+        </p:spPr>
+      </p:pic>
+    </p:spTree>
+    <p:extLst>
+      <p:ext uri="{BB962C8B-B14F-4D97-AF65-F5344CB8AC3E}">
+        <p14:creationId xmlns:p14="http://schemas.microsoft.com/office/powerpoint/2010/main" val="138845124"/>
+      </p:ext>
+    </p:extLst>
+  </p:cSld>
+  <p:clrMapOvr>
+    <a:masterClrMapping/>
+  </p:clrMapOvr>
+  <p:timing>
+    <p:tnLst>
+      <p:par>
+        <p:cTn id="1" dur="indefinite" restart="never" nodeType="tmRoot"/>
+      </p:par>
+    </p:tnLst>
+  </p:timing>
+</p:sld>
+</file>
+
+<file path=ppt/slides/slide33.xml><?xml version="1.0" encoding="utf-8"?>
+<p:sld xmlns:a="http://schemas.openxmlformats.org/drawingml/2006/main" xmlns:r="http://schemas.openxmlformats.org/officeDocument/2006/relationships" xmlns:p="http://schemas.openxmlformats.org/presentationml/2006/main">
+  <p:cSld>
+    <p:spTree>
+      <p:nvGrpSpPr>
+        <p:cNvPr id="1" name=""/>
+        <p:cNvGrpSpPr/>
+        <p:nvPr/>
+      </p:nvGrpSpPr>
+      <p:grpSpPr>
+        <a:xfrm>
+          <a:off x="0" y="0"/>
+          <a:ext cx="0" cy="0"/>
+          <a:chOff x="0" y="0"/>
+          <a:chExt cx="0" cy="0"/>
+        </a:xfrm>
+      </p:grpSpPr>
+      <p:sp>
+        <p:nvSpPr>
+          <p:cNvPr id="2" name="Title 1"/>
+          <p:cNvSpPr>
+            <a:spLocks noGrp="1"/>
+          </p:cNvSpPr>
+          <p:nvPr>
+            <p:ph type="title"/>
+          </p:nvPr>
+        </p:nvSpPr>
         <p:spPr>
           <a:xfrm>
             <a:off x="457201" y="274638"/>
@@ -9825,11 +10002,120 @@
           <a:p>
             <a:r>
               <a:rPr lang="en-US" dirty="0" smtClean="0"/>
-              <a:t>Out</a:t>
-            </a:r>
-            <a:r>
-              <a:rPr lang="en-US" dirty="0" smtClean="0"/>
-              <a:t>put by using hybrid approach</a:t>
+              <a:t>Output by using Stripe approach</a:t>
+            </a:r>
+            <a:endParaRPr lang="en-US" dirty="0"/>
+          </a:p>
+        </p:txBody>
+      </p:sp>
+      <p:pic>
+        <p:nvPicPr>
+          <p:cNvPr id="3" name="Picture 2"/>
+          <p:cNvPicPr>
+            <a:picLocks noChangeAspect="1"/>
+          </p:cNvPicPr>
+          <p:nvPr/>
+        </p:nvPicPr>
+        <p:blipFill>
+          <a:blip r:embed="rId2"/>
+          <a:stretch>
+            <a:fillRect/>
+          </a:stretch>
+        </p:blipFill>
+        <p:spPr>
+          <a:xfrm>
+            <a:off x="667846" y="1276021"/>
+            <a:ext cx="7924802" cy="1837981"/>
+          </a:xfrm>
+          <a:prstGeom prst="rect">
+            <a:avLst/>
+          </a:prstGeom>
+        </p:spPr>
+      </p:pic>
+      <p:pic>
+        <p:nvPicPr>
+          <p:cNvPr id="4" name="Picture 3"/>
+          <p:cNvPicPr>
+            <a:picLocks noChangeAspect="1"/>
+          </p:cNvPicPr>
+          <p:nvPr/>
+        </p:nvPicPr>
+        <p:blipFill>
+          <a:blip r:embed="rId3"/>
+          <a:stretch>
+            <a:fillRect/>
+          </a:stretch>
+        </p:blipFill>
+        <p:spPr>
+          <a:xfrm>
+            <a:off x="667846" y="3728544"/>
+            <a:ext cx="7924802" cy="1757856"/>
+          </a:xfrm>
+          <a:prstGeom prst="rect">
+            <a:avLst/>
+          </a:prstGeom>
+        </p:spPr>
+      </p:pic>
+    </p:spTree>
+    <p:extLst>
+      <p:ext uri="{BB962C8B-B14F-4D97-AF65-F5344CB8AC3E}">
+        <p14:creationId xmlns:p14="http://schemas.microsoft.com/office/powerpoint/2010/main" val="1564908185"/>
+      </p:ext>
+    </p:extLst>
+  </p:cSld>
+  <p:clrMapOvr>
+    <a:masterClrMapping/>
+  </p:clrMapOvr>
+  <p:timing>
+    <p:tnLst>
+      <p:par>
+        <p:cTn id="1" dur="indefinite" restart="never" nodeType="tmRoot"/>
+      </p:par>
+    </p:tnLst>
+  </p:timing>
+</p:sld>
+</file>
+
+<file path=ppt/slides/slide34.xml><?xml version="1.0" encoding="utf-8"?>
+<p:sld xmlns:a="http://schemas.openxmlformats.org/drawingml/2006/main" xmlns:r="http://schemas.openxmlformats.org/officeDocument/2006/relationships" xmlns:p="http://schemas.openxmlformats.org/presentationml/2006/main">
+  <p:cSld>
+    <p:spTree>
+      <p:nvGrpSpPr>
+        <p:cNvPr id="1" name=""/>
+        <p:cNvGrpSpPr/>
+        <p:nvPr/>
+      </p:nvGrpSpPr>
+      <p:grpSpPr>
+        <a:xfrm>
+          <a:off x="0" y="0"/>
+          <a:ext cx="0" cy="0"/>
+          <a:chOff x="0" y="0"/>
+          <a:chExt cx="0" cy="0"/>
+        </a:xfrm>
+      </p:grpSpPr>
+      <p:sp>
+        <p:nvSpPr>
+          <p:cNvPr id="2" name="Title 1"/>
+          <p:cNvSpPr>
+            <a:spLocks noGrp="1"/>
+          </p:cNvSpPr>
+          <p:nvPr>
+            <p:ph type="title"/>
+          </p:nvPr>
+        </p:nvSpPr>
+        <p:spPr>
+          <a:xfrm>
+            <a:off x="457201" y="274638"/>
+            <a:ext cx="8324192" cy="639762"/>
+          </a:xfrm>
+        </p:spPr>
+        <p:txBody>
+          <a:bodyPr/>
+          <a:lstStyle/>
+          <a:p>
+            <a:r>
+              <a:rPr lang="en-US" dirty="0" smtClean="0"/>
+              <a:t>Output by using hybrid approach</a:t>
             </a:r>
             <a:endParaRPr lang="en-US" dirty="0"/>
           </a:p>
@@ -9903,7 +10189,7 @@
 </p:sld>
 </file>
 
-<file path=ppt/slides/slide33.xml><?xml version="1.0" encoding="utf-8"?>
+<file path=ppt/slides/slide35.xml><?xml version="1.0" encoding="utf-8"?>
 <p:sld xmlns:a="http://schemas.openxmlformats.org/drawingml/2006/main" xmlns:r="http://schemas.openxmlformats.org/officeDocument/2006/relationships" xmlns:p="http://schemas.openxmlformats.org/presentationml/2006/main">
   <p:cSld>
     <p:spTree>
@@ -9981,7 +10267,7 @@
 </p:sld>
 </file>
 
-<file path=ppt/slides/slide34.xml><?xml version="1.0" encoding="utf-8"?>
+<file path=ppt/slides/slide36.xml><?xml version="1.0" encoding="utf-8"?>
 <p:sld xmlns:a="http://schemas.openxmlformats.org/drawingml/2006/main" xmlns:r="http://schemas.openxmlformats.org/officeDocument/2006/relationships" xmlns:p="http://schemas.openxmlformats.org/presentationml/2006/main">
   <p:cSld>
     <p:spTree>
@@ -10384,9 +10670,14 @@
           </a:p>
           <a:p>
             <a:r>
-              <a:rPr lang="en-US" dirty="0" smtClean="0"/>
-              <a:t>Using Maven to build project to jar file.</a:t>
-            </a:r>
+              <a:rPr lang="en-US" dirty="0"/>
+              <a:t>Create Mapper, Reducer, Driver classes</a:t>
+            </a:r>
+            <a:r>
+              <a:rPr lang="en-US" dirty="0" smtClean="0"/>
+              <a:t>.</a:t>
+            </a:r>
+            <a:endParaRPr lang="en-US" dirty="0" smtClean="0"/>
           </a:p>
           <a:p>
             <a:endParaRPr lang="en-US" dirty="0" smtClean="0"/>
@@ -10405,7 +10696,7 @@
       </p:sp>
       <p:pic>
         <p:nvPicPr>
-          <p:cNvPr id="4" name="Picture 3"/>
+          <p:cNvPr id="5" name="Picture 4"/>
           <p:cNvPicPr>
             <a:picLocks noChangeAspect="1"/>
           </p:cNvPicPr>
@@ -10419,8 +10710,8 @@
         </p:blipFill>
         <p:spPr>
           <a:xfrm>
-            <a:off x="4806134" y="1119119"/>
-            <a:ext cx="4306416" cy="4940490"/>
+            <a:off x="4656005" y="739467"/>
+            <a:ext cx="4392809" cy="5101775"/>
           </a:xfrm>
           <a:prstGeom prst="rect">
             <a:avLst/>
@@ -10529,7 +10820,6 @@
               <a:rPr lang="en-US" dirty="0" smtClean="0"/>
               <a:t>: Mapper classes.</a:t>
             </a:r>
-            <a:endParaRPr lang="en-US" dirty="0" smtClean="0"/>
           </a:p>
           <a:p>
             <a:r>
@@ -10552,7 +10842,6 @@
               <a:rPr lang="en-US" dirty="0" smtClean="0"/>
               <a:t>ouble output.</a:t>
             </a:r>
-            <a:endParaRPr lang="en-US" dirty="0" smtClean="0"/>
           </a:p>
           <a:p>
             <a:r>
@@ -10601,9 +10890,28 @@
               <a:t>text output</a:t>
             </a:r>
             <a:r>
-              <a:rPr lang="en-US" dirty="0"/>
+              <a:rPr lang="en-US" dirty="0" smtClean="0"/>
               <a:t>.</a:t>
             </a:r>
+          </a:p>
+          <a:p>
+            <a:r>
+              <a:rPr lang="en-US" dirty="0" err="1" smtClean="0"/>
+              <a:t>com.Hadoop.partitioner</a:t>
+            </a:r>
+            <a:r>
+              <a:rPr lang="en-US" dirty="0" smtClean="0"/>
+              <a:t>: </a:t>
+            </a:r>
+            <a:r>
+              <a:rPr lang="en-US" dirty="0" err="1" smtClean="0"/>
+              <a:t>Partitioner</a:t>
+            </a:r>
+            <a:r>
+              <a:rPr lang="en-US" dirty="0" smtClean="0"/>
+              <a:t> classes</a:t>
+            </a:r>
+            <a:endParaRPr lang="en-US" dirty="0"/>
           </a:p>
           <a:p>
             <a:endParaRPr lang="en-US" dirty="0" smtClean="0"/>
@@ -10701,9 +11009,14 @@
           <a:lstStyle/>
           <a:p>
             <a:r>
-              <a:rPr lang="en-US" dirty="0" smtClean="0"/>
-              <a:t>Create Mapper, Reducer, Driver classes.</a:t>
-            </a:r>
+              <a:rPr lang="en-US" dirty="0"/>
+              <a:t>Using Maven to build project to jar file</a:t>
+            </a:r>
+            <a:r>
+              <a:rPr lang="en-US" dirty="0" smtClean="0"/>
+              <a:t>.</a:t>
+            </a:r>
+            <a:endParaRPr lang="en-US" dirty="0" smtClean="0"/>
           </a:p>
           <a:p>
             <a:r>
@@ -10722,94 +11035,76 @@
           <a:p>
             <a:pPr lvl="1"/>
             <a:r>
+              <a:rPr lang="en-US" sz="2400" dirty="0" smtClean="0"/>
+              <a:t>cloudera\bash\mvn_package.sh </a:t>
+            </a:r>
+            <a:r>
               <a:rPr lang="en-US" sz="2400" dirty="0"/>
-              <a:t>project\bash\mvn_package.sh : maven clean and install.</a:t>
+              <a:t>: maven clean and install.</a:t>
             </a:r>
           </a:p>
           <a:p>
             <a:pPr lvl="1"/>
             <a:r>
+              <a:rPr lang="en-US" sz="2400" dirty="0" err="1"/>
+              <a:t>cloudera</a:t>
+            </a:r>
+            <a:r>
               <a:rPr lang="en-US" sz="2400" dirty="0"/>
-              <a:t>project\bash\</a:t>
+              <a:t>\bash\</a:t>
             </a:r>
             <a:r>
               <a:rPr lang="en-US" sz="2400" dirty="0" err="1"/>
               <a:t>pre_run_hadoop_job</a:t>
             </a:r>
+            <a:r>
+              <a:rPr lang="en-US" sz="2400" dirty="0" smtClean="0"/>
+              <a:t>: </a:t>
+            </a:r>
+            <a:r>
+              <a:rPr lang="en-US" sz="2400" dirty="0" err="1" smtClean="0"/>
+              <a:t>creat</a:t>
+            </a:r>
+            <a:r>
+              <a:rPr lang="en-US" sz="2400" dirty="0" smtClean="0"/>
+              <a:t> folder on </a:t>
+            </a:r>
+            <a:r>
+              <a:rPr lang="en-US" sz="2400" dirty="0" err="1" smtClean="0"/>
+              <a:t>hadoop</a:t>
+            </a:r>
             <a:endParaRPr lang="en-US" sz="2400" dirty="0"/>
           </a:p>
           <a:p>
             <a:pPr lvl="1"/>
             <a:r>
+              <a:rPr lang="en-US" sz="2400" dirty="0" err="1"/>
+              <a:t>cloudera</a:t>
+            </a:r>
+            <a:r>
               <a:rPr lang="en-US" sz="2400" dirty="0"/>
-              <a:t>project\bash\</a:t>
+              <a:t>\bash\</a:t>
             </a:r>
             <a:r>
               <a:rPr lang="en-US" sz="2400" dirty="0" err="1"/>
               <a:t>run_hadoop_job</a:t>
             </a:r>
+            <a:r>
+              <a:rPr lang="en-US" sz="2400" dirty="0" smtClean="0"/>
+              <a:t>: run Hadoop tasks</a:t>
+            </a:r>
             <a:endParaRPr lang="en-US" sz="2400" dirty="0"/>
           </a:p>
           <a:p>
             <a:pPr lvl="1"/>
             <a:r>
-              <a:rPr lang="en-US" sz="2400" dirty="0"/>
+              <a:rPr lang="en-US" sz="2400" dirty="0" smtClean="0"/>
               <a:t>...</a:t>
             </a:r>
-          </a:p>
-          <a:p>
-            <a:r>
-              <a:rPr lang="en-US" dirty="0" smtClean="0"/>
-              <a:t>Open terminal and run </a:t>
-            </a:r>
-            <a:r>
-              <a:rPr lang="en-US" dirty="0" err="1" smtClean="0"/>
-              <a:t>sh</a:t>
-            </a:r>
-            <a:r>
-              <a:rPr lang="en-US" dirty="0"/>
-              <a:t> </a:t>
-            </a:r>
-            <a:r>
-              <a:rPr lang="en-US" dirty="0" smtClean="0"/>
-              <a:t>file by using drag and drop file to terminal</a:t>
-            </a:r>
-          </a:p>
-          <a:p>
-            <a:pPr marL="0" indent="0">
-              <a:buNone/>
-            </a:pPr>
-            <a:endParaRPr lang="en-US" dirty="0" smtClean="0"/>
-          </a:p>
-          <a:p>
-            <a:pPr lvl="1"/>
-            <a:endParaRPr lang="en-US" dirty="0"/>
-          </a:p>
-        </p:txBody>
-      </p:sp>
-      <p:pic>
-        <p:nvPicPr>
-          <p:cNvPr id="5" name="Picture 4"/>
-          <p:cNvPicPr>
-            <a:picLocks noChangeAspect="1"/>
-          </p:cNvPicPr>
-          <p:nvPr/>
-        </p:nvPicPr>
-        <p:blipFill rotWithShape="1">
-          <a:blip r:embed="rId2"/>
-          <a:srcRect t="-8330" b="30290"/>
-          <a:stretch/>
-        </p:blipFill>
-        <p:spPr>
-          <a:xfrm>
-            <a:off x="291872" y="4898789"/>
-            <a:ext cx="8656183" cy="1406489"/>
-          </a:xfrm>
-          <a:prstGeom prst="rect">
-            <a:avLst/>
-          </a:prstGeom>
-        </p:spPr>
-      </p:pic>
+            <a:endParaRPr lang="en-US" sz="2400" dirty="0"/>
+          </a:p>
+        </p:txBody>
+      </p:sp>
     </p:spTree>
     <p:extLst>
       <p:ext uri="{BB962C8B-B14F-4D97-AF65-F5344CB8AC3E}">
@@ -10854,37 +11149,21 @@
             <a:spLocks noGrp="1"/>
           </p:cNvSpPr>
           <p:nvPr>
-            <p:ph type="ctrTitle"/>
-          </p:nvPr>
-        </p:nvSpPr>
-        <p:spPr>
-          <a:xfrm>
-            <a:off x="2197706" y="2165181"/>
-            <a:ext cx="5574700" cy="1287708"/>
-          </a:xfrm>
-        </p:spPr>
+            <p:ph type="title"/>
+          </p:nvPr>
+        </p:nvSpPr>
+        <p:spPr/>
         <p:txBody>
           <a:bodyPr/>
           <a:lstStyle/>
           <a:p>
             <a:r>
               <a:rPr lang="en-US" dirty="0" smtClean="0"/>
-              <a:t>Part 1 </a:t>
-            </a:r>
-            <a:br>
-              <a:rPr lang="en-US" dirty="0" smtClean="0"/>
-            </a:br>
-            <a:r>
-              <a:rPr lang="en-US" dirty="0" smtClean="0"/>
-              <a:t>Basic </a:t>
-            </a:r>
-            <a:r>
-              <a:rPr lang="en-US" dirty="0"/>
-              <a:t>W</a:t>
-            </a:r>
-            <a:r>
-              <a:rPr lang="en-US" dirty="0" smtClean="0"/>
-              <a:t>ord Count</a:t>
+              <a:t>Create </a:t>
+            </a:r>
+            <a:r>
+              <a:rPr lang="en-US" dirty="0" smtClean="0"/>
+              <a:t>FOLDERs</a:t>
             </a:r>
             <a:endParaRPr lang="en-US" dirty="0"/>
           </a:p>
@@ -10892,36 +11171,85 @@
       </p:sp>
       <p:sp>
         <p:nvSpPr>
-          <p:cNvPr id="4" name="TextBox 3"/>
-          <p:cNvSpPr txBox="1"/>
+          <p:cNvPr id="3" name="Content Placeholder 2"/>
+          <p:cNvSpPr>
+            <a:spLocks noGrp="1"/>
+          </p:cNvSpPr>
+          <p:nvPr>
+            <p:ph idx="1"/>
+          </p:nvPr>
+        </p:nvSpPr>
+        <p:spPr>
+          <a:xfrm>
+            <a:off x="457203" y="1064532"/>
+            <a:ext cx="8140891" cy="4961755"/>
+          </a:xfrm>
+        </p:spPr>
+        <p:txBody>
+          <a:bodyPr/>
+          <a:lstStyle/>
+          <a:p>
+            <a:r>
+              <a:rPr lang="en-US" dirty="0" smtClean="0"/>
+              <a:t>Create folder input and create input files</a:t>
+            </a:r>
+          </a:p>
+          <a:p>
+            <a:r>
+              <a:rPr lang="en-US" dirty="0" smtClean="0"/>
+              <a:t>Create folder like Hadoop </a:t>
+            </a:r>
+            <a:r>
+              <a:rPr lang="en-US" dirty="0" err="1" smtClean="0"/>
+              <a:t>jobName</a:t>
+            </a:r>
+            <a:endParaRPr lang="en-US" dirty="0" smtClean="0"/>
+          </a:p>
+          <a:p>
+            <a:pPr marL="0" indent="0">
+              <a:buNone/>
+            </a:pPr>
+            <a:endParaRPr lang="en-US" dirty="0" smtClean="0"/>
+          </a:p>
+          <a:p>
+            <a:pPr lvl="1"/>
+            <a:endParaRPr lang="en-US" dirty="0"/>
+          </a:p>
+        </p:txBody>
+      </p:sp>
+      <p:pic>
+        <p:nvPicPr>
+          <p:cNvPr id="4" name="Picture 3"/>
+          <p:cNvPicPr>
+            <a:picLocks noChangeAspect="1"/>
+          </p:cNvPicPr>
           <p:nvPr/>
-        </p:nvSpPr>
+        </p:nvPicPr>
+        <p:blipFill rotWithShape="1">
+          <a:blip r:embed="rId2">
+            <a:extLst>
+              <a:ext uri="{28A0092B-C50C-407E-A947-70E740481C1C}">
+                <a14:useLocalDpi xmlns:a14="http://schemas.microsoft.com/office/drawing/2010/main" val="0"/>
+              </a:ext>
+            </a:extLst>
+          </a:blip>
+          <a:srcRect b="11326"/>
+          <a:stretch/>
+        </p:blipFill>
         <p:spPr>
           <a:xfrm>
-            <a:off x="713990" y="5796878"/>
-            <a:ext cx="5824603" cy="1691015"/>
+            <a:off x="1040669" y="2218678"/>
+            <a:ext cx="6735115" cy="4113883"/>
           </a:xfrm>
           <a:prstGeom prst="rect">
             <a:avLst/>
           </a:prstGeom>
         </p:spPr>
-        <p:txBody>
-          <a:bodyPr vert="horz" wrap="square" lIns="91440" tIns="45720" rIns="91440" bIns="45720" rtlCol="0" anchor="t">
-            <a:normAutofit/>
-          </a:bodyPr>
-          <a:lstStyle/>
-          <a:p>
-            <a:endParaRPr lang="en-US" dirty="0">
-              <a:latin typeface="Gill Sans Light"/>
-              <a:cs typeface="Gill Sans Light"/>
-            </a:endParaRPr>
-          </a:p>
-        </p:txBody>
-      </p:sp>
+      </p:pic>
     </p:spTree>
     <p:extLst>
       <p:ext uri="{BB962C8B-B14F-4D97-AF65-F5344CB8AC3E}">
-        <p14:creationId xmlns:p14="http://schemas.microsoft.com/office/powerpoint/2010/main" val="2544883009"/>
+        <p14:creationId xmlns:p14="http://schemas.microsoft.com/office/powerpoint/2010/main" val="251200283"/>
       </p:ext>
     </p:extLst>
   </p:cSld>
@@ -10972,7 +11300,7 @@
           <a:p>
             <a:r>
               <a:rPr lang="en-US" dirty="0" smtClean="0"/>
-              <a:t>Pseudo code</a:t>
+              <a:t>Run on terminal</a:t>
             </a:r>
             <a:endParaRPr lang="en-US" dirty="0"/>
           </a:p>
@@ -10990,8 +11318,8 @@
         </p:nvSpPr>
         <p:spPr>
           <a:xfrm>
-            <a:off x="457200" y="1064532"/>
-            <a:ext cx="8229600" cy="4961755"/>
+            <a:off x="457203" y="1064532"/>
+            <a:ext cx="8140891" cy="2784137"/>
           </a:xfrm>
         </p:spPr>
         <p:txBody>
@@ -10999,133 +11327,77 @@
           <a:lstStyle/>
           <a:p>
             <a:r>
+              <a:rPr lang="en-US" dirty="0" smtClean="0"/>
+              <a:t>Go </a:t>
+            </a:r>
+            <a:r>
               <a:rPr lang="en-US" dirty="0"/>
-              <a:t>The </a:t>
-            </a:r>
-            <a:r>
-              <a:rPr lang="en-US" dirty="0" smtClean="0"/>
-              <a:t>word count basic to </a:t>
-            </a:r>
-            <a:r>
-              <a:rPr lang="en-US" dirty="0"/>
-              <a:t>compute relative </a:t>
-            </a:r>
-            <a:r>
-              <a:rPr lang="en-US" dirty="0" smtClean="0"/>
-              <a:t>frequencies</a:t>
-            </a:r>
-          </a:p>
-          <a:p>
+              <a:t>to </a:t>
+            </a:r>
+            <a:r>
+              <a:rPr lang="en-US" dirty="0" smtClean="0"/>
+              <a:t>cloudera\bash\run_hadoop_job.sh to see command line</a:t>
+            </a:r>
+            <a:endParaRPr lang="en-US" dirty="0" smtClean="0"/>
+          </a:p>
+          <a:p>
+            <a:r>
+              <a:rPr lang="en-US" dirty="0" smtClean="0"/>
+              <a:t>Open terminal then drag and drop this file to terminal</a:t>
+            </a:r>
+          </a:p>
+          <a:p>
+            <a:r>
+              <a:rPr lang="en-US" dirty="0" smtClean="0"/>
+              <a:t>Copy to terminal and run</a:t>
+            </a:r>
+            <a:endParaRPr lang="en-US" dirty="0" smtClean="0"/>
+          </a:p>
+          <a:p>
+            <a:pPr marL="0" indent="0">
+              <a:buNone/>
+            </a:pPr>
+            <a:endParaRPr lang="en-US" dirty="0" smtClean="0"/>
+          </a:p>
+          <a:p>
+            <a:pPr lvl="1"/>
             <a:endParaRPr lang="en-US" dirty="0"/>
           </a:p>
         </p:txBody>
       </p:sp>
-      <p:sp>
-        <p:nvSpPr>
-          <p:cNvPr id="6" name="Rectangle 5"/>
-          <p:cNvSpPr/>
+      <p:pic>
+        <p:nvPicPr>
+          <p:cNvPr id="4" name="Picture 3"/>
+          <p:cNvPicPr>
+            <a:picLocks noChangeAspect="1"/>
+          </p:cNvPicPr>
           <p:nvPr/>
-        </p:nvSpPr>
+        </p:nvPicPr>
+        <p:blipFill rotWithShape="1">
+          <a:blip r:embed="rId2">
+            <a:extLst>
+              <a:ext uri="{28A0092B-C50C-407E-A947-70E740481C1C}">
+                <a14:useLocalDpi xmlns:a14="http://schemas.microsoft.com/office/drawing/2010/main" val="0"/>
+              </a:ext>
+            </a:extLst>
+          </a:blip>
+          <a:srcRect l="193" t="31836" r="-193" b="31202"/>
+          <a:stretch/>
+        </p:blipFill>
         <p:spPr>
           <a:xfrm>
-            <a:off x="899657" y="2101760"/>
-            <a:ext cx="7241460" cy="4248195"/>
+            <a:off x="993380" y="3998801"/>
+            <a:ext cx="7068536" cy="1978925"/>
           </a:xfrm>
           <a:prstGeom prst="rect">
             <a:avLst/>
           </a:prstGeom>
         </p:spPr>
-        <p:style>
-          <a:lnRef idx="1">
-            <a:schemeClr val="accent1"/>
-          </a:lnRef>
-          <a:fillRef idx="3">
-            <a:schemeClr val="accent1"/>
-          </a:fillRef>
-          <a:effectRef idx="2">
-            <a:schemeClr val="accent1"/>
-          </a:effectRef>
-          <a:fontRef idx="minor">
-            <a:schemeClr val="lt1"/>
-          </a:fontRef>
-        </p:style>
-        <p:txBody>
-          <a:bodyPr rtlCol="0" anchor="ctr"/>
-          <a:lstStyle/>
-          <a:p>
-            <a:r>
-              <a:rPr lang="en-US" dirty="0"/>
-              <a:t>	class Mapper</a:t>
-            </a:r>
-          </a:p>
-          <a:p>
-            <a:r>
-              <a:rPr lang="en-US" dirty="0"/>
-              <a:t>		method Map(</a:t>
-            </a:r>
-            <a:r>
-              <a:rPr lang="en-US" dirty="0" err="1"/>
-              <a:t>docid</a:t>
-            </a:r>
-            <a:r>
-              <a:rPr lang="en-US" dirty="0"/>
-              <a:t> a, doc d)</a:t>
-            </a:r>
-          </a:p>
-          <a:p>
-            <a:r>
-              <a:rPr lang="en-US" dirty="0"/>
-              <a:t>			for all term w in doc d do</a:t>
-            </a:r>
-          </a:p>
-          <a:p>
-            <a:r>
-              <a:rPr lang="en-US" dirty="0"/>
-              <a:t>					Emit(w, count 1)</a:t>
-            </a:r>
-          </a:p>
-          <a:p>
-            <a:r>
-              <a:rPr lang="en-US" dirty="0"/>
-              <a:t>	class Reducer</a:t>
-            </a:r>
-          </a:p>
-          <a:p>
-            <a:r>
-              <a:rPr lang="en-US" dirty="0"/>
-              <a:t>		method Reduce(term t, counts [c1, c2,..])</a:t>
-            </a:r>
-          </a:p>
-          <a:p>
-            <a:r>
-              <a:rPr lang="en-US" dirty="0"/>
-              <a:t>			s = 0</a:t>
-            </a:r>
-          </a:p>
-          <a:p>
-            <a:r>
-              <a:rPr lang="en-US" dirty="0"/>
-              <a:t>			for all count c in counts[c1, c2,...] do</a:t>
-            </a:r>
-          </a:p>
-          <a:p>
-            <a:r>
-              <a:rPr lang="en-US" dirty="0"/>
-              <a:t>				s += c</a:t>
-            </a:r>
-          </a:p>
-          <a:p>
-            <a:r>
-              <a:rPr lang="en-US" dirty="0"/>
-              <a:t>			Emit(term t, s)</a:t>
-            </a:r>
-          </a:p>
-        </p:txBody>
-      </p:sp>
+      </p:pic>
     </p:spTree>
     <p:extLst>
       <p:ext uri="{BB962C8B-B14F-4D97-AF65-F5344CB8AC3E}">
-        <p14:creationId xmlns:p14="http://schemas.microsoft.com/office/powerpoint/2010/main" val="2756107147"/>
+        <p14:creationId xmlns:p14="http://schemas.microsoft.com/office/powerpoint/2010/main" val="2253676489"/>
       </p:ext>
     </p:extLst>
   </p:cSld>

--- a/docs/Presentation.pptx
+++ b/docs/Presentation.pptx
@@ -5,10 +5,10 @@
     <p:sldMasterId id="2147483648" r:id="rId1"/>
   </p:sldMasterIdLst>
   <p:notesMasterIdLst>
-    <p:notesMasterId r:id="rId38"/>
+    <p:notesMasterId r:id="rId45"/>
   </p:notesMasterIdLst>
   <p:handoutMasterIdLst>
-    <p:handoutMasterId r:id="rId39"/>
+    <p:handoutMasterId r:id="rId46"/>
   </p:handoutMasterIdLst>
   <p:sldIdLst>
     <p:sldId id="259" r:id="rId2"/>
@@ -45,8 +45,15 @@
     <p:sldId id="339" r:id="rId33"/>
     <p:sldId id="341" r:id="rId34"/>
     <p:sldId id="342" r:id="rId35"/>
-    <p:sldId id="289" r:id="rId36"/>
-    <p:sldId id="326" r:id="rId37"/>
+    <p:sldId id="348" r:id="rId36"/>
+    <p:sldId id="345" r:id="rId37"/>
+    <p:sldId id="353" r:id="rId38"/>
+    <p:sldId id="352" r:id="rId39"/>
+    <p:sldId id="347" r:id="rId40"/>
+    <p:sldId id="350" r:id="rId41"/>
+    <p:sldId id="351" r:id="rId42"/>
+    <p:sldId id="289" r:id="rId43"/>
+    <p:sldId id="326" r:id="rId44"/>
   </p:sldIdLst>
   <p:sldSz cx="9144000" cy="6858000" type="screen4x3"/>
   <p:notesSz cx="6858000" cy="9144000"/>
@@ -249,7 +256,7 @@
           <a:p>
             <a:fld id="{291D7B54-10FA-4B58-9BB9-8A810A6BB78D}" type="datetimeFigureOut">
               <a:rPr lang="en-US" smtClean="0"/>
-              <a:t>6/9/2016</a:t>
+              <a:t>6/10/2016</a:t>
             </a:fld>
             <a:endParaRPr lang="en-US"/>
           </a:p>
@@ -414,7 +421,7 @@
           <a:p>
             <a:fld id="{8480E8FD-D04B-45D3-9727-4D028C5089BD}" type="datetimeFigureOut">
               <a:rPr lang="en-US" smtClean="0"/>
-              <a:t>6/9/2016</a:t>
+              <a:t>6/10/2016</a:t>
             </a:fld>
             <a:endParaRPr lang="en-US"/>
           </a:p>
@@ -771,6 +778,279 @@
 </p:notes>
 </file>
 
+<file path=ppt/notesSlides/notesSlide10.xml><?xml version="1.0" encoding="utf-8"?>
+<p:notes xmlns:a="http://schemas.openxmlformats.org/drawingml/2006/main" xmlns:r="http://schemas.openxmlformats.org/officeDocument/2006/relationships" xmlns:p="http://schemas.openxmlformats.org/presentationml/2006/main">
+  <p:cSld>
+    <p:spTree>
+      <p:nvGrpSpPr>
+        <p:cNvPr id="1" name=""/>
+        <p:cNvGrpSpPr/>
+        <p:nvPr/>
+      </p:nvGrpSpPr>
+      <p:grpSpPr>
+        <a:xfrm>
+          <a:off x="0" y="0"/>
+          <a:ext cx="0" cy="0"/>
+          <a:chOff x="0" y="0"/>
+          <a:chExt cx="0" cy="0"/>
+        </a:xfrm>
+      </p:grpSpPr>
+      <p:sp>
+        <p:nvSpPr>
+          <p:cNvPr id="2" name="Slide Image Placeholder 1"/>
+          <p:cNvSpPr>
+            <a:spLocks noGrp="1" noRot="1" noChangeAspect="1"/>
+          </p:cNvSpPr>
+          <p:nvPr>
+            <p:ph type="sldImg"/>
+          </p:nvPr>
+        </p:nvSpPr>
+        <p:spPr/>
+      </p:sp>
+      <p:sp>
+        <p:nvSpPr>
+          <p:cNvPr id="3" name="Notes Placeholder 2"/>
+          <p:cNvSpPr>
+            <a:spLocks noGrp="1"/>
+          </p:cNvSpPr>
+          <p:nvPr>
+            <p:ph type="body" idx="1"/>
+          </p:nvPr>
+        </p:nvSpPr>
+        <p:spPr/>
+        <p:txBody>
+          <a:bodyPr/>
+          <a:lstStyle/>
+          <a:p>
+            <a:r>
+              <a:rPr lang="en-US" dirty="0" smtClean="0"/>
+              <a:t>Spark is data processing framework</a:t>
+            </a:r>
+            <a:endParaRPr lang="en-US" dirty="0"/>
+          </a:p>
+        </p:txBody>
+      </p:sp>
+      <p:sp>
+        <p:nvSpPr>
+          <p:cNvPr id="4" name="Slide Number Placeholder 3"/>
+          <p:cNvSpPr>
+            <a:spLocks noGrp="1"/>
+          </p:cNvSpPr>
+          <p:nvPr>
+            <p:ph type="sldNum" sz="quarter" idx="10"/>
+          </p:nvPr>
+        </p:nvSpPr>
+        <p:spPr/>
+        <p:txBody>
+          <a:bodyPr/>
+          <a:lstStyle/>
+          <a:p>
+            <a:fld id="{0AD24312-430C-47F9-90D6-A40331DAF7A2}" type="slidenum">
+              <a:rPr lang="en-US" smtClean="0"/>
+              <a:t>36</a:t>
+            </a:fld>
+            <a:endParaRPr lang="en-US"/>
+          </a:p>
+        </p:txBody>
+      </p:sp>
+    </p:spTree>
+    <p:extLst>
+      <p:ext uri="{BB962C8B-B14F-4D97-AF65-F5344CB8AC3E}">
+        <p14:creationId xmlns:p14="http://schemas.microsoft.com/office/powerpoint/2010/main" val="2994156910"/>
+      </p:ext>
+    </p:extLst>
+  </p:cSld>
+  <p:clrMapOvr>
+    <a:masterClrMapping/>
+  </p:clrMapOvr>
+</p:notes>
+</file>
+
+<file path=ppt/notesSlides/notesSlide11.xml><?xml version="1.0" encoding="utf-8"?>
+<p:notes xmlns:a="http://schemas.openxmlformats.org/drawingml/2006/main" xmlns:r="http://schemas.openxmlformats.org/officeDocument/2006/relationships" xmlns:p="http://schemas.openxmlformats.org/presentationml/2006/main">
+  <p:cSld>
+    <p:spTree>
+      <p:nvGrpSpPr>
+        <p:cNvPr id="1" name=""/>
+        <p:cNvGrpSpPr/>
+        <p:nvPr/>
+      </p:nvGrpSpPr>
+      <p:grpSpPr>
+        <a:xfrm>
+          <a:off x="0" y="0"/>
+          <a:ext cx="0" cy="0"/>
+          <a:chOff x="0" y="0"/>
+          <a:chExt cx="0" cy="0"/>
+        </a:xfrm>
+      </p:grpSpPr>
+      <p:sp>
+        <p:nvSpPr>
+          <p:cNvPr id="2" name="Slide Image Placeholder 1"/>
+          <p:cNvSpPr>
+            <a:spLocks noGrp="1" noRot="1" noChangeAspect="1"/>
+          </p:cNvSpPr>
+          <p:nvPr>
+            <p:ph type="sldImg"/>
+          </p:nvPr>
+        </p:nvSpPr>
+        <p:spPr/>
+      </p:sp>
+      <p:sp>
+        <p:nvSpPr>
+          <p:cNvPr id="3" name="Notes Placeholder 2"/>
+          <p:cNvSpPr>
+            <a:spLocks noGrp="1"/>
+          </p:cNvSpPr>
+          <p:nvPr>
+            <p:ph type="body" idx="1"/>
+          </p:nvPr>
+        </p:nvSpPr>
+        <p:spPr/>
+        <p:txBody>
+          <a:bodyPr/>
+          <a:lstStyle/>
+          <a:p>
+            <a:endParaRPr lang="en-US" dirty="0"/>
+          </a:p>
+        </p:txBody>
+      </p:sp>
+      <p:sp>
+        <p:nvSpPr>
+          <p:cNvPr id="4" name="Slide Number Placeholder 3"/>
+          <p:cNvSpPr>
+            <a:spLocks noGrp="1"/>
+          </p:cNvSpPr>
+          <p:nvPr>
+            <p:ph type="sldNum" sz="quarter" idx="10"/>
+          </p:nvPr>
+        </p:nvSpPr>
+        <p:spPr/>
+        <p:txBody>
+          <a:bodyPr/>
+          <a:lstStyle/>
+          <a:p>
+            <a:fld id="{0AD24312-430C-47F9-90D6-A40331DAF7A2}" type="slidenum">
+              <a:rPr lang="en-US" smtClean="0"/>
+              <a:t>37</a:t>
+            </a:fld>
+            <a:endParaRPr lang="en-US"/>
+          </a:p>
+        </p:txBody>
+      </p:sp>
+    </p:spTree>
+    <p:extLst>
+      <p:ext uri="{BB962C8B-B14F-4D97-AF65-F5344CB8AC3E}">
+        <p14:creationId xmlns:p14="http://schemas.microsoft.com/office/powerpoint/2010/main" val="2761726115"/>
+      </p:ext>
+    </p:extLst>
+  </p:cSld>
+  <p:clrMapOvr>
+    <a:masterClrMapping/>
+  </p:clrMapOvr>
+</p:notes>
+</file>
+
+<file path=ppt/notesSlides/notesSlide12.xml><?xml version="1.0" encoding="utf-8"?>
+<p:notes xmlns:a="http://schemas.openxmlformats.org/drawingml/2006/main" xmlns:r="http://schemas.openxmlformats.org/officeDocument/2006/relationships" xmlns:p="http://schemas.openxmlformats.org/presentationml/2006/main">
+  <p:cSld>
+    <p:spTree>
+      <p:nvGrpSpPr>
+        <p:cNvPr id="1" name=""/>
+        <p:cNvGrpSpPr/>
+        <p:nvPr/>
+      </p:nvGrpSpPr>
+      <p:grpSpPr>
+        <a:xfrm>
+          <a:off x="0" y="0"/>
+          <a:ext cx="0" cy="0"/>
+          <a:chOff x="0" y="0"/>
+          <a:chExt cx="0" cy="0"/>
+        </a:xfrm>
+      </p:grpSpPr>
+      <p:sp>
+        <p:nvSpPr>
+          <p:cNvPr id="2" name="Slide Image Placeholder 1"/>
+          <p:cNvSpPr>
+            <a:spLocks noGrp="1" noRot="1" noChangeAspect="1"/>
+          </p:cNvSpPr>
+          <p:nvPr>
+            <p:ph type="sldImg"/>
+          </p:nvPr>
+        </p:nvSpPr>
+        <p:spPr/>
+      </p:sp>
+      <p:sp>
+        <p:nvSpPr>
+          <p:cNvPr id="3" name="Notes Placeholder 2"/>
+          <p:cNvSpPr>
+            <a:spLocks noGrp="1"/>
+          </p:cNvSpPr>
+          <p:nvPr>
+            <p:ph type="body" idx="1"/>
+          </p:nvPr>
+        </p:nvSpPr>
+        <p:spPr/>
+        <p:txBody>
+          <a:bodyPr/>
+          <a:lstStyle/>
+          <a:p>
+            <a:pPr marL="0" marR="0" indent="0" algn="l" defTabSz="914400" rtl="0" eaLnBrk="1" fontAlgn="auto" latinLnBrk="0" hangingPunct="1">
+              <a:lnSpc>
+                <a:spcPct val="100000"/>
+              </a:lnSpc>
+              <a:spcBef>
+                <a:spcPts val="0"/>
+              </a:spcBef>
+              <a:spcAft>
+                <a:spcPts val="0"/>
+              </a:spcAft>
+              <a:buClrTx/>
+              <a:buSzTx/>
+              <a:buFontTx/>
+              <a:buNone/>
+              <a:tabLst/>
+              <a:defRPr/>
+            </a:pPr>
+            <a:endParaRPr lang="vi-VN" dirty="0"/>
+          </a:p>
+        </p:txBody>
+      </p:sp>
+      <p:sp>
+        <p:nvSpPr>
+          <p:cNvPr id="4" name="Slide Number Placeholder 3"/>
+          <p:cNvSpPr>
+            <a:spLocks noGrp="1"/>
+          </p:cNvSpPr>
+          <p:nvPr>
+            <p:ph type="sldNum" sz="quarter" idx="10"/>
+          </p:nvPr>
+        </p:nvSpPr>
+        <p:spPr/>
+        <p:txBody>
+          <a:bodyPr/>
+          <a:lstStyle/>
+          <a:p>
+            <a:fld id="{0AD24312-430C-47F9-90D6-A40331DAF7A2}" type="slidenum">
+              <a:rPr lang="en-US" smtClean="0"/>
+              <a:t>41</a:t>
+            </a:fld>
+            <a:endParaRPr lang="en-US"/>
+          </a:p>
+        </p:txBody>
+      </p:sp>
+    </p:spTree>
+    <p:extLst>
+      <p:ext uri="{BB962C8B-B14F-4D97-AF65-F5344CB8AC3E}">
+        <p14:creationId xmlns:p14="http://schemas.microsoft.com/office/powerpoint/2010/main" val="1879148779"/>
+      </p:ext>
+    </p:extLst>
+  </p:cSld>
+  <p:clrMapOvr>
+    <a:masterClrMapping/>
+  </p:clrMapOvr>
+</p:notes>
+</file>
+
 <file path=ppt/notesSlides/notesSlide2.xml><?xml version="1.0" encoding="utf-8"?>
 <p:notes xmlns:a="http://schemas.openxmlformats.org/drawingml/2006/main" xmlns:r="http://schemas.openxmlformats.org/officeDocument/2006/relationships" xmlns:p="http://schemas.openxmlformats.org/presentationml/2006/main">
   <p:cSld>
@@ -1487,6 +1767,107 @@
     <p:extLst>
       <p:ext uri="{BB962C8B-B14F-4D97-AF65-F5344CB8AC3E}">
         <p14:creationId xmlns:p14="http://schemas.microsoft.com/office/powerpoint/2010/main" val="3751781852"/>
+      </p:ext>
+    </p:extLst>
+  </p:cSld>
+  <p:clrMapOvr>
+    <a:masterClrMapping/>
+  </p:clrMapOvr>
+</p:notes>
+</file>
+
+<file path=ppt/notesSlides/notesSlide9.xml><?xml version="1.0" encoding="utf-8"?>
+<p:notes xmlns:a="http://schemas.openxmlformats.org/drawingml/2006/main" xmlns:r="http://schemas.openxmlformats.org/officeDocument/2006/relationships" xmlns:p="http://schemas.openxmlformats.org/presentationml/2006/main">
+  <p:cSld>
+    <p:spTree>
+      <p:nvGrpSpPr>
+        <p:cNvPr id="1" name=""/>
+        <p:cNvGrpSpPr/>
+        <p:nvPr/>
+      </p:nvGrpSpPr>
+      <p:grpSpPr>
+        <a:xfrm>
+          <a:off x="0" y="0"/>
+          <a:ext cx="0" cy="0"/>
+          <a:chOff x="0" y="0"/>
+          <a:chExt cx="0" cy="0"/>
+        </a:xfrm>
+      </p:grpSpPr>
+      <p:sp>
+        <p:nvSpPr>
+          <p:cNvPr id="2" name="Slide Image Placeholder 1"/>
+          <p:cNvSpPr>
+            <a:spLocks noGrp="1" noRot="1" noChangeAspect="1"/>
+          </p:cNvSpPr>
+          <p:nvPr>
+            <p:ph type="sldImg"/>
+          </p:nvPr>
+        </p:nvSpPr>
+        <p:spPr/>
+      </p:sp>
+      <p:sp>
+        <p:nvSpPr>
+          <p:cNvPr id="3" name="Notes Placeholder 2"/>
+          <p:cNvSpPr>
+            <a:spLocks noGrp="1"/>
+          </p:cNvSpPr>
+          <p:nvPr>
+            <p:ph type="body" idx="1"/>
+          </p:nvPr>
+        </p:nvSpPr>
+        <p:spPr/>
+        <p:txBody>
+          <a:bodyPr/>
+          <a:lstStyle/>
+          <a:p>
+            <a:pPr marL="0" marR="0" indent="0" algn="l" defTabSz="914400" rtl="0" eaLnBrk="1" fontAlgn="auto" latinLnBrk="0" hangingPunct="1">
+              <a:lnSpc>
+                <a:spcPct val="100000"/>
+              </a:lnSpc>
+              <a:spcBef>
+                <a:spcPts val="0"/>
+              </a:spcBef>
+              <a:spcAft>
+                <a:spcPts val="0"/>
+              </a:spcAft>
+              <a:buClrTx/>
+              <a:buSzTx/>
+              <a:buFontTx/>
+              <a:buNone/>
+              <a:tabLst/>
+              <a:defRPr/>
+            </a:pPr>
+            <a:endParaRPr lang="vi-VN" dirty="0"/>
+          </a:p>
+        </p:txBody>
+      </p:sp>
+      <p:sp>
+        <p:nvSpPr>
+          <p:cNvPr id="4" name="Slide Number Placeholder 3"/>
+          <p:cNvSpPr>
+            <a:spLocks noGrp="1"/>
+          </p:cNvSpPr>
+          <p:nvPr>
+            <p:ph type="sldNum" sz="quarter" idx="10"/>
+          </p:nvPr>
+        </p:nvSpPr>
+        <p:spPr/>
+        <p:txBody>
+          <a:bodyPr/>
+          <a:lstStyle/>
+          <a:p>
+            <a:fld id="{0AD24312-430C-47F9-90D6-A40331DAF7A2}" type="slidenum">
+              <a:rPr lang="en-US" smtClean="0"/>
+              <a:t>35</a:t>
+            </a:fld>
+            <a:endParaRPr lang="en-US"/>
+          </a:p>
+        </p:txBody>
+      </p:sp>
+    </p:spTree>
+    <p:extLst>
+      <p:ext uri="{BB962C8B-B14F-4D97-AF65-F5344CB8AC3E}">
+        <p14:creationId xmlns:p14="http://schemas.microsoft.com/office/powerpoint/2010/main" val="1243828162"/>
       </p:ext>
     </p:extLst>
   </p:cSld>
@@ -10206,51 +10587,68 @@
           <a:chExt cx="0" cy="0"/>
         </a:xfrm>
       </p:grpSpPr>
-      <p:pic>
-        <p:nvPicPr>
-          <p:cNvPr id="3076" name="Picture 4" descr="http://propertyinvestment.joburg/wp-content/uploads/2015/02/07.02.jpg"/>
-          <p:cNvPicPr>
-            <a:picLocks noChangeAspect="1" noChangeArrowheads="1"/>
-          </p:cNvPicPr>
+      <p:sp>
+        <p:nvSpPr>
+          <p:cNvPr id="2" name="Title 1"/>
+          <p:cNvSpPr>
+            <a:spLocks noGrp="1"/>
+          </p:cNvSpPr>
+          <p:nvPr>
+            <p:ph type="ctrTitle"/>
+          </p:nvPr>
+        </p:nvSpPr>
+        <p:spPr/>
+        <p:txBody>
+          <a:bodyPr/>
+          <a:lstStyle/>
+          <a:p>
+            <a:r>
+              <a:rPr lang="en-US" dirty="0" smtClean="0"/>
+              <a:t>Part 5</a:t>
+            </a:r>
+            <a:br>
+              <a:rPr lang="en-US" dirty="0" smtClean="0"/>
+            </a:br>
+            <a:r>
+              <a:rPr lang="en-US" dirty="0" smtClean="0"/>
+              <a:t>Spark</a:t>
+            </a:r>
+            <a:endParaRPr lang="en-US" dirty="0"/>
+          </a:p>
+        </p:txBody>
+      </p:sp>
+      <p:sp>
+        <p:nvSpPr>
+          <p:cNvPr id="4" name="TextBox 3"/>
+          <p:cNvSpPr txBox="1"/>
           <p:nvPr/>
-        </p:nvPicPr>
-        <p:blipFill>
-          <a:blip r:embed="rId2">
-            <a:extLst>
-              <a:ext uri="{28A0092B-C50C-407E-A947-70E740481C1C}">
-                <a14:useLocalDpi xmlns:a14="http://schemas.microsoft.com/office/drawing/2010/main" val="0"/>
-              </a:ext>
-            </a:extLst>
-          </a:blip>
-          <a:srcRect/>
-          <a:stretch>
-            <a:fillRect/>
-          </a:stretch>
-        </p:blipFill>
-        <p:spPr bwMode="auto">
+        </p:nvSpPr>
+        <p:spPr>
           <a:xfrm>
-            <a:off x="2044009" y="1769171"/>
-            <a:ext cx="5334000" cy="2857500"/>
+            <a:off x="713983" y="5796870"/>
+            <a:ext cx="5824603" cy="1691014"/>
           </a:xfrm>
           <a:prstGeom prst="rect">
             <a:avLst/>
           </a:prstGeom>
-          <a:noFill/>
-          <a:extLst>
-            <a:ext uri="{909E8E84-426E-40DD-AFC4-6F175D3DCCD1}">
-              <a14:hiddenFill xmlns:a14="http://schemas.microsoft.com/office/drawing/2010/main">
-                <a:solidFill>
-                  <a:srgbClr val="FFFFFF"/>
-                </a:solidFill>
-              </a14:hiddenFill>
-            </a:ext>
-          </a:extLst>
         </p:spPr>
-      </p:pic>
+        <p:txBody>
+          <a:bodyPr vert="horz" wrap="square" lIns="91440" tIns="45720" rIns="91440" bIns="45720" rtlCol="0" anchor="t">
+            <a:normAutofit/>
+          </a:bodyPr>
+          <a:lstStyle/>
+          <a:p>
+            <a:endParaRPr lang="en-US" b="0" i="0" dirty="0" smtClean="0">
+              <a:latin typeface="Gill Sans Light"/>
+              <a:cs typeface="Gill Sans Light"/>
+            </a:endParaRPr>
+          </a:p>
+        </p:txBody>
+      </p:sp>
     </p:spTree>
     <p:extLst>
       <p:ext uri="{BB962C8B-B14F-4D97-AF65-F5344CB8AC3E}">
-        <p14:creationId xmlns:p14="http://schemas.microsoft.com/office/powerpoint/2010/main" val="4021026847"/>
+        <p14:creationId xmlns:p14="http://schemas.microsoft.com/office/powerpoint/2010/main" val="3719172083"/>
       </p:ext>
     </p:extLst>
   </p:cSld>
@@ -10284,9 +10682,922 @@
           <a:chExt cx="0" cy="0"/>
         </a:xfrm>
       </p:grpSpPr>
+      <p:sp>
+        <p:nvSpPr>
+          <p:cNvPr id="2" name="Title 1"/>
+          <p:cNvSpPr>
+            <a:spLocks noGrp="1"/>
+          </p:cNvSpPr>
+          <p:nvPr>
+            <p:ph type="title"/>
+          </p:nvPr>
+        </p:nvSpPr>
+        <p:spPr/>
+        <p:txBody>
+          <a:bodyPr/>
+          <a:lstStyle/>
+          <a:p>
+            <a:r>
+              <a:rPr lang="en-US" dirty="0" smtClean="0"/>
+              <a:t>Word </a:t>
+            </a:r>
+            <a:r>
+              <a:rPr lang="en-US" dirty="0" smtClean="0"/>
+              <a:t>count</a:t>
+            </a:r>
+            <a:endParaRPr lang="en-US" dirty="0"/>
+          </a:p>
+        </p:txBody>
+      </p:sp>
+      <p:sp>
+        <p:nvSpPr>
+          <p:cNvPr id="3" name="Content Placeholder 2"/>
+          <p:cNvSpPr>
+            <a:spLocks noGrp="1"/>
+          </p:cNvSpPr>
+          <p:nvPr>
+            <p:ph idx="1"/>
+          </p:nvPr>
+        </p:nvSpPr>
+        <p:spPr>
+          <a:xfrm>
+            <a:off x="457199" y="1500317"/>
+            <a:ext cx="8259098" cy="4525963"/>
+          </a:xfrm>
+        </p:spPr>
+        <p:txBody>
+          <a:bodyPr/>
+          <a:lstStyle/>
+          <a:p>
+            <a:r>
+              <a:rPr lang="en-US" dirty="0" smtClean="0"/>
+              <a:t>Purpose </a:t>
+            </a:r>
+          </a:p>
+          <a:p>
+            <a:pPr lvl="1"/>
+            <a:r>
+              <a:rPr lang="en-US" dirty="0" smtClean="0"/>
+              <a:t>Understands Spark as much as I can</a:t>
+            </a:r>
+          </a:p>
+          <a:p>
+            <a:r>
+              <a:rPr lang="en-US" dirty="0" smtClean="0"/>
+              <a:t>Why Word Count? </a:t>
+            </a:r>
+          </a:p>
+          <a:p>
+            <a:pPr lvl="1"/>
+            <a:r>
+              <a:rPr lang="en-US" dirty="0" smtClean="0"/>
+              <a:t>Keeps everything simple to catch up</a:t>
+            </a:r>
+            <a:endParaRPr lang="en-US" dirty="0"/>
+          </a:p>
+          <a:p>
+            <a:r>
+              <a:rPr lang="en-US" dirty="0" smtClean="0"/>
+              <a:t>Implemented code: </a:t>
+            </a:r>
+          </a:p>
+          <a:p>
+            <a:pPr lvl="1"/>
+            <a:r>
+              <a:rPr lang="en-US" dirty="0" smtClean="0"/>
+              <a:t>Basic word count algorithm </a:t>
+            </a:r>
+          </a:p>
+          <a:p>
+            <a:pPr lvl="1"/>
+            <a:r>
+              <a:rPr lang="en-US" dirty="0" smtClean="0"/>
+              <a:t>In 2 ways: Hadoop &amp; Spark</a:t>
+            </a:r>
+          </a:p>
+          <a:p>
+            <a:endParaRPr lang="en-US" dirty="0"/>
+          </a:p>
+        </p:txBody>
+      </p:sp>
+    </p:spTree>
+    <p:extLst>
+      <p:ext uri="{BB962C8B-B14F-4D97-AF65-F5344CB8AC3E}">
+        <p14:creationId xmlns:p14="http://schemas.microsoft.com/office/powerpoint/2010/main" val="2038261090"/>
+      </p:ext>
+    </p:extLst>
+  </p:cSld>
+  <p:clrMapOvr>
+    <a:masterClrMapping/>
+  </p:clrMapOvr>
+  <p:timing>
+    <p:tnLst>
+      <p:par>
+        <p:cTn id="1" dur="indefinite" restart="never" nodeType="tmRoot"/>
+      </p:par>
+    </p:tnLst>
+  </p:timing>
+</p:sld>
+</file>
+
+<file path=ppt/slides/slide37.xml><?xml version="1.0" encoding="utf-8"?>
+<p:sld xmlns:a="http://schemas.openxmlformats.org/drawingml/2006/main" xmlns:r="http://schemas.openxmlformats.org/officeDocument/2006/relationships" xmlns:p="http://schemas.openxmlformats.org/presentationml/2006/main">
+  <p:cSld>
+    <p:spTree>
+      <p:nvGrpSpPr>
+        <p:cNvPr id="1" name=""/>
+        <p:cNvGrpSpPr/>
+        <p:nvPr/>
+      </p:nvGrpSpPr>
+      <p:grpSpPr>
+        <a:xfrm>
+          <a:off x="0" y="0"/>
+          <a:ext cx="0" cy="0"/>
+          <a:chOff x="0" y="0"/>
+          <a:chExt cx="0" cy="0"/>
+        </a:xfrm>
+      </p:grpSpPr>
+      <p:sp>
+        <p:nvSpPr>
+          <p:cNvPr id="2" name="Title 1"/>
+          <p:cNvSpPr>
+            <a:spLocks noGrp="1"/>
+          </p:cNvSpPr>
+          <p:nvPr>
+            <p:ph type="title"/>
+          </p:nvPr>
+        </p:nvSpPr>
+        <p:spPr/>
+        <p:txBody>
+          <a:bodyPr/>
+          <a:lstStyle/>
+          <a:p>
+            <a:r>
+              <a:rPr lang="en-US" dirty="0" smtClean="0"/>
+              <a:t>Code implement</a:t>
+            </a:r>
+            <a:endParaRPr lang="en-US" dirty="0"/>
+          </a:p>
+        </p:txBody>
+      </p:sp>
       <p:pic>
         <p:nvPicPr>
-          <p:cNvPr id="4" name="Picture 2" descr="http://29gx9627manh35u6u63gnsfl.wpengine.netdna-cdn.com/wp-content/uploads/2015/12/thank-you-1400x800-c-default.gif"/>
+          <p:cNvPr id="5" name="Picture 4"/>
+          <p:cNvPicPr>
+            <a:picLocks noChangeAspect="1"/>
+          </p:cNvPicPr>
+          <p:nvPr/>
+        </p:nvPicPr>
+        <p:blipFill>
+          <a:blip r:embed="rId3"/>
+          <a:stretch>
+            <a:fillRect/>
+          </a:stretch>
+        </p:blipFill>
+        <p:spPr>
+          <a:xfrm>
+            <a:off x="498145" y="914398"/>
+            <a:ext cx="7021772" cy="3229727"/>
+          </a:xfrm>
+          <a:prstGeom prst="rect">
+            <a:avLst/>
+          </a:prstGeom>
+        </p:spPr>
+      </p:pic>
+      <p:pic>
+        <p:nvPicPr>
+          <p:cNvPr id="6" name="Picture 5"/>
+          <p:cNvPicPr>
+            <a:picLocks noChangeAspect="1"/>
+          </p:cNvPicPr>
+          <p:nvPr/>
+        </p:nvPicPr>
+        <p:blipFill>
+          <a:blip r:embed="rId4"/>
+          <a:stretch>
+            <a:fillRect/>
+          </a:stretch>
+        </p:blipFill>
+        <p:spPr>
+          <a:xfrm>
+            <a:off x="1105501" y="4330181"/>
+            <a:ext cx="8038499" cy="1947790"/>
+          </a:xfrm>
+          <a:prstGeom prst="rect">
+            <a:avLst/>
+          </a:prstGeom>
+        </p:spPr>
+      </p:pic>
+    </p:spTree>
+    <p:extLst>
+      <p:ext uri="{BB962C8B-B14F-4D97-AF65-F5344CB8AC3E}">
+        <p14:creationId xmlns:p14="http://schemas.microsoft.com/office/powerpoint/2010/main" val="1939844235"/>
+      </p:ext>
+    </p:extLst>
+  </p:cSld>
+  <p:clrMapOvr>
+    <a:masterClrMapping/>
+  </p:clrMapOvr>
+  <p:timing>
+    <p:tnLst>
+      <p:par>
+        <p:cTn id="1" dur="indefinite" restart="never" nodeType="tmRoot"/>
+      </p:par>
+    </p:tnLst>
+  </p:timing>
+</p:sld>
+</file>
+
+<file path=ppt/slides/slide38.xml><?xml version="1.0" encoding="utf-8"?>
+<p:sld xmlns:a="http://schemas.openxmlformats.org/drawingml/2006/main" xmlns:r="http://schemas.openxmlformats.org/officeDocument/2006/relationships" xmlns:p="http://schemas.openxmlformats.org/presentationml/2006/main">
+  <p:cSld>
+    <p:spTree>
+      <p:nvGrpSpPr>
+        <p:cNvPr id="1" name=""/>
+        <p:cNvGrpSpPr/>
+        <p:nvPr/>
+      </p:nvGrpSpPr>
+      <p:grpSpPr>
+        <a:xfrm>
+          <a:off x="0" y="0"/>
+          <a:ext cx="0" cy="0"/>
+          <a:chOff x="0" y="0"/>
+          <a:chExt cx="0" cy="0"/>
+        </a:xfrm>
+      </p:grpSpPr>
+      <p:sp>
+        <p:nvSpPr>
+          <p:cNvPr id="2" name="Title 1"/>
+          <p:cNvSpPr>
+            <a:spLocks noGrp="1"/>
+          </p:cNvSpPr>
+          <p:nvPr>
+            <p:ph type="title"/>
+          </p:nvPr>
+        </p:nvSpPr>
+        <p:spPr/>
+        <p:txBody>
+          <a:bodyPr/>
+          <a:lstStyle/>
+          <a:p>
+            <a:r>
+              <a:rPr lang="en-US" dirty="0" smtClean="0"/>
+              <a:t>Input &amp; Run on Terminal</a:t>
+            </a:r>
+            <a:endParaRPr lang="en-US" dirty="0"/>
+          </a:p>
+        </p:txBody>
+      </p:sp>
+      <p:sp>
+        <p:nvSpPr>
+          <p:cNvPr id="3" name="Content Placeholder 2"/>
+          <p:cNvSpPr>
+            <a:spLocks noGrp="1"/>
+          </p:cNvSpPr>
+          <p:nvPr>
+            <p:ph idx="1"/>
+          </p:nvPr>
+        </p:nvSpPr>
+        <p:spPr>
+          <a:xfrm>
+            <a:off x="457200" y="889083"/>
+            <a:ext cx="8229600" cy="1687093"/>
+          </a:xfrm>
+        </p:spPr>
+        <p:txBody>
+          <a:bodyPr/>
+          <a:lstStyle/>
+          <a:p>
+            <a:r>
+              <a:rPr lang="en-US" sz="2800" dirty="0"/>
+              <a:t>Input: /project/input/*</a:t>
+            </a:r>
+          </a:p>
+          <a:p>
+            <a:endParaRPr lang="en-US" sz="2800" dirty="0"/>
+          </a:p>
+          <a:p>
+            <a:endParaRPr lang="en-US" dirty="0" smtClean="0"/>
+          </a:p>
+          <a:p>
+            <a:r>
+              <a:rPr lang="en-US" sz="2800" dirty="0"/>
+              <a:t>Terminal</a:t>
+            </a:r>
+          </a:p>
+          <a:p>
+            <a:endParaRPr lang="en-US" dirty="0" smtClean="0"/>
+          </a:p>
+          <a:p>
+            <a:endParaRPr lang="en-US" dirty="0"/>
+          </a:p>
+        </p:txBody>
+      </p:sp>
+      <p:graphicFrame>
+        <p:nvGraphicFramePr>
+          <p:cNvPr id="7" name="Table 6"/>
+          <p:cNvGraphicFramePr>
+            <a:graphicFrameLocks noGrp="1"/>
+          </p:cNvGraphicFramePr>
+          <p:nvPr>
+            <p:extLst/>
+          </p:nvPr>
+        </p:nvGraphicFramePr>
+        <p:xfrm>
+          <a:off x="887367" y="1518291"/>
+          <a:ext cx="7369277" cy="762000"/>
+        </p:xfrm>
+        <a:graphic>
+          <a:graphicData uri="http://schemas.openxmlformats.org/drawingml/2006/table">
+            <a:tbl>
+              <a:tblPr firstRow="1" bandRow="1">
+                <a:tableStyleId>{5C22544A-7EE6-4342-B048-85BDC9FD1C3A}</a:tableStyleId>
+              </a:tblPr>
+              <a:tblGrid>
+                <a:gridCol w="1883920"/>
+                <a:gridCol w="5485357"/>
+              </a:tblGrid>
+              <a:tr h="375920">
+                <a:tc>
+                  <a:txBody>
+                    <a:bodyPr/>
+                    <a:lstStyle/>
+                    <a:p>
+                      <a:r>
+                        <a:rPr lang="en-US" sz="1900" b="0" dirty="0" smtClean="0"/>
+                        <a:t>input0</a:t>
+                      </a:r>
+                      <a:endParaRPr lang="en-US" sz="1900" b="0" dirty="0"/>
+                    </a:p>
+                  </a:txBody>
+                  <a:tcPr/>
+                </a:tc>
+                <a:tc>
+                  <a:txBody>
+                    <a:bodyPr/>
+                    <a:lstStyle/>
+                    <a:p>
+                      <a:r>
+                        <a:rPr lang="en-US" sz="1900" b="0" dirty="0" smtClean="0"/>
+                        <a:t>18 34 56 29 12 34 56 92 29 34 12</a:t>
+                      </a:r>
+                      <a:endParaRPr lang="en-US" sz="1900" b="0" dirty="0"/>
+                    </a:p>
+                  </a:txBody>
+                  <a:tcPr/>
+                </a:tc>
+              </a:tr>
+              <a:tr h="375920">
+                <a:tc>
+                  <a:txBody>
+                    <a:bodyPr/>
+                    <a:lstStyle/>
+                    <a:p>
+                      <a:r>
+                        <a:rPr lang="en-US" sz="1900" dirty="0" smtClean="0"/>
+                        <a:t>input1</a:t>
+                      </a:r>
+                      <a:endParaRPr lang="en-US" sz="1900" dirty="0"/>
+                    </a:p>
+                  </a:txBody>
+                  <a:tcPr/>
+                </a:tc>
+                <a:tc>
+                  <a:txBody>
+                    <a:bodyPr/>
+                    <a:lstStyle/>
+                    <a:p>
+                      <a:r>
+                        <a:rPr lang="en-US" sz="1900" dirty="0" smtClean="0"/>
+                        <a:t>92 29 18 12 34 79 29 56 12 34 18</a:t>
+                      </a:r>
+                      <a:endParaRPr lang="en-US" sz="1900" dirty="0"/>
+                    </a:p>
+                  </a:txBody>
+                  <a:tcPr/>
+                </a:tc>
+              </a:tr>
+            </a:tbl>
+          </a:graphicData>
+        </a:graphic>
+      </p:graphicFrame>
+      <p:pic>
+        <p:nvPicPr>
+          <p:cNvPr id="4" name="Picture 3"/>
+          <p:cNvPicPr>
+            <a:picLocks noChangeAspect="1"/>
+          </p:cNvPicPr>
+          <p:nvPr/>
+        </p:nvPicPr>
+        <p:blipFill>
+          <a:blip r:embed="rId2"/>
+          <a:stretch>
+            <a:fillRect/>
+          </a:stretch>
+        </p:blipFill>
+        <p:spPr>
+          <a:xfrm>
+            <a:off x="887367" y="3205384"/>
+            <a:ext cx="7596356" cy="1475798"/>
+          </a:xfrm>
+          <a:prstGeom prst="rect">
+            <a:avLst/>
+          </a:prstGeom>
+        </p:spPr>
+      </p:pic>
+    </p:spTree>
+    <p:extLst>
+      <p:ext uri="{BB962C8B-B14F-4D97-AF65-F5344CB8AC3E}">
+        <p14:creationId xmlns:p14="http://schemas.microsoft.com/office/powerpoint/2010/main" val="4197011621"/>
+      </p:ext>
+    </p:extLst>
+  </p:cSld>
+  <p:clrMapOvr>
+    <a:masterClrMapping/>
+  </p:clrMapOvr>
+  <p:timing>
+    <p:tnLst>
+      <p:par>
+        <p:cTn id="1" dur="indefinite" restart="never" nodeType="tmRoot"/>
+      </p:par>
+    </p:tnLst>
+  </p:timing>
+</p:sld>
+</file>
+
+<file path=ppt/slides/slide39.xml><?xml version="1.0" encoding="utf-8"?>
+<p:sld xmlns:a="http://schemas.openxmlformats.org/drawingml/2006/main" xmlns:r="http://schemas.openxmlformats.org/officeDocument/2006/relationships" xmlns:p="http://schemas.openxmlformats.org/presentationml/2006/main">
+  <p:cSld>
+    <p:spTree>
+      <p:nvGrpSpPr>
+        <p:cNvPr id="1" name=""/>
+        <p:cNvGrpSpPr/>
+        <p:nvPr/>
+      </p:nvGrpSpPr>
+      <p:grpSpPr>
+        <a:xfrm>
+          <a:off x="0" y="0"/>
+          <a:ext cx="0" cy="0"/>
+          <a:chOff x="0" y="0"/>
+          <a:chExt cx="0" cy="0"/>
+        </a:xfrm>
+      </p:grpSpPr>
+      <p:sp>
+        <p:nvSpPr>
+          <p:cNvPr id="2" name="Title 1"/>
+          <p:cNvSpPr>
+            <a:spLocks noGrp="1"/>
+          </p:cNvSpPr>
+          <p:nvPr>
+            <p:ph type="title"/>
+          </p:nvPr>
+        </p:nvSpPr>
+        <p:spPr/>
+        <p:txBody>
+          <a:bodyPr/>
+          <a:lstStyle/>
+          <a:p>
+            <a:r>
+              <a:rPr lang="en-US" dirty="0" smtClean="0"/>
+              <a:t>OUTPUT</a:t>
+            </a:r>
+            <a:endParaRPr lang="en-US" dirty="0"/>
+          </a:p>
+        </p:txBody>
+      </p:sp>
+      <p:graphicFrame>
+        <p:nvGraphicFramePr>
+          <p:cNvPr id="14" name="Table 13"/>
+          <p:cNvGraphicFramePr>
+            <a:graphicFrameLocks noGrp="1"/>
+          </p:cNvGraphicFramePr>
+          <p:nvPr>
+            <p:extLst>
+              <p:ext uri="{D42A27DB-BD31-4B8C-83A1-F6EECF244321}">
+                <p14:modId xmlns:p14="http://schemas.microsoft.com/office/powerpoint/2010/main" val="2690805731"/>
+              </p:ext>
+            </p:extLst>
+          </p:nvPr>
+        </p:nvGraphicFramePr>
+        <p:xfrm>
+          <a:off x="6971701" y="1408174"/>
+          <a:ext cx="1772188" cy="4079240"/>
+        </p:xfrm>
+        <a:graphic>
+          <a:graphicData uri="http://schemas.openxmlformats.org/drawingml/2006/table">
+            <a:tbl>
+              <a:tblPr firstRow="1" bandRow="1">
+                <a:tableStyleId>{5C22544A-7EE6-4342-B048-85BDC9FD1C3A}</a:tableStyleId>
+              </a:tblPr>
+              <a:tblGrid>
+                <a:gridCol w="886094"/>
+                <a:gridCol w="886094"/>
+              </a:tblGrid>
+              <a:tr h="370840">
+                <a:tc>
+                  <a:txBody>
+                    <a:bodyPr/>
+                    <a:lstStyle/>
+                    <a:p>
+                      <a:r>
+                        <a:rPr lang="en-US" b="0" dirty="0" smtClean="0"/>
+                        <a:t>18,</a:t>
+                      </a:r>
+                      <a:r>
+                        <a:rPr lang="en-US" b="0" baseline="0" dirty="0" smtClean="0"/>
+                        <a:t> 1</a:t>
+                      </a:r>
+                      <a:endParaRPr lang="en-US" b="0" dirty="0"/>
+                    </a:p>
+                  </a:txBody>
+                  <a:tcPr/>
+                </a:tc>
+                <a:tc>
+                  <a:txBody>
+                    <a:bodyPr/>
+                    <a:lstStyle/>
+                    <a:p>
+                      <a:pPr marL="0" marR="0" indent="0" algn="l" defTabSz="457200" rtl="0" eaLnBrk="1" fontAlgn="auto" latinLnBrk="0" hangingPunct="1">
+                        <a:lnSpc>
+                          <a:spcPct val="100000"/>
+                        </a:lnSpc>
+                        <a:spcBef>
+                          <a:spcPts val="0"/>
+                        </a:spcBef>
+                        <a:spcAft>
+                          <a:spcPts val="0"/>
+                        </a:spcAft>
+                        <a:buClrTx/>
+                        <a:buSzTx/>
+                        <a:buFontTx/>
+                        <a:buNone/>
+                        <a:tabLst/>
+                        <a:defRPr/>
+                      </a:pPr>
+                      <a:r>
+                        <a:rPr lang="en-US" b="0" dirty="0" smtClean="0"/>
+                        <a:t>92, 1</a:t>
+                      </a:r>
+                    </a:p>
+                  </a:txBody>
+                  <a:tcPr/>
+                </a:tc>
+              </a:tr>
+              <a:tr h="370840">
+                <a:tc>
+                  <a:txBody>
+                    <a:bodyPr/>
+                    <a:lstStyle/>
+                    <a:p>
+                      <a:r>
+                        <a:rPr lang="en-US" dirty="0" smtClean="0"/>
+                        <a:t>34, 1</a:t>
+                      </a:r>
+                      <a:endParaRPr lang="en-US" dirty="0"/>
+                    </a:p>
+                  </a:txBody>
+                  <a:tcPr/>
+                </a:tc>
+                <a:tc>
+                  <a:txBody>
+                    <a:bodyPr/>
+                    <a:lstStyle/>
+                    <a:p>
+                      <a:pPr marL="0" marR="0" indent="0" algn="l" defTabSz="457200" rtl="0" eaLnBrk="1" fontAlgn="auto" latinLnBrk="0" hangingPunct="1">
+                        <a:lnSpc>
+                          <a:spcPct val="100000"/>
+                        </a:lnSpc>
+                        <a:spcBef>
+                          <a:spcPts val="0"/>
+                        </a:spcBef>
+                        <a:spcAft>
+                          <a:spcPts val="0"/>
+                        </a:spcAft>
+                        <a:buClrTx/>
+                        <a:buSzTx/>
+                        <a:buFontTx/>
+                        <a:buNone/>
+                        <a:tabLst/>
+                        <a:defRPr/>
+                      </a:pPr>
+                      <a:r>
+                        <a:rPr lang="en-US" dirty="0" smtClean="0"/>
+                        <a:t>29, 1</a:t>
+                      </a:r>
+                    </a:p>
+                  </a:txBody>
+                  <a:tcPr/>
+                </a:tc>
+              </a:tr>
+              <a:tr h="370840">
+                <a:tc>
+                  <a:txBody>
+                    <a:bodyPr/>
+                    <a:lstStyle/>
+                    <a:p>
+                      <a:r>
+                        <a:rPr lang="en-US" dirty="0" smtClean="0"/>
+                        <a:t>56, 1</a:t>
+                      </a:r>
+                      <a:endParaRPr lang="en-US" dirty="0"/>
+                    </a:p>
+                  </a:txBody>
+                  <a:tcPr/>
+                </a:tc>
+                <a:tc>
+                  <a:txBody>
+                    <a:bodyPr/>
+                    <a:lstStyle/>
+                    <a:p>
+                      <a:pPr marL="0" marR="0" indent="0" algn="l" defTabSz="457200" rtl="0" eaLnBrk="1" fontAlgn="auto" latinLnBrk="0" hangingPunct="1">
+                        <a:lnSpc>
+                          <a:spcPct val="100000"/>
+                        </a:lnSpc>
+                        <a:spcBef>
+                          <a:spcPts val="0"/>
+                        </a:spcBef>
+                        <a:spcAft>
+                          <a:spcPts val="0"/>
+                        </a:spcAft>
+                        <a:buClrTx/>
+                        <a:buSzTx/>
+                        <a:buFontTx/>
+                        <a:buNone/>
+                        <a:tabLst/>
+                        <a:defRPr/>
+                      </a:pPr>
+                      <a:r>
+                        <a:rPr lang="en-US" dirty="0" smtClean="0"/>
+                        <a:t>18, 1</a:t>
+                      </a:r>
+                    </a:p>
+                  </a:txBody>
+                  <a:tcPr/>
+                </a:tc>
+              </a:tr>
+              <a:tr h="370840">
+                <a:tc>
+                  <a:txBody>
+                    <a:bodyPr/>
+                    <a:lstStyle/>
+                    <a:p>
+                      <a:r>
+                        <a:rPr lang="en-US" dirty="0" smtClean="0"/>
+                        <a:t>29, 1</a:t>
+                      </a:r>
+                      <a:endParaRPr lang="en-US" dirty="0"/>
+                    </a:p>
+                  </a:txBody>
+                  <a:tcPr/>
+                </a:tc>
+                <a:tc>
+                  <a:txBody>
+                    <a:bodyPr/>
+                    <a:lstStyle/>
+                    <a:p>
+                      <a:pPr marL="0" marR="0" indent="0" algn="l" defTabSz="457200" rtl="0" eaLnBrk="1" fontAlgn="auto" latinLnBrk="0" hangingPunct="1">
+                        <a:lnSpc>
+                          <a:spcPct val="100000"/>
+                        </a:lnSpc>
+                        <a:spcBef>
+                          <a:spcPts val="0"/>
+                        </a:spcBef>
+                        <a:spcAft>
+                          <a:spcPts val="0"/>
+                        </a:spcAft>
+                        <a:buClrTx/>
+                        <a:buSzTx/>
+                        <a:buFontTx/>
+                        <a:buNone/>
+                        <a:tabLst/>
+                        <a:defRPr/>
+                      </a:pPr>
+                      <a:r>
+                        <a:rPr lang="en-US" dirty="0" smtClean="0"/>
+                        <a:t>12, 1</a:t>
+                      </a:r>
+                    </a:p>
+                  </a:txBody>
+                  <a:tcPr/>
+                </a:tc>
+              </a:tr>
+              <a:tr h="370840">
+                <a:tc>
+                  <a:txBody>
+                    <a:bodyPr/>
+                    <a:lstStyle/>
+                    <a:p>
+                      <a:r>
+                        <a:rPr lang="en-US" dirty="0" smtClean="0"/>
+                        <a:t>12, 1</a:t>
+                      </a:r>
+                      <a:endParaRPr lang="en-US" dirty="0"/>
+                    </a:p>
+                  </a:txBody>
+                  <a:tcPr/>
+                </a:tc>
+                <a:tc>
+                  <a:txBody>
+                    <a:bodyPr/>
+                    <a:lstStyle/>
+                    <a:p>
+                      <a:r>
+                        <a:rPr lang="en-US" dirty="0" smtClean="0"/>
+                        <a:t>34, 1</a:t>
+                      </a:r>
+                      <a:endParaRPr lang="en-US" dirty="0"/>
+                    </a:p>
+                  </a:txBody>
+                  <a:tcPr/>
+                </a:tc>
+              </a:tr>
+              <a:tr h="370840">
+                <a:tc>
+                  <a:txBody>
+                    <a:bodyPr/>
+                    <a:lstStyle/>
+                    <a:p>
+                      <a:r>
+                        <a:rPr lang="en-US" dirty="0" smtClean="0"/>
+                        <a:t>34, 1</a:t>
+                      </a:r>
+                      <a:endParaRPr lang="en-US" dirty="0"/>
+                    </a:p>
+                  </a:txBody>
+                  <a:tcPr/>
+                </a:tc>
+                <a:tc>
+                  <a:txBody>
+                    <a:bodyPr/>
+                    <a:lstStyle/>
+                    <a:p>
+                      <a:r>
+                        <a:rPr lang="en-US" dirty="0" smtClean="0"/>
+                        <a:t>79, 1</a:t>
+                      </a:r>
+                      <a:endParaRPr lang="en-US" dirty="0"/>
+                    </a:p>
+                  </a:txBody>
+                  <a:tcPr/>
+                </a:tc>
+              </a:tr>
+              <a:tr h="370840">
+                <a:tc>
+                  <a:txBody>
+                    <a:bodyPr/>
+                    <a:lstStyle/>
+                    <a:p>
+                      <a:r>
+                        <a:rPr lang="en-US" dirty="0" smtClean="0"/>
+                        <a:t>56, 1</a:t>
+                      </a:r>
+                      <a:endParaRPr lang="en-US" dirty="0"/>
+                    </a:p>
+                  </a:txBody>
+                  <a:tcPr/>
+                </a:tc>
+                <a:tc>
+                  <a:txBody>
+                    <a:bodyPr/>
+                    <a:lstStyle/>
+                    <a:p>
+                      <a:r>
+                        <a:rPr lang="en-US" dirty="0" smtClean="0"/>
+                        <a:t>29, 1</a:t>
+                      </a:r>
+                      <a:endParaRPr lang="en-US" dirty="0"/>
+                    </a:p>
+                  </a:txBody>
+                  <a:tcPr/>
+                </a:tc>
+              </a:tr>
+              <a:tr h="370840">
+                <a:tc>
+                  <a:txBody>
+                    <a:bodyPr/>
+                    <a:lstStyle/>
+                    <a:p>
+                      <a:r>
+                        <a:rPr lang="en-US" dirty="0" smtClean="0"/>
+                        <a:t>92, 1</a:t>
+                      </a:r>
+                      <a:endParaRPr lang="en-US" dirty="0"/>
+                    </a:p>
+                  </a:txBody>
+                  <a:tcPr/>
+                </a:tc>
+                <a:tc>
+                  <a:txBody>
+                    <a:bodyPr/>
+                    <a:lstStyle/>
+                    <a:p>
+                      <a:r>
+                        <a:rPr lang="en-US" dirty="0" smtClean="0"/>
+                        <a:t>56, 1</a:t>
+                      </a:r>
+                      <a:endParaRPr lang="en-US" dirty="0"/>
+                    </a:p>
+                  </a:txBody>
+                  <a:tcPr/>
+                </a:tc>
+              </a:tr>
+              <a:tr h="370840">
+                <a:tc>
+                  <a:txBody>
+                    <a:bodyPr/>
+                    <a:lstStyle/>
+                    <a:p>
+                      <a:r>
+                        <a:rPr lang="en-US" dirty="0" smtClean="0"/>
+                        <a:t>29, 1</a:t>
+                      </a:r>
+                      <a:endParaRPr lang="en-US" dirty="0"/>
+                    </a:p>
+                  </a:txBody>
+                  <a:tcPr/>
+                </a:tc>
+                <a:tc>
+                  <a:txBody>
+                    <a:bodyPr/>
+                    <a:lstStyle/>
+                    <a:p>
+                      <a:r>
+                        <a:rPr lang="en-US" dirty="0" smtClean="0"/>
+                        <a:t>12, 1</a:t>
+                      </a:r>
+                      <a:endParaRPr lang="en-US" dirty="0"/>
+                    </a:p>
+                  </a:txBody>
+                  <a:tcPr/>
+                </a:tc>
+              </a:tr>
+              <a:tr h="370840">
+                <a:tc>
+                  <a:txBody>
+                    <a:bodyPr/>
+                    <a:lstStyle/>
+                    <a:p>
+                      <a:r>
+                        <a:rPr lang="en-US" dirty="0" smtClean="0"/>
+                        <a:t>34, 1</a:t>
+                      </a:r>
+                      <a:endParaRPr lang="en-US" dirty="0"/>
+                    </a:p>
+                  </a:txBody>
+                  <a:tcPr/>
+                </a:tc>
+                <a:tc>
+                  <a:txBody>
+                    <a:bodyPr/>
+                    <a:lstStyle/>
+                    <a:p>
+                      <a:r>
+                        <a:rPr lang="en-US" dirty="0" smtClean="0"/>
+                        <a:t>34, 1</a:t>
+                      </a:r>
+                      <a:endParaRPr lang="en-US" dirty="0"/>
+                    </a:p>
+                  </a:txBody>
+                  <a:tcPr/>
+                </a:tc>
+              </a:tr>
+              <a:tr h="370840">
+                <a:tc>
+                  <a:txBody>
+                    <a:bodyPr/>
+                    <a:lstStyle/>
+                    <a:p>
+                      <a:r>
+                        <a:rPr lang="en-US" dirty="0" smtClean="0"/>
+                        <a:t>12, 1</a:t>
+                      </a:r>
+                      <a:endParaRPr lang="en-US" dirty="0"/>
+                    </a:p>
+                  </a:txBody>
+                  <a:tcPr/>
+                </a:tc>
+                <a:tc>
+                  <a:txBody>
+                    <a:bodyPr/>
+                    <a:lstStyle/>
+                    <a:p>
+                      <a:r>
+                        <a:rPr lang="en-US" dirty="0" smtClean="0"/>
+                        <a:t>18, 1</a:t>
+                      </a:r>
+                      <a:endParaRPr lang="en-US" dirty="0"/>
+                    </a:p>
+                  </a:txBody>
+                  <a:tcPr/>
+                </a:tc>
+              </a:tr>
+            </a:tbl>
+          </a:graphicData>
+        </a:graphic>
+      </p:graphicFrame>
+      <p:pic>
+        <p:nvPicPr>
+          <p:cNvPr id="2050" name="Picture 2"/>
           <p:cNvPicPr>
             <a:picLocks noChangeAspect="1" noChangeArrowheads="1"/>
           </p:cNvPicPr>
@@ -10307,34 +11618,1048 @@
         </p:blipFill>
         <p:spPr bwMode="auto">
           <a:xfrm>
-            <a:off x="-130627" y="744513"/>
-            <a:ext cx="9522347" cy="5441340"/>
+            <a:off x="1505146" y="1649501"/>
+            <a:ext cx="4563431" cy="3815838"/>
           </a:xfrm>
           <a:prstGeom prst="rect">
             <a:avLst/>
           </a:prstGeom>
           <a:noFill/>
+          <a:ln>
+            <a:noFill/>
+          </a:ln>
           <a:extLst>
             <a:ext uri="{909E8E84-426E-40DD-AFC4-6F175D3DCCD1}">
               <a14:hiddenFill xmlns:a14="http://schemas.microsoft.com/office/drawing/2010/main">
                 <a:solidFill>
-                  <a:srgbClr val="FFFFFF"/>
+                  <a:schemeClr val="accent1"/>
                 </a:solidFill>
               </a14:hiddenFill>
+            </a:ext>
+            <a:ext uri="{91240B29-F687-4F45-9708-019B960494DF}">
+              <a14:hiddenLine xmlns:a14="http://schemas.microsoft.com/office/drawing/2010/main" w="9525">
+                <a:solidFill>
+                  <a:schemeClr val="tx1"/>
+                </a:solidFill>
+                <a:miter lim="800000"/>
+                <a:headEnd/>
+                <a:tailEnd/>
+              </a14:hiddenLine>
             </a:ext>
           </a:extLst>
         </p:spPr>
       </p:pic>
+      <p:graphicFrame>
+        <p:nvGraphicFramePr>
+          <p:cNvPr id="3" name="Table 2"/>
+          <p:cNvGraphicFramePr>
+            <a:graphicFrameLocks noGrp="1"/>
+          </p:cNvGraphicFramePr>
+          <p:nvPr>
+            <p:extLst>
+              <p:ext uri="{D42A27DB-BD31-4B8C-83A1-F6EECF244321}">
+                <p14:modId xmlns:p14="http://schemas.microsoft.com/office/powerpoint/2010/main" val="4045063421"/>
+              </p:ext>
+            </p:extLst>
+          </p:nvPr>
+        </p:nvGraphicFramePr>
+        <p:xfrm>
+          <a:off x="385845" y="2283811"/>
+          <a:ext cx="745498" cy="2595880"/>
+        </p:xfrm>
+        <a:graphic>
+          <a:graphicData uri="http://schemas.openxmlformats.org/drawingml/2006/table">
+            <a:tbl>
+              <a:tblPr firstRow="1" bandRow="1">
+                <a:tableStyleId>{5C22544A-7EE6-4342-B048-85BDC9FD1C3A}</a:tableStyleId>
+              </a:tblPr>
+              <a:tblGrid>
+                <a:gridCol w="745498"/>
+              </a:tblGrid>
+              <a:tr h="370840">
+                <a:tc>
+                  <a:txBody>
+                    <a:bodyPr/>
+                    <a:lstStyle/>
+                    <a:p>
+                      <a:r>
+                        <a:rPr lang="en-US" b="0" dirty="0" smtClean="0"/>
+                        <a:t>79, 1</a:t>
+                      </a:r>
+                      <a:endParaRPr lang="en-US" b="0" dirty="0"/>
+                    </a:p>
+                  </a:txBody>
+                  <a:tcPr/>
+                </a:tc>
+              </a:tr>
+              <a:tr h="370840">
+                <a:tc>
+                  <a:txBody>
+                    <a:bodyPr/>
+                    <a:lstStyle/>
+                    <a:p>
+                      <a:r>
+                        <a:rPr lang="en-US" dirty="0" smtClean="0"/>
+                        <a:t>18, 3</a:t>
+                      </a:r>
+                      <a:endParaRPr lang="en-US" dirty="0"/>
+                    </a:p>
+                  </a:txBody>
+                  <a:tcPr/>
+                </a:tc>
+              </a:tr>
+              <a:tr h="370840">
+                <a:tc>
+                  <a:txBody>
+                    <a:bodyPr/>
+                    <a:lstStyle/>
+                    <a:p>
+                      <a:r>
+                        <a:rPr lang="en-US" dirty="0" smtClean="0"/>
+                        <a:t>56, 3</a:t>
+                      </a:r>
+                      <a:endParaRPr lang="en-US" dirty="0"/>
+                    </a:p>
+                  </a:txBody>
+                  <a:tcPr/>
+                </a:tc>
+              </a:tr>
+              <a:tr h="370840">
+                <a:tc>
+                  <a:txBody>
+                    <a:bodyPr/>
+                    <a:lstStyle/>
+                    <a:p>
+                      <a:r>
+                        <a:rPr lang="en-US" dirty="0" smtClean="0"/>
+                        <a:t>92,</a:t>
+                      </a:r>
+                      <a:r>
+                        <a:rPr lang="en-US" baseline="0" dirty="0" smtClean="0"/>
+                        <a:t> 2</a:t>
+                      </a:r>
+                      <a:endParaRPr lang="en-US" dirty="0"/>
+                    </a:p>
+                  </a:txBody>
+                  <a:tcPr/>
+                </a:tc>
+              </a:tr>
+              <a:tr h="370840">
+                <a:tc>
+                  <a:txBody>
+                    <a:bodyPr/>
+                    <a:lstStyle/>
+                    <a:p>
+                      <a:r>
+                        <a:rPr lang="en-US" dirty="0" smtClean="0"/>
+                        <a:t>34, 5</a:t>
+                      </a:r>
+                      <a:endParaRPr lang="en-US" dirty="0"/>
+                    </a:p>
+                  </a:txBody>
+                  <a:tcPr/>
+                </a:tc>
+              </a:tr>
+              <a:tr h="370840">
+                <a:tc>
+                  <a:txBody>
+                    <a:bodyPr/>
+                    <a:lstStyle/>
+                    <a:p>
+                      <a:r>
+                        <a:rPr lang="en-US" dirty="0" smtClean="0"/>
+                        <a:t>12, 4</a:t>
+                      </a:r>
+                      <a:endParaRPr lang="en-US" dirty="0"/>
+                    </a:p>
+                  </a:txBody>
+                  <a:tcPr/>
+                </a:tc>
+              </a:tr>
+              <a:tr h="370840">
+                <a:tc>
+                  <a:txBody>
+                    <a:bodyPr/>
+                    <a:lstStyle/>
+                    <a:p>
+                      <a:r>
+                        <a:rPr lang="en-US" dirty="0" smtClean="0"/>
+                        <a:t>29, 4</a:t>
+                      </a:r>
+                      <a:endParaRPr lang="en-US" dirty="0"/>
+                    </a:p>
+                  </a:txBody>
+                  <a:tcPr/>
+                </a:tc>
+              </a:tr>
+            </a:tbl>
+          </a:graphicData>
+        </a:graphic>
+      </p:graphicFrame>
+      <p:cxnSp>
+        <p:nvCxnSpPr>
+          <p:cNvPr id="6" name="Straight Arrow Connector 5"/>
+          <p:cNvCxnSpPr/>
+          <p:nvPr/>
+        </p:nvCxnSpPr>
+        <p:spPr>
+          <a:xfrm>
+            <a:off x="7742903" y="955564"/>
+            <a:ext cx="0" cy="452610"/>
+          </a:xfrm>
+          <a:prstGeom prst="straightConnector1">
+            <a:avLst/>
+          </a:prstGeom>
+          <a:ln>
+            <a:tailEnd type="arrow"/>
+          </a:ln>
+        </p:spPr>
+        <p:style>
+          <a:lnRef idx="2">
+            <a:schemeClr val="accent1"/>
+          </a:lnRef>
+          <a:fillRef idx="0">
+            <a:schemeClr val="accent1"/>
+          </a:fillRef>
+          <a:effectRef idx="1">
+            <a:schemeClr val="accent1"/>
+          </a:effectRef>
+          <a:fontRef idx="minor">
+            <a:schemeClr val="tx1"/>
+          </a:fontRef>
+        </p:style>
+      </p:cxnSp>
+      <p:sp>
+        <p:nvSpPr>
+          <p:cNvPr id="7" name="TextBox 6"/>
+          <p:cNvSpPr txBox="1"/>
+          <p:nvPr/>
+        </p:nvSpPr>
+        <p:spPr>
+          <a:xfrm>
+            <a:off x="6123372" y="955563"/>
+            <a:ext cx="1501539" cy="437399"/>
+          </a:xfrm>
+          <a:prstGeom prst="rect">
+            <a:avLst/>
+          </a:prstGeom>
+        </p:spPr>
+        <p:txBody>
+          <a:bodyPr vert="horz" wrap="none" lIns="91440" tIns="45720" rIns="91440" bIns="45720" rtlCol="0" anchor="t">
+            <a:normAutofit/>
+          </a:bodyPr>
+          <a:lstStyle/>
+          <a:p>
+            <a:pPr algn="l"/>
+            <a:r>
+              <a:rPr lang="en-US" b="0" i="0" dirty="0" err="1" smtClean="0">
+                <a:latin typeface="Gill Sans Light"/>
+                <a:cs typeface="Gill Sans Light"/>
+              </a:rPr>
+              <a:t>mapToPair</a:t>
+            </a:r>
+            <a:r>
+              <a:rPr lang="en-US" b="0" i="0" dirty="0" smtClean="0">
+                <a:latin typeface="Gill Sans Light"/>
+                <a:cs typeface="Gill Sans Light"/>
+              </a:rPr>
+              <a:t>()</a:t>
+            </a:r>
+          </a:p>
+        </p:txBody>
+      </p:sp>
+      <p:cxnSp>
+        <p:nvCxnSpPr>
+          <p:cNvPr id="9" name="Straight Arrow Connector 8"/>
+          <p:cNvCxnSpPr/>
+          <p:nvPr/>
+        </p:nvCxnSpPr>
+        <p:spPr>
+          <a:xfrm flipH="1">
+            <a:off x="5825613" y="3557420"/>
+            <a:ext cx="1146088" cy="0"/>
+          </a:xfrm>
+          <a:prstGeom prst="straightConnector1">
+            <a:avLst/>
+          </a:prstGeom>
+          <a:ln>
+            <a:tailEnd type="arrow"/>
+          </a:ln>
+        </p:spPr>
+        <p:style>
+          <a:lnRef idx="2">
+            <a:schemeClr val="accent1"/>
+          </a:lnRef>
+          <a:fillRef idx="0">
+            <a:schemeClr val="accent1"/>
+          </a:fillRef>
+          <a:effectRef idx="1">
+            <a:schemeClr val="accent1"/>
+          </a:effectRef>
+          <a:fontRef idx="minor">
+            <a:schemeClr val="tx1"/>
+          </a:fontRef>
+        </p:style>
+      </p:cxnSp>
+      <p:sp>
+        <p:nvSpPr>
+          <p:cNvPr id="18" name="TextBox 17"/>
+          <p:cNvSpPr txBox="1"/>
+          <p:nvPr/>
+        </p:nvSpPr>
+        <p:spPr>
+          <a:xfrm>
+            <a:off x="5220930" y="2889991"/>
+            <a:ext cx="1734406" cy="437399"/>
+          </a:xfrm>
+          <a:prstGeom prst="rect">
+            <a:avLst/>
+          </a:prstGeom>
+        </p:spPr>
+        <p:txBody>
+          <a:bodyPr vert="horz" wrap="none" lIns="91440" tIns="45720" rIns="91440" bIns="45720" rtlCol="0" anchor="t">
+            <a:normAutofit/>
+          </a:bodyPr>
+          <a:lstStyle/>
+          <a:p>
+            <a:pPr algn="l"/>
+            <a:r>
+              <a:rPr lang="en-US" b="0" i="0" dirty="0" err="1" smtClean="0">
+                <a:latin typeface="Gill Sans Light"/>
+                <a:cs typeface="Gill Sans Light"/>
+              </a:rPr>
+              <a:t>reduceByKey</a:t>
+            </a:r>
+            <a:r>
+              <a:rPr lang="en-US" b="0" i="0" dirty="0" smtClean="0">
+                <a:latin typeface="Gill Sans Light"/>
+                <a:cs typeface="Gill Sans Light"/>
+              </a:rPr>
+              <a:t>()</a:t>
+            </a:r>
+          </a:p>
+        </p:txBody>
+      </p:sp>
+      <p:cxnSp>
+        <p:nvCxnSpPr>
+          <p:cNvPr id="13" name="Straight Arrow Connector 12"/>
+          <p:cNvCxnSpPr/>
+          <p:nvPr/>
+        </p:nvCxnSpPr>
+        <p:spPr>
+          <a:xfrm flipH="1">
+            <a:off x="1253613" y="3557420"/>
+            <a:ext cx="1030296" cy="0"/>
+          </a:xfrm>
+          <a:prstGeom prst="straightConnector1">
+            <a:avLst/>
+          </a:prstGeom>
+          <a:ln>
+            <a:tailEnd type="arrow"/>
+          </a:ln>
+        </p:spPr>
+        <p:style>
+          <a:lnRef idx="2">
+            <a:schemeClr val="accent1"/>
+          </a:lnRef>
+          <a:fillRef idx="0">
+            <a:schemeClr val="accent1"/>
+          </a:fillRef>
+          <a:effectRef idx="1">
+            <a:schemeClr val="accent1"/>
+          </a:effectRef>
+          <a:fontRef idx="minor">
+            <a:schemeClr val="tx1"/>
+          </a:fontRef>
+        </p:style>
+      </p:cxnSp>
+      <p:sp>
+        <p:nvSpPr>
+          <p:cNvPr id="22" name="TextBox 21"/>
+          <p:cNvSpPr txBox="1"/>
+          <p:nvPr/>
+        </p:nvSpPr>
+        <p:spPr>
+          <a:xfrm>
+            <a:off x="1250662" y="2945066"/>
+            <a:ext cx="1734406" cy="437399"/>
+          </a:xfrm>
+          <a:prstGeom prst="rect">
+            <a:avLst/>
+          </a:prstGeom>
+        </p:spPr>
+        <p:txBody>
+          <a:bodyPr vert="horz" wrap="none" lIns="91440" tIns="45720" rIns="91440" bIns="45720" rtlCol="0" anchor="t">
+            <a:normAutofit/>
+          </a:bodyPr>
+          <a:lstStyle/>
+          <a:p>
+            <a:pPr algn="l"/>
+            <a:r>
+              <a:rPr lang="en-US" b="0" i="0" dirty="0" err="1" smtClean="0">
+                <a:latin typeface="Gill Sans Light"/>
+                <a:cs typeface="Gill Sans Light"/>
+              </a:rPr>
+              <a:t>reduceByKey</a:t>
+            </a:r>
+            <a:r>
+              <a:rPr lang="en-US" b="0" i="0" dirty="0" smtClean="0">
+                <a:latin typeface="Gill Sans Light"/>
+                <a:cs typeface="Gill Sans Light"/>
+              </a:rPr>
+              <a:t>()</a:t>
+            </a:r>
+          </a:p>
+        </p:txBody>
+      </p:sp>
+      <p:sp>
+        <p:nvSpPr>
+          <p:cNvPr id="17" name="Oval 16"/>
+          <p:cNvSpPr/>
+          <p:nvPr/>
+        </p:nvSpPr>
+        <p:spPr>
+          <a:xfrm>
+            <a:off x="6927457" y="1378678"/>
+            <a:ext cx="771202" cy="399271"/>
+          </a:xfrm>
+          <a:prstGeom prst="ellipse">
+            <a:avLst/>
+          </a:prstGeom>
+          <a:noFill/>
+          <a:ln w="38100" cmpd="sng">
+            <a:solidFill>
+              <a:srgbClr val="FF0000"/>
+            </a:solidFill>
+          </a:ln>
+        </p:spPr>
+        <p:style>
+          <a:lnRef idx="1">
+            <a:schemeClr val="accent1"/>
+          </a:lnRef>
+          <a:fillRef idx="3">
+            <a:schemeClr val="accent1"/>
+          </a:fillRef>
+          <a:effectRef idx="2">
+            <a:schemeClr val="accent1"/>
+          </a:effectRef>
+          <a:fontRef idx="minor">
+            <a:schemeClr val="lt1"/>
+          </a:fontRef>
+        </p:style>
+        <p:txBody>
+          <a:bodyPr rtlCol="0" anchor="ctr"/>
+          <a:lstStyle/>
+          <a:p>
+            <a:pPr algn="ctr"/>
+            <a:endParaRPr lang="en-US"/>
+          </a:p>
+        </p:txBody>
+      </p:sp>
+      <p:sp>
+        <p:nvSpPr>
+          <p:cNvPr id="24" name="Oval 23"/>
+          <p:cNvSpPr/>
+          <p:nvPr/>
+        </p:nvSpPr>
+        <p:spPr>
+          <a:xfrm>
+            <a:off x="7806809" y="2128419"/>
+            <a:ext cx="771202" cy="399271"/>
+          </a:xfrm>
+          <a:prstGeom prst="ellipse">
+            <a:avLst/>
+          </a:prstGeom>
+          <a:noFill/>
+          <a:ln w="38100" cmpd="sng">
+            <a:solidFill>
+              <a:srgbClr val="FF0000"/>
+            </a:solidFill>
+          </a:ln>
+        </p:spPr>
+        <p:style>
+          <a:lnRef idx="1">
+            <a:schemeClr val="accent1"/>
+          </a:lnRef>
+          <a:fillRef idx="3">
+            <a:schemeClr val="accent1"/>
+          </a:fillRef>
+          <a:effectRef idx="2">
+            <a:schemeClr val="accent1"/>
+          </a:effectRef>
+          <a:fontRef idx="minor">
+            <a:schemeClr val="lt1"/>
+          </a:fontRef>
+        </p:style>
+        <p:txBody>
+          <a:bodyPr rtlCol="0" anchor="ctr"/>
+          <a:lstStyle/>
+          <a:p>
+            <a:pPr algn="ctr"/>
+            <a:endParaRPr lang="en-US"/>
+          </a:p>
+        </p:txBody>
+      </p:sp>
+      <p:sp>
+        <p:nvSpPr>
+          <p:cNvPr id="25" name="Oval 24"/>
+          <p:cNvSpPr/>
+          <p:nvPr/>
+        </p:nvSpPr>
+        <p:spPr>
+          <a:xfrm>
+            <a:off x="7814503" y="5088143"/>
+            <a:ext cx="771202" cy="399271"/>
+          </a:xfrm>
+          <a:prstGeom prst="ellipse">
+            <a:avLst/>
+          </a:prstGeom>
+          <a:noFill/>
+          <a:ln w="38100" cmpd="sng">
+            <a:solidFill>
+              <a:srgbClr val="FF0000"/>
+            </a:solidFill>
+          </a:ln>
+        </p:spPr>
+        <p:style>
+          <a:lnRef idx="1">
+            <a:schemeClr val="accent1"/>
+          </a:lnRef>
+          <a:fillRef idx="3">
+            <a:schemeClr val="accent1"/>
+          </a:fillRef>
+          <a:effectRef idx="2">
+            <a:schemeClr val="accent1"/>
+          </a:effectRef>
+          <a:fontRef idx="minor">
+            <a:schemeClr val="lt1"/>
+          </a:fontRef>
+        </p:style>
+        <p:txBody>
+          <a:bodyPr rtlCol="0" anchor="ctr"/>
+          <a:lstStyle/>
+          <a:p>
+            <a:pPr algn="ctr"/>
+            <a:endParaRPr lang="en-US"/>
+          </a:p>
+        </p:txBody>
+      </p:sp>
+      <p:sp>
+        <p:nvSpPr>
+          <p:cNvPr id="26" name="Oval 25"/>
+          <p:cNvSpPr/>
+          <p:nvPr/>
+        </p:nvSpPr>
+        <p:spPr>
+          <a:xfrm>
+            <a:off x="326853" y="2620644"/>
+            <a:ext cx="771202" cy="399271"/>
+          </a:xfrm>
+          <a:prstGeom prst="ellipse">
+            <a:avLst/>
+          </a:prstGeom>
+          <a:noFill/>
+          <a:ln w="38100" cmpd="sng">
+            <a:solidFill>
+              <a:srgbClr val="FF0000"/>
+            </a:solidFill>
+          </a:ln>
+        </p:spPr>
+        <p:style>
+          <a:lnRef idx="1">
+            <a:schemeClr val="accent1"/>
+          </a:lnRef>
+          <a:fillRef idx="3">
+            <a:schemeClr val="accent1"/>
+          </a:fillRef>
+          <a:effectRef idx="2">
+            <a:schemeClr val="accent1"/>
+          </a:effectRef>
+          <a:fontRef idx="minor">
+            <a:schemeClr val="lt1"/>
+          </a:fontRef>
+        </p:style>
+        <p:txBody>
+          <a:bodyPr rtlCol="0" anchor="ctr"/>
+          <a:lstStyle/>
+          <a:p>
+            <a:pPr algn="ctr"/>
+            <a:endParaRPr lang="en-US"/>
+          </a:p>
+        </p:txBody>
+      </p:sp>
     </p:spTree>
     <p:extLst>
       <p:ext uri="{BB962C8B-B14F-4D97-AF65-F5344CB8AC3E}">
-        <p14:creationId xmlns:p14="http://schemas.microsoft.com/office/powerpoint/2010/main" val="206591536"/>
+        <p14:creationId xmlns:p14="http://schemas.microsoft.com/office/powerpoint/2010/main" val="1689036110"/>
       </p:ext>
     </p:extLst>
   </p:cSld>
   <p:clrMapOvr>
     <a:masterClrMapping/>
   </p:clrMapOvr>
+  <p:timing>
+    <p:tnLst>
+      <p:par>
+        <p:cTn id="1" dur="indefinite" restart="never" nodeType="tmRoot">
+          <p:childTnLst>
+            <p:seq concurrent="1" nextAc="seek">
+              <p:cTn id="2" dur="indefinite" nodeType="mainSeq">
+                <p:childTnLst>
+                  <p:par>
+                    <p:cTn id="3" fill="hold">
+                      <p:stCondLst>
+                        <p:cond delay="indefinite"/>
+                      </p:stCondLst>
+                      <p:childTnLst>
+                        <p:par>
+                          <p:cTn id="4" fill="hold">
+                            <p:stCondLst>
+                              <p:cond delay="0"/>
+                            </p:stCondLst>
+                            <p:childTnLst>
+                              <p:par>
+                                <p:cTn id="5" presetID="1" presetClass="entr" presetSubtype="0" fill="hold" grpId="0" nodeType="clickEffect">
+                                  <p:stCondLst>
+                                    <p:cond delay="0"/>
+                                  </p:stCondLst>
+                                  <p:childTnLst>
+                                    <p:set>
+                                      <p:cBhvr>
+                                        <p:cTn id="6" dur="1" fill="hold">
+                                          <p:stCondLst>
+                                            <p:cond delay="0"/>
+                                          </p:stCondLst>
+                                        </p:cTn>
+                                        <p:tgtEl>
+                                          <p:spTgt spid="7"/>
+                                        </p:tgtEl>
+                                        <p:attrNameLst>
+                                          <p:attrName>style.visibility</p:attrName>
+                                        </p:attrNameLst>
+                                      </p:cBhvr>
+                                      <p:to>
+                                        <p:strVal val="visible"/>
+                                      </p:to>
+                                    </p:set>
+                                  </p:childTnLst>
+                                </p:cTn>
+                              </p:par>
+                              <p:par>
+                                <p:cTn id="7" presetID="1" presetClass="entr" presetSubtype="0" fill="hold" nodeType="withEffect">
+                                  <p:stCondLst>
+                                    <p:cond delay="0"/>
+                                  </p:stCondLst>
+                                  <p:childTnLst>
+                                    <p:set>
+                                      <p:cBhvr>
+                                        <p:cTn id="8" dur="1" fill="hold">
+                                          <p:stCondLst>
+                                            <p:cond delay="0"/>
+                                          </p:stCondLst>
+                                        </p:cTn>
+                                        <p:tgtEl>
+                                          <p:spTgt spid="6"/>
+                                        </p:tgtEl>
+                                        <p:attrNameLst>
+                                          <p:attrName>style.visibility</p:attrName>
+                                        </p:attrNameLst>
+                                      </p:cBhvr>
+                                      <p:to>
+                                        <p:strVal val="visible"/>
+                                      </p:to>
+                                    </p:set>
+                                  </p:childTnLst>
+                                </p:cTn>
+                              </p:par>
+                              <p:par>
+                                <p:cTn id="9" presetID="1" presetClass="entr" presetSubtype="0" fill="hold" nodeType="withEffect">
+                                  <p:stCondLst>
+                                    <p:cond delay="0"/>
+                                  </p:stCondLst>
+                                  <p:childTnLst>
+                                    <p:set>
+                                      <p:cBhvr>
+                                        <p:cTn id="10" dur="1" fill="hold">
+                                          <p:stCondLst>
+                                            <p:cond delay="0"/>
+                                          </p:stCondLst>
+                                        </p:cTn>
+                                        <p:tgtEl>
+                                          <p:spTgt spid="14"/>
+                                        </p:tgtEl>
+                                        <p:attrNameLst>
+                                          <p:attrName>style.visibility</p:attrName>
+                                        </p:attrNameLst>
+                                      </p:cBhvr>
+                                      <p:to>
+                                        <p:strVal val="visible"/>
+                                      </p:to>
+                                    </p:set>
+                                  </p:childTnLst>
+                                </p:cTn>
+                              </p:par>
+                            </p:childTnLst>
+                          </p:cTn>
+                        </p:par>
+                      </p:childTnLst>
+                    </p:cTn>
+                  </p:par>
+                  <p:par>
+                    <p:cTn id="11" fill="hold">
+                      <p:stCondLst>
+                        <p:cond delay="indefinite"/>
+                      </p:stCondLst>
+                      <p:childTnLst>
+                        <p:par>
+                          <p:cTn id="12" fill="hold">
+                            <p:stCondLst>
+                              <p:cond delay="0"/>
+                            </p:stCondLst>
+                            <p:childTnLst>
+                              <p:par>
+                                <p:cTn id="13" presetID="1" presetClass="entr" presetSubtype="0" fill="hold" grpId="0" nodeType="clickEffect">
+                                  <p:stCondLst>
+                                    <p:cond delay="0"/>
+                                  </p:stCondLst>
+                                  <p:childTnLst>
+                                    <p:set>
+                                      <p:cBhvr>
+                                        <p:cTn id="14" dur="1" fill="hold">
+                                          <p:stCondLst>
+                                            <p:cond delay="0"/>
+                                          </p:stCondLst>
+                                        </p:cTn>
+                                        <p:tgtEl>
+                                          <p:spTgt spid="17"/>
+                                        </p:tgtEl>
+                                        <p:attrNameLst>
+                                          <p:attrName>style.visibility</p:attrName>
+                                        </p:attrNameLst>
+                                      </p:cBhvr>
+                                      <p:to>
+                                        <p:strVal val="visible"/>
+                                      </p:to>
+                                    </p:set>
+                                  </p:childTnLst>
+                                </p:cTn>
+                              </p:par>
+                              <p:par>
+                                <p:cTn id="15" presetID="1" presetClass="entr" presetSubtype="0" fill="hold" grpId="0" nodeType="withEffect">
+                                  <p:stCondLst>
+                                    <p:cond delay="0"/>
+                                  </p:stCondLst>
+                                  <p:childTnLst>
+                                    <p:set>
+                                      <p:cBhvr>
+                                        <p:cTn id="16" dur="1" fill="hold">
+                                          <p:stCondLst>
+                                            <p:cond delay="0"/>
+                                          </p:stCondLst>
+                                        </p:cTn>
+                                        <p:tgtEl>
+                                          <p:spTgt spid="24"/>
+                                        </p:tgtEl>
+                                        <p:attrNameLst>
+                                          <p:attrName>style.visibility</p:attrName>
+                                        </p:attrNameLst>
+                                      </p:cBhvr>
+                                      <p:to>
+                                        <p:strVal val="visible"/>
+                                      </p:to>
+                                    </p:set>
+                                  </p:childTnLst>
+                                </p:cTn>
+                              </p:par>
+                              <p:par>
+                                <p:cTn id="17" presetID="1" presetClass="entr" presetSubtype="0" fill="hold" grpId="0" nodeType="withEffect">
+                                  <p:stCondLst>
+                                    <p:cond delay="0"/>
+                                  </p:stCondLst>
+                                  <p:childTnLst>
+                                    <p:set>
+                                      <p:cBhvr>
+                                        <p:cTn id="18" dur="1" fill="hold">
+                                          <p:stCondLst>
+                                            <p:cond delay="0"/>
+                                          </p:stCondLst>
+                                        </p:cTn>
+                                        <p:tgtEl>
+                                          <p:spTgt spid="25"/>
+                                        </p:tgtEl>
+                                        <p:attrNameLst>
+                                          <p:attrName>style.visibility</p:attrName>
+                                        </p:attrNameLst>
+                                      </p:cBhvr>
+                                      <p:to>
+                                        <p:strVal val="visible"/>
+                                      </p:to>
+                                    </p:set>
+                                  </p:childTnLst>
+                                </p:cTn>
+                              </p:par>
+                            </p:childTnLst>
+                          </p:cTn>
+                        </p:par>
+                      </p:childTnLst>
+                    </p:cTn>
+                  </p:par>
+                  <p:par>
+                    <p:cTn id="19" fill="hold">
+                      <p:stCondLst>
+                        <p:cond delay="indefinite"/>
+                      </p:stCondLst>
+                      <p:childTnLst>
+                        <p:par>
+                          <p:cTn id="20" fill="hold">
+                            <p:stCondLst>
+                              <p:cond delay="0"/>
+                            </p:stCondLst>
+                            <p:childTnLst>
+                              <p:par>
+                                <p:cTn id="21" presetID="1" presetClass="entr" presetSubtype="0" fill="hold" nodeType="clickEffect">
+                                  <p:stCondLst>
+                                    <p:cond delay="0"/>
+                                  </p:stCondLst>
+                                  <p:childTnLst>
+                                    <p:set>
+                                      <p:cBhvr>
+                                        <p:cTn id="22" dur="1" fill="hold">
+                                          <p:stCondLst>
+                                            <p:cond delay="0"/>
+                                          </p:stCondLst>
+                                        </p:cTn>
+                                        <p:tgtEl>
+                                          <p:spTgt spid="9"/>
+                                        </p:tgtEl>
+                                        <p:attrNameLst>
+                                          <p:attrName>style.visibility</p:attrName>
+                                        </p:attrNameLst>
+                                      </p:cBhvr>
+                                      <p:to>
+                                        <p:strVal val="visible"/>
+                                      </p:to>
+                                    </p:set>
+                                  </p:childTnLst>
+                                </p:cTn>
+                              </p:par>
+                              <p:par>
+                                <p:cTn id="23" presetID="1" presetClass="entr" presetSubtype="0" fill="hold" grpId="0" nodeType="withEffect">
+                                  <p:stCondLst>
+                                    <p:cond delay="0"/>
+                                  </p:stCondLst>
+                                  <p:childTnLst>
+                                    <p:set>
+                                      <p:cBhvr>
+                                        <p:cTn id="24" dur="1" fill="hold">
+                                          <p:stCondLst>
+                                            <p:cond delay="0"/>
+                                          </p:stCondLst>
+                                        </p:cTn>
+                                        <p:tgtEl>
+                                          <p:spTgt spid="18"/>
+                                        </p:tgtEl>
+                                        <p:attrNameLst>
+                                          <p:attrName>style.visibility</p:attrName>
+                                        </p:attrNameLst>
+                                      </p:cBhvr>
+                                      <p:to>
+                                        <p:strVal val="visible"/>
+                                      </p:to>
+                                    </p:set>
+                                  </p:childTnLst>
+                                </p:cTn>
+                              </p:par>
+                              <p:par>
+                                <p:cTn id="25" presetID="1" presetClass="entr" presetSubtype="0" fill="hold" nodeType="withEffect">
+                                  <p:stCondLst>
+                                    <p:cond delay="0"/>
+                                  </p:stCondLst>
+                                  <p:childTnLst>
+                                    <p:set>
+                                      <p:cBhvr>
+                                        <p:cTn id="26" dur="1" fill="hold">
+                                          <p:stCondLst>
+                                            <p:cond delay="0"/>
+                                          </p:stCondLst>
+                                        </p:cTn>
+                                        <p:tgtEl>
+                                          <p:spTgt spid="2050"/>
+                                        </p:tgtEl>
+                                        <p:attrNameLst>
+                                          <p:attrName>style.visibility</p:attrName>
+                                        </p:attrNameLst>
+                                      </p:cBhvr>
+                                      <p:to>
+                                        <p:strVal val="visible"/>
+                                      </p:to>
+                                    </p:set>
+                                  </p:childTnLst>
+                                </p:cTn>
+                              </p:par>
+                            </p:childTnLst>
+                          </p:cTn>
+                        </p:par>
+                      </p:childTnLst>
+                    </p:cTn>
+                  </p:par>
+                  <p:par>
+                    <p:cTn id="27" fill="hold">
+                      <p:stCondLst>
+                        <p:cond delay="indefinite"/>
+                      </p:stCondLst>
+                      <p:childTnLst>
+                        <p:par>
+                          <p:cTn id="28" fill="hold">
+                            <p:stCondLst>
+                              <p:cond delay="0"/>
+                            </p:stCondLst>
+                            <p:childTnLst>
+                              <p:par>
+                                <p:cTn id="29" presetID="1" presetClass="entr" presetSubtype="0" fill="hold" nodeType="clickEffect">
+                                  <p:stCondLst>
+                                    <p:cond delay="0"/>
+                                  </p:stCondLst>
+                                  <p:childTnLst>
+                                    <p:set>
+                                      <p:cBhvr>
+                                        <p:cTn id="30" dur="1" fill="hold">
+                                          <p:stCondLst>
+                                            <p:cond delay="0"/>
+                                          </p:stCondLst>
+                                        </p:cTn>
+                                        <p:tgtEl>
+                                          <p:spTgt spid="13"/>
+                                        </p:tgtEl>
+                                        <p:attrNameLst>
+                                          <p:attrName>style.visibility</p:attrName>
+                                        </p:attrNameLst>
+                                      </p:cBhvr>
+                                      <p:to>
+                                        <p:strVal val="visible"/>
+                                      </p:to>
+                                    </p:set>
+                                  </p:childTnLst>
+                                </p:cTn>
+                              </p:par>
+                              <p:par>
+                                <p:cTn id="31" presetID="1" presetClass="entr" presetSubtype="0" fill="hold" grpId="0" nodeType="withEffect">
+                                  <p:stCondLst>
+                                    <p:cond delay="0"/>
+                                  </p:stCondLst>
+                                  <p:childTnLst>
+                                    <p:set>
+                                      <p:cBhvr>
+                                        <p:cTn id="32" dur="1" fill="hold">
+                                          <p:stCondLst>
+                                            <p:cond delay="0"/>
+                                          </p:stCondLst>
+                                        </p:cTn>
+                                        <p:tgtEl>
+                                          <p:spTgt spid="22"/>
+                                        </p:tgtEl>
+                                        <p:attrNameLst>
+                                          <p:attrName>style.visibility</p:attrName>
+                                        </p:attrNameLst>
+                                      </p:cBhvr>
+                                      <p:to>
+                                        <p:strVal val="visible"/>
+                                      </p:to>
+                                    </p:set>
+                                  </p:childTnLst>
+                                </p:cTn>
+                              </p:par>
+                              <p:par>
+                                <p:cTn id="33" presetID="1" presetClass="entr" presetSubtype="0" fill="hold" nodeType="withEffect">
+                                  <p:stCondLst>
+                                    <p:cond delay="0"/>
+                                  </p:stCondLst>
+                                  <p:childTnLst>
+                                    <p:set>
+                                      <p:cBhvr>
+                                        <p:cTn id="34" dur="1" fill="hold">
+                                          <p:stCondLst>
+                                            <p:cond delay="0"/>
+                                          </p:stCondLst>
+                                        </p:cTn>
+                                        <p:tgtEl>
+                                          <p:spTgt spid="3"/>
+                                        </p:tgtEl>
+                                        <p:attrNameLst>
+                                          <p:attrName>style.visibility</p:attrName>
+                                        </p:attrNameLst>
+                                      </p:cBhvr>
+                                      <p:to>
+                                        <p:strVal val="visible"/>
+                                      </p:to>
+                                    </p:set>
+                                  </p:childTnLst>
+                                </p:cTn>
+                              </p:par>
+                              <p:par>
+                                <p:cTn id="35" presetID="1" presetClass="entr" presetSubtype="0" fill="hold" grpId="0" nodeType="withEffect">
+                                  <p:stCondLst>
+                                    <p:cond delay="0"/>
+                                  </p:stCondLst>
+                                  <p:childTnLst>
+                                    <p:set>
+                                      <p:cBhvr>
+                                        <p:cTn id="36" dur="1" fill="hold">
+                                          <p:stCondLst>
+                                            <p:cond delay="0"/>
+                                          </p:stCondLst>
+                                        </p:cTn>
+                                        <p:tgtEl>
+                                          <p:spTgt spid="26"/>
+                                        </p:tgtEl>
+                                        <p:attrNameLst>
+                                          <p:attrName>style.visibility</p:attrName>
+                                        </p:attrNameLst>
+                                      </p:cBhvr>
+                                      <p:to>
+                                        <p:strVal val="visible"/>
+                                      </p:to>
+                                    </p:set>
+                                  </p:childTnLst>
+                                </p:cTn>
+                              </p:par>
+                            </p:childTnLst>
+                          </p:cTn>
+                        </p:par>
+                      </p:childTnLst>
+                    </p:cTn>
+                  </p:par>
+                </p:childTnLst>
+              </p:cTn>
+              <p:prevCondLst>
+                <p:cond evt="onPrev" delay="0">
+                  <p:tgtEl>
+                    <p:sldTgt/>
+                  </p:tgtEl>
+                </p:cond>
+              </p:prevCondLst>
+              <p:nextCondLst>
+                <p:cond evt="onNext" delay="0">
+                  <p:tgtEl>
+                    <p:sldTgt/>
+                  </p:tgtEl>
+                </p:cond>
+              </p:nextCondLst>
+            </p:seq>
+          </p:childTnLst>
+        </p:cTn>
+      </p:par>
+    </p:tnLst>
+    <p:bldLst>
+      <p:bldP spid="7" grpId="0"/>
+      <p:bldP spid="18" grpId="0"/>
+      <p:bldP spid="22" grpId="0"/>
+      <p:bldP spid="17" grpId="0" animBg="1"/>
+      <p:bldP spid="24" grpId="0" animBg="1"/>
+      <p:bldP spid="25" grpId="0" animBg="1"/>
+      <p:bldP spid="26" grpId="0" animBg="1"/>
+    </p:bldLst>
+  </p:timing>
 </p:sld>
 </file>
 
@@ -10591,6 +12916,334 @@
 </p:sld>
 </file>
 
+<file path=ppt/slides/slide40.xml><?xml version="1.0" encoding="utf-8"?>
+<p:sld xmlns:a="http://schemas.openxmlformats.org/drawingml/2006/main" xmlns:r="http://schemas.openxmlformats.org/officeDocument/2006/relationships" xmlns:p="http://schemas.openxmlformats.org/presentationml/2006/main">
+  <p:cSld>
+    <p:spTree>
+      <p:nvGrpSpPr>
+        <p:cNvPr id="1" name=""/>
+        <p:cNvGrpSpPr/>
+        <p:nvPr/>
+      </p:nvGrpSpPr>
+      <p:grpSpPr>
+        <a:xfrm>
+          <a:off x="0" y="0"/>
+          <a:ext cx="0" cy="0"/>
+          <a:chOff x="0" y="0"/>
+          <a:chExt cx="0" cy="0"/>
+        </a:xfrm>
+      </p:grpSpPr>
+      <p:sp>
+        <p:nvSpPr>
+          <p:cNvPr id="2" name="Title 1"/>
+          <p:cNvSpPr>
+            <a:spLocks noGrp="1"/>
+          </p:cNvSpPr>
+          <p:nvPr>
+            <p:ph type="title"/>
+          </p:nvPr>
+        </p:nvSpPr>
+        <p:spPr/>
+        <p:txBody>
+          <a:bodyPr/>
+          <a:lstStyle/>
+          <a:p>
+            <a:r>
+              <a:rPr lang="en-US" dirty="0" smtClean="0"/>
+              <a:t>OUTPUT ON Terminal</a:t>
+            </a:r>
+            <a:endParaRPr lang="en-US" dirty="0"/>
+          </a:p>
+        </p:txBody>
+      </p:sp>
+      <p:pic>
+        <p:nvPicPr>
+          <p:cNvPr id="8" name="Picture 7"/>
+          <p:cNvPicPr>
+            <a:picLocks noChangeAspect="1"/>
+          </p:cNvPicPr>
+          <p:nvPr/>
+        </p:nvPicPr>
+        <p:blipFill>
+          <a:blip r:embed="rId2"/>
+          <a:stretch>
+            <a:fillRect/>
+          </a:stretch>
+        </p:blipFill>
+        <p:spPr>
+          <a:xfrm>
+            <a:off x="702861" y="1114425"/>
+            <a:ext cx="7813342" cy="5274006"/>
+          </a:xfrm>
+          <a:prstGeom prst="rect">
+            <a:avLst/>
+          </a:prstGeom>
+        </p:spPr>
+      </p:pic>
+    </p:spTree>
+    <p:extLst>
+      <p:ext uri="{BB962C8B-B14F-4D97-AF65-F5344CB8AC3E}">
+        <p14:creationId xmlns:p14="http://schemas.microsoft.com/office/powerpoint/2010/main" val="4279765408"/>
+      </p:ext>
+    </p:extLst>
+  </p:cSld>
+  <p:clrMapOvr>
+    <a:masterClrMapping/>
+  </p:clrMapOvr>
+  <p:timing>
+    <p:tnLst>
+      <p:par>
+        <p:cTn id="1" dur="indefinite" restart="never" nodeType="tmRoot"/>
+      </p:par>
+    </p:tnLst>
+  </p:timing>
+</p:sld>
+</file>
+
+<file path=ppt/slides/slide41.xml><?xml version="1.0" encoding="utf-8"?>
+<p:sld xmlns:a="http://schemas.openxmlformats.org/drawingml/2006/main" xmlns:r="http://schemas.openxmlformats.org/officeDocument/2006/relationships" xmlns:p="http://schemas.openxmlformats.org/presentationml/2006/main">
+  <p:cSld>
+    <p:spTree>
+      <p:nvGrpSpPr>
+        <p:cNvPr id="1" name=""/>
+        <p:cNvGrpSpPr/>
+        <p:nvPr/>
+      </p:nvGrpSpPr>
+      <p:grpSpPr>
+        <a:xfrm>
+          <a:off x="0" y="0"/>
+          <a:ext cx="0" cy="0"/>
+          <a:chOff x="0" y="0"/>
+          <a:chExt cx="0" cy="0"/>
+        </a:xfrm>
+      </p:grpSpPr>
+      <p:sp>
+        <p:nvSpPr>
+          <p:cNvPr id="2" name="Title 1"/>
+          <p:cNvSpPr>
+            <a:spLocks noGrp="1"/>
+          </p:cNvSpPr>
+          <p:nvPr>
+            <p:ph type="ctrTitle"/>
+          </p:nvPr>
+        </p:nvSpPr>
+        <p:spPr/>
+        <p:txBody>
+          <a:bodyPr/>
+          <a:lstStyle/>
+          <a:p>
+            <a:r>
+              <a:rPr lang="en-US" dirty="0" smtClean="0"/>
+              <a:t>Part 6</a:t>
+            </a:r>
+            <a:br>
+              <a:rPr lang="en-US" dirty="0" smtClean="0"/>
+            </a:br>
+            <a:r>
+              <a:rPr lang="en-US" dirty="0" err="1" smtClean="0"/>
+              <a:t>HBase</a:t>
+            </a:r>
+            <a:endParaRPr lang="en-US" dirty="0"/>
+          </a:p>
+        </p:txBody>
+      </p:sp>
+      <p:sp>
+        <p:nvSpPr>
+          <p:cNvPr id="4" name="TextBox 3"/>
+          <p:cNvSpPr txBox="1"/>
+          <p:nvPr/>
+        </p:nvSpPr>
+        <p:spPr>
+          <a:xfrm>
+            <a:off x="713983" y="5796870"/>
+            <a:ext cx="5824603" cy="1691014"/>
+          </a:xfrm>
+          <a:prstGeom prst="rect">
+            <a:avLst/>
+          </a:prstGeom>
+        </p:spPr>
+        <p:txBody>
+          <a:bodyPr vert="horz" wrap="square" lIns="91440" tIns="45720" rIns="91440" bIns="45720" rtlCol="0" anchor="t">
+            <a:normAutofit/>
+          </a:bodyPr>
+          <a:lstStyle/>
+          <a:p>
+            <a:endParaRPr lang="en-US" b="0" i="0" dirty="0" smtClean="0">
+              <a:latin typeface="Gill Sans Light"/>
+              <a:cs typeface="Gill Sans Light"/>
+            </a:endParaRPr>
+          </a:p>
+        </p:txBody>
+      </p:sp>
+    </p:spTree>
+    <p:extLst>
+      <p:ext uri="{BB962C8B-B14F-4D97-AF65-F5344CB8AC3E}">
+        <p14:creationId xmlns:p14="http://schemas.microsoft.com/office/powerpoint/2010/main" val="1288231618"/>
+      </p:ext>
+    </p:extLst>
+  </p:cSld>
+  <p:clrMapOvr>
+    <a:masterClrMapping/>
+  </p:clrMapOvr>
+  <p:timing>
+    <p:tnLst>
+      <p:par>
+        <p:cTn id="1" dur="indefinite" restart="never" nodeType="tmRoot"/>
+      </p:par>
+    </p:tnLst>
+  </p:timing>
+</p:sld>
+</file>
+
+<file path=ppt/slides/slide42.xml><?xml version="1.0" encoding="utf-8"?>
+<p:sld xmlns:a="http://schemas.openxmlformats.org/drawingml/2006/main" xmlns:r="http://schemas.openxmlformats.org/officeDocument/2006/relationships" xmlns:p="http://schemas.openxmlformats.org/presentationml/2006/main">
+  <p:cSld>
+    <p:spTree>
+      <p:nvGrpSpPr>
+        <p:cNvPr id="1" name=""/>
+        <p:cNvGrpSpPr/>
+        <p:nvPr/>
+      </p:nvGrpSpPr>
+      <p:grpSpPr>
+        <a:xfrm>
+          <a:off x="0" y="0"/>
+          <a:ext cx="0" cy="0"/>
+          <a:chOff x="0" y="0"/>
+          <a:chExt cx="0" cy="0"/>
+        </a:xfrm>
+      </p:grpSpPr>
+      <p:pic>
+        <p:nvPicPr>
+          <p:cNvPr id="3076" name="Picture 4" descr="http://propertyinvestment.joburg/wp-content/uploads/2015/02/07.02.jpg"/>
+          <p:cNvPicPr>
+            <a:picLocks noChangeAspect="1" noChangeArrowheads="1"/>
+          </p:cNvPicPr>
+          <p:nvPr/>
+        </p:nvPicPr>
+        <p:blipFill>
+          <a:blip r:embed="rId2">
+            <a:extLst>
+              <a:ext uri="{28A0092B-C50C-407E-A947-70E740481C1C}">
+                <a14:useLocalDpi xmlns:a14="http://schemas.microsoft.com/office/drawing/2010/main" val="0"/>
+              </a:ext>
+            </a:extLst>
+          </a:blip>
+          <a:srcRect/>
+          <a:stretch>
+            <a:fillRect/>
+          </a:stretch>
+        </p:blipFill>
+        <p:spPr bwMode="auto">
+          <a:xfrm>
+            <a:off x="2044009" y="1769171"/>
+            <a:ext cx="5334000" cy="2857500"/>
+          </a:xfrm>
+          <a:prstGeom prst="rect">
+            <a:avLst/>
+          </a:prstGeom>
+          <a:noFill/>
+          <a:extLst>
+            <a:ext uri="{909E8E84-426E-40DD-AFC4-6F175D3DCCD1}">
+              <a14:hiddenFill xmlns:a14="http://schemas.microsoft.com/office/drawing/2010/main">
+                <a:solidFill>
+                  <a:srgbClr val="FFFFFF"/>
+                </a:solidFill>
+              </a14:hiddenFill>
+            </a:ext>
+          </a:extLst>
+        </p:spPr>
+      </p:pic>
+    </p:spTree>
+    <p:extLst>
+      <p:ext uri="{BB962C8B-B14F-4D97-AF65-F5344CB8AC3E}">
+        <p14:creationId xmlns:p14="http://schemas.microsoft.com/office/powerpoint/2010/main" val="4021026847"/>
+      </p:ext>
+    </p:extLst>
+  </p:cSld>
+  <p:clrMapOvr>
+    <a:masterClrMapping/>
+  </p:clrMapOvr>
+  <p:timing>
+    <p:tnLst>
+      <p:par>
+        <p:cTn id="1" dur="indefinite" restart="never" nodeType="tmRoot"/>
+      </p:par>
+    </p:tnLst>
+  </p:timing>
+</p:sld>
+</file>
+
+<file path=ppt/slides/slide43.xml><?xml version="1.0" encoding="utf-8"?>
+<p:sld xmlns:a="http://schemas.openxmlformats.org/drawingml/2006/main" xmlns:r="http://schemas.openxmlformats.org/officeDocument/2006/relationships" xmlns:p="http://schemas.openxmlformats.org/presentationml/2006/main">
+  <p:cSld>
+    <p:spTree>
+      <p:nvGrpSpPr>
+        <p:cNvPr id="1" name=""/>
+        <p:cNvGrpSpPr/>
+        <p:nvPr/>
+      </p:nvGrpSpPr>
+      <p:grpSpPr>
+        <a:xfrm>
+          <a:off x="0" y="0"/>
+          <a:ext cx="0" cy="0"/>
+          <a:chOff x="0" y="0"/>
+          <a:chExt cx="0" cy="0"/>
+        </a:xfrm>
+      </p:grpSpPr>
+      <p:pic>
+        <p:nvPicPr>
+          <p:cNvPr id="4" name="Picture 2" descr="http://29gx9627manh35u6u63gnsfl.wpengine.netdna-cdn.com/wp-content/uploads/2015/12/thank-you-1400x800-c-default.gif"/>
+          <p:cNvPicPr>
+            <a:picLocks noChangeAspect="1" noChangeArrowheads="1"/>
+          </p:cNvPicPr>
+          <p:nvPr/>
+        </p:nvPicPr>
+        <p:blipFill>
+          <a:blip r:embed="rId2">
+            <a:extLst>
+              <a:ext uri="{28A0092B-C50C-407E-A947-70E740481C1C}">
+                <a14:useLocalDpi xmlns:a14="http://schemas.microsoft.com/office/drawing/2010/main" val="0"/>
+              </a:ext>
+            </a:extLst>
+          </a:blip>
+          <a:srcRect/>
+          <a:stretch>
+            <a:fillRect/>
+          </a:stretch>
+        </p:blipFill>
+        <p:spPr bwMode="auto">
+          <a:xfrm>
+            <a:off x="-130627" y="744513"/>
+            <a:ext cx="9522347" cy="5441340"/>
+          </a:xfrm>
+          <a:prstGeom prst="rect">
+            <a:avLst/>
+          </a:prstGeom>
+          <a:noFill/>
+          <a:extLst>
+            <a:ext uri="{909E8E84-426E-40DD-AFC4-6F175D3DCCD1}">
+              <a14:hiddenFill xmlns:a14="http://schemas.microsoft.com/office/drawing/2010/main">
+                <a:solidFill>
+                  <a:srgbClr val="FFFFFF"/>
+                </a:solidFill>
+              </a14:hiddenFill>
+            </a:ext>
+          </a:extLst>
+        </p:spPr>
+      </p:pic>
+    </p:spTree>
+    <p:extLst>
+      <p:ext uri="{BB962C8B-B14F-4D97-AF65-F5344CB8AC3E}">
+        <p14:creationId xmlns:p14="http://schemas.microsoft.com/office/powerpoint/2010/main" val="206591536"/>
+      </p:ext>
+    </p:extLst>
+  </p:cSld>
+  <p:clrMapOvr>
+    <a:masterClrMapping/>
+  </p:clrMapOvr>
+</p:sld>
+</file>
+
 <file path=ppt/slides/slide5.xml><?xml version="1.0" encoding="utf-8"?>
 <p:sld xmlns:a="http://schemas.openxmlformats.org/drawingml/2006/main" xmlns:r="http://schemas.openxmlformats.org/officeDocument/2006/relationships" xmlns:p="http://schemas.openxmlformats.org/presentationml/2006/main">
   <p:cSld>
@@ -10677,7 +13330,6 @@
               <a:rPr lang="en-US" dirty="0" smtClean="0"/>
               <a:t>.</a:t>
             </a:r>
-            <a:endParaRPr lang="en-US" dirty="0" smtClean="0"/>
           </a:p>
           <a:p>
             <a:endParaRPr lang="en-US" dirty="0" smtClean="0"/>
@@ -10887,11 +13539,7 @@
             </a:r>
             <a:r>
               <a:rPr lang="en-US" dirty="0" smtClean="0"/>
-              <a:t>text output</a:t>
-            </a:r>
-            <a:r>
-              <a:rPr lang="en-US" dirty="0" smtClean="0"/>
-              <a:t>.</a:t>
+              <a:t>text output.</a:t>
             </a:r>
           </a:p>
           <a:p>
@@ -11016,7 +13664,6 @@
               <a:rPr lang="en-US" dirty="0" smtClean="0"/>
               <a:t>.</a:t>
             </a:r>
-            <a:endParaRPr lang="en-US" dirty="0" smtClean="0"/>
           </a:p>
           <a:p>
             <a:r>
@@ -11159,11 +13806,7 @@
           <a:p>
             <a:r>
               <a:rPr lang="en-US" dirty="0" smtClean="0"/>
-              <a:t>Create </a:t>
-            </a:r>
-            <a:r>
-              <a:rPr lang="en-US" dirty="0" smtClean="0"/>
-              <a:t>FOLDERs</a:t>
+              <a:t>Create FOLDERs</a:t>
             </a:r>
             <a:endParaRPr lang="en-US" dirty="0"/>
           </a:p>
@@ -11338,7 +13981,6 @@
               <a:rPr lang="en-US" dirty="0" smtClean="0"/>
               <a:t>cloudera\bash\run_hadoop_job.sh to see command line</a:t>
             </a:r>
-            <a:endParaRPr lang="en-US" dirty="0" smtClean="0"/>
           </a:p>
           <a:p>
             <a:r>
@@ -11351,7 +13993,6 @@
               <a:rPr lang="en-US" dirty="0" smtClean="0"/>
               <a:t>Copy to terminal and run</a:t>
             </a:r>
-            <a:endParaRPr lang="en-US" dirty="0" smtClean="0"/>
           </a:p>
           <a:p>
             <a:pPr marL="0" indent="0">
@@ -11381,13 +14022,36 @@
               </a:ext>
             </a:extLst>
           </a:blip>
-          <a:srcRect l="193" t="31836" r="-193" b="31202"/>
+          <a:srcRect t="41919" b="47120"/>
           <a:stretch/>
         </p:blipFill>
         <p:spPr>
           <a:xfrm>
-            <a:off x="993380" y="3998801"/>
-            <a:ext cx="7068536" cy="1978925"/>
+            <a:off x="631294" y="5568287"/>
+            <a:ext cx="7952370" cy="660233"/>
+          </a:xfrm>
+          <a:prstGeom prst="rect">
+            <a:avLst/>
+          </a:prstGeom>
+        </p:spPr>
+      </p:pic>
+      <p:pic>
+        <p:nvPicPr>
+          <p:cNvPr id="5" name="Picture 4"/>
+          <p:cNvPicPr>
+            <a:picLocks noChangeAspect="1"/>
+          </p:cNvPicPr>
+          <p:nvPr/>
+        </p:nvPicPr>
+        <p:blipFill rotWithShape="1">
+          <a:blip r:embed="rId3"/>
+          <a:srcRect t="-8330" b="30290"/>
+          <a:stretch/>
+        </p:blipFill>
+        <p:spPr>
+          <a:xfrm>
+            <a:off x="631294" y="3766403"/>
+            <a:ext cx="7966800" cy="1294475"/>
           </a:xfrm>
           <a:prstGeom prst="rect">
             <a:avLst/>

--- a/docs/Presentation.pptx
+++ b/docs/Presentation.pptx
@@ -5,10 +5,10 @@
     <p:sldMasterId id="2147483648" r:id="rId1"/>
   </p:sldMasterIdLst>
   <p:notesMasterIdLst>
-    <p:notesMasterId r:id="rId45"/>
+    <p:notesMasterId r:id="rId55"/>
   </p:notesMasterIdLst>
   <p:handoutMasterIdLst>
-    <p:handoutMasterId r:id="rId46"/>
+    <p:handoutMasterId r:id="rId56"/>
   </p:handoutMasterIdLst>
   <p:sldIdLst>
     <p:sldId id="259" r:id="rId2"/>
@@ -52,8 +52,18 @@
     <p:sldId id="347" r:id="rId40"/>
     <p:sldId id="350" r:id="rId41"/>
     <p:sldId id="351" r:id="rId42"/>
-    <p:sldId id="289" r:id="rId43"/>
-    <p:sldId id="326" r:id="rId44"/>
+    <p:sldId id="354" r:id="rId43"/>
+    <p:sldId id="355" r:id="rId44"/>
+    <p:sldId id="356" r:id="rId45"/>
+    <p:sldId id="358" r:id="rId46"/>
+    <p:sldId id="357" r:id="rId47"/>
+    <p:sldId id="359" r:id="rId48"/>
+    <p:sldId id="360" r:id="rId49"/>
+    <p:sldId id="361" r:id="rId50"/>
+    <p:sldId id="363" r:id="rId51"/>
+    <p:sldId id="362" r:id="rId52"/>
+    <p:sldId id="289" r:id="rId53"/>
+    <p:sldId id="326" r:id="rId54"/>
   </p:sldIdLst>
   <p:sldSz cx="9144000" cy="6858000" type="screen4x3"/>
   <p:notesSz cx="6858000" cy="9144000"/>
@@ -256,7 +266,7 @@
           <a:p>
             <a:fld id="{291D7B54-10FA-4B58-9BB9-8A810A6BB78D}" type="datetimeFigureOut">
               <a:rPr lang="en-US" smtClean="0"/>
-              <a:t>6/10/2016</a:t>
+              <a:t>6/11/2016</a:t>
             </a:fld>
             <a:endParaRPr lang="en-US"/>
           </a:p>
@@ -421,7 +431,7 @@
           <a:p>
             <a:fld id="{8480E8FD-D04B-45D3-9727-4D028C5089BD}" type="datetimeFigureOut">
               <a:rPr lang="en-US" smtClean="0"/>
-              <a:t>6/10/2016</a:t>
+              <a:t>6/11/2016</a:t>
             </a:fld>
             <a:endParaRPr lang="en-US"/>
           </a:p>
@@ -822,10 +832,6 @@
           <a:bodyPr/>
           <a:lstStyle/>
           <a:p>
-            <a:r>
-              <a:rPr lang="en-US" dirty="0" smtClean="0"/>
-              <a:t>Spark is data processing framework</a:t>
-            </a:r>
             <a:endParaRPr lang="en-US" dirty="0"/>
           </a:p>
         </p:txBody>
@@ -1042,6 +1048,443 @@
     <p:extLst>
       <p:ext uri="{BB962C8B-B14F-4D97-AF65-F5344CB8AC3E}">
         <p14:creationId xmlns:p14="http://schemas.microsoft.com/office/powerpoint/2010/main" val="1879148779"/>
+      </p:ext>
+    </p:extLst>
+  </p:cSld>
+  <p:clrMapOvr>
+    <a:masterClrMapping/>
+  </p:clrMapOvr>
+</p:notes>
+</file>
+
+<file path=ppt/notesSlides/notesSlide13.xml><?xml version="1.0" encoding="utf-8"?>
+<p:notes xmlns:a="http://schemas.openxmlformats.org/drawingml/2006/main" xmlns:r="http://schemas.openxmlformats.org/officeDocument/2006/relationships" xmlns:p="http://schemas.openxmlformats.org/presentationml/2006/main">
+  <p:cSld>
+    <p:spTree>
+      <p:nvGrpSpPr>
+        <p:cNvPr id="1" name=""/>
+        <p:cNvGrpSpPr/>
+        <p:nvPr/>
+      </p:nvGrpSpPr>
+      <p:grpSpPr>
+        <a:xfrm>
+          <a:off x="0" y="0"/>
+          <a:ext cx="0" cy="0"/>
+          <a:chOff x="0" y="0"/>
+          <a:chExt cx="0" cy="0"/>
+        </a:xfrm>
+      </p:grpSpPr>
+      <p:sp>
+        <p:nvSpPr>
+          <p:cNvPr id="2" name="Slide Image Placeholder 1"/>
+          <p:cNvSpPr>
+            <a:spLocks noGrp="1" noRot="1" noChangeAspect="1"/>
+          </p:cNvSpPr>
+          <p:nvPr>
+            <p:ph type="sldImg"/>
+          </p:nvPr>
+        </p:nvSpPr>
+        <p:spPr/>
+      </p:sp>
+      <p:sp>
+        <p:nvSpPr>
+          <p:cNvPr id="3" name="Notes Placeholder 2"/>
+          <p:cNvSpPr>
+            <a:spLocks noGrp="1"/>
+          </p:cNvSpPr>
+          <p:nvPr>
+            <p:ph type="body" idx="1"/>
+          </p:nvPr>
+        </p:nvSpPr>
+        <p:spPr/>
+        <p:txBody>
+          <a:bodyPr/>
+          <a:lstStyle/>
+          <a:p>
+            <a:endParaRPr lang="en-US" dirty="0"/>
+          </a:p>
+        </p:txBody>
+      </p:sp>
+      <p:sp>
+        <p:nvSpPr>
+          <p:cNvPr id="4" name="Slide Number Placeholder 3"/>
+          <p:cNvSpPr>
+            <a:spLocks noGrp="1"/>
+          </p:cNvSpPr>
+          <p:nvPr>
+            <p:ph type="sldNum" sz="quarter" idx="10"/>
+          </p:nvPr>
+        </p:nvSpPr>
+        <p:spPr/>
+        <p:txBody>
+          <a:bodyPr/>
+          <a:lstStyle/>
+          <a:p>
+            <a:fld id="{0AD24312-430C-47F9-90D6-A40331DAF7A2}" type="slidenum">
+              <a:rPr lang="en-US" smtClean="0"/>
+              <a:t>42</a:t>
+            </a:fld>
+            <a:endParaRPr lang="en-US"/>
+          </a:p>
+        </p:txBody>
+      </p:sp>
+    </p:spTree>
+    <p:extLst>
+      <p:ext uri="{BB962C8B-B14F-4D97-AF65-F5344CB8AC3E}">
+        <p14:creationId xmlns:p14="http://schemas.microsoft.com/office/powerpoint/2010/main" val="481991057"/>
+      </p:ext>
+    </p:extLst>
+  </p:cSld>
+  <p:clrMapOvr>
+    <a:masterClrMapping/>
+  </p:clrMapOvr>
+</p:notes>
+</file>
+
+<file path=ppt/notesSlides/notesSlide14.xml><?xml version="1.0" encoding="utf-8"?>
+<p:notes xmlns:a="http://schemas.openxmlformats.org/drawingml/2006/main" xmlns:r="http://schemas.openxmlformats.org/officeDocument/2006/relationships" xmlns:p="http://schemas.openxmlformats.org/presentationml/2006/main">
+  <p:cSld>
+    <p:spTree>
+      <p:nvGrpSpPr>
+        <p:cNvPr id="1" name=""/>
+        <p:cNvGrpSpPr/>
+        <p:nvPr/>
+      </p:nvGrpSpPr>
+      <p:grpSpPr>
+        <a:xfrm>
+          <a:off x="0" y="0"/>
+          <a:ext cx="0" cy="0"/>
+          <a:chOff x="0" y="0"/>
+          <a:chExt cx="0" cy="0"/>
+        </a:xfrm>
+      </p:grpSpPr>
+      <p:sp>
+        <p:nvSpPr>
+          <p:cNvPr id="2" name="Slide Image Placeholder 1"/>
+          <p:cNvSpPr>
+            <a:spLocks noGrp="1" noRot="1" noChangeAspect="1"/>
+          </p:cNvSpPr>
+          <p:nvPr>
+            <p:ph type="sldImg"/>
+          </p:nvPr>
+        </p:nvSpPr>
+        <p:spPr/>
+      </p:sp>
+      <p:sp>
+        <p:nvSpPr>
+          <p:cNvPr id="3" name="Notes Placeholder 2"/>
+          <p:cNvSpPr>
+            <a:spLocks noGrp="1"/>
+          </p:cNvSpPr>
+          <p:nvPr>
+            <p:ph type="body" idx="1"/>
+          </p:nvPr>
+        </p:nvSpPr>
+        <p:spPr/>
+        <p:txBody>
+          <a:bodyPr/>
+          <a:lstStyle/>
+          <a:p>
+            <a:endParaRPr lang="en-US" dirty="0"/>
+          </a:p>
+        </p:txBody>
+      </p:sp>
+      <p:sp>
+        <p:nvSpPr>
+          <p:cNvPr id="4" name="Slide Number Placeholder 3"/>
+          <p:cNvSpPr>
+            <a:spLocks noGrp="1"/>
+          </p:cNvSpPr>
+          <p:nvPr>
+            <p:ph type="sldNum" sz="quarter" idx="10"/>
+          </p:nvPr>
+        </p:nvSpPr>
+        <p:spPr/>
+        <p:txBody>
+          <a:bodyPr/>
+          <a:lstStyle/>
+          <a:p>
+            <a:fld id="{0AD24312-430C-47F9-90D6-A40331DAF7A2}" type="slidenum">
+              <a:rPr lang="en-US" smtClean="0"/>
+              <a:t>43</a:t>
+            </a:fld>
+            <a:endParaRPr lang="en-US"/>
+          </a:p>
+        </p:txBody>
+      </p:sp>
+    </p:spTree>
+    <p:extLst>
+      <p:ext uri="{BB962C8B-B14F-4D97-AF65-F5344CB8AC3E}">
+        <p14:creationId xmlns:p14="http://schemas.microsoft.com/office/powerpoint/2010/main" val="4229637838"/>
+      </p:ext>
+    </p:extLst>
+  </p:cSld>
+  <p:clrMapOvr>
+    <a:masterClrMapping/>
+  </p:clrMapOvr>
+</p:notes>
+</file>
+
+<file path=ppt/notesSlides/notesSlide15.xml><?xml version="1.0" encoding="utf-8"?>
+<p:notes xmlns:a="http://schemas.openxmlformats.org/drawingml/2006/main" xmlns:r="http://schemas.openxmlformats.org/officeDocument/2006/relationships" xmlns:p="http://schemas.openxmlformats.org/presentationml/2006/main">
+  <p:cSld>
+    <p:spTree>
+      <p:nvGrpSpPr>
+        <p:cNvPr id="1" name=""/>
+        <p:cNvGrpSpPr/>
+        <p:nvPr/>
+      </p:nvGrpSpPr>
+      <p:grpSpPr>
+        <a:xfrm>
+          <a:off x="0" y="0"/>
+          <a:ext cx="0" cy="0"/>
+          <a:chOff x="0" y="0"/>
+          <a:chExt cx="0" cy="0"/>
+        </a:xfrm>
+      </p:grpSpPr>
+      <p:sp>
+        <p:nvSpPr>
+          <p:cNvPr id="2" name="Slide Image Placeholder 1"/>
+          <p:cNvSpPr>
+            <a:spLocks noGrp="1" noRot="1" noChangeAspect="1"/>
+          </p:cNvSpPr>
+          <p:nvPr>
+            <p:ph type="sldImg"/>
+          </p:nvPr>
+        </p:nvSpPr>
+        <p:spPr/>
+      </p:sp>
+      <p:sp>
+        <p:nvSpPr>
+          <p:cNvPr id="3" name="Notes Placeholder 2"/>
+          <p:cNvSpPr>
+            <a:spLocks noGrp="1"/>
+          </p:cNvSpPr>
+          <p:nvPr>
+            <p:ph type="body" idx="1"/>
+          </p:nvPr>
+        </p:nvSpPr>
+        <p:spPr/>
+        <p:txBody>
+          <a:bodyPr/>
+          <a:lstStyle/>
+          <a:p>
+            <a:endParaRPr lang="en-US" dirty="0"/>
+          </a:p>
+        </p:txBody>
+      </p:sp>
+      <p:sp>
+        <p:nvSpPr>
+          <p:cNvPr id="4" name="Slide Number Placeholder 3"/>
+          <p:cNvSpPr>
+            <a:spLocks noGrp="1"/>
+          </p:cNvSpPr>
+          <p:nvPr>
+            <p:ph type="sldNum" sz="quarter" idx="10"/>
+          </p:nvPr>
+        </p:nvSpPr>
+        <p:spPr/>
+        <p:txBody>
+          <a:bodyPr/>
+          <a:lstStyle/>
+          <a:p>
+            <a:fld id="{0AD24312-430C-47F9-90D6-A40331DAF7A2}" type="slidenum">
+              <a:rPr lang="en-US" smtClean="0"/>
+              <a:t>44</a:t>
+            </a:fld>
+            <a:endParaRPr lang="en-US"/>
+          </a:p>
+        </p:txBody>
+      </p:sp>
+    </p:spTree>
+    <p:extLst>
+      <p:ext uri="{BB962C8B-B14F-4D97-AF65-F5344CB8AC3E}">
+        <p14:creationId xmlns:p14="http://schemas.microsoft.com/office/powerpoint/2010/main" val="4076741632"/>
+      </p:ext>
+    </p:extLst>
+  </p:cSld>
+  <p:clrMapOvr>
+    <a:masterClrMapping/>
+  </p:clrMapOvr>
+</p:notes>
+</file>
+
+<file path=ppt/notesSlides/notesSlide16.xml><?xml version="1.0" encoding="utf-8"?>
+<p:notes xmlns:a="http://schemas.openxmlformats.org/drawingml/2006/main" xmlns:r="http://schemas.openxmlformats.org/officeDocument/2006/relationships" xmlns:p="http://schemas.openxmlformats.org/presentationml/2006/main">
+  <p:cSld>
+    <p:spTree>
+      <p:nvGrpSpPr>
+        <p:cNvPr id="1" name=""/>
+        <p:cNvGrpSpPr/>
+        <p:nvPr/>
+      </p:nvGrpSpPr>
+      <p:grpSpPr>
+        <a:xfrm>
+          <a:off x="0" y="0"/>
+          <a:ext cx="0" cy="0"/>
+          <a:chOff x="0" y="0"/>
+          <a:chExt cx="0" cy="0"/>
+        </a:xfrm>
+      </p:grpSpPr>
+      <p:sp>
+        <p:nvSpPr>
+          <p:cNvPr id="2" name="Slide Image Placeholder 1"/>
+          <p:cNvSpPr>
+            <a:spLocks noGrp="1" noRot="1" noChangeAspect="1"/>
+          </p:cNvSpPr>
+          <p:nvPr>
+            <p:ph type="sldImg"/>
+          </p:nvPr>
+        </p:nvSpPr>
+        <p:spPr/>
+      </p:sp>
+      <p:sp>
+        <p:nvSpPr>
+          <p:cNvPr id="3" name="Notes Placeholder 2"/>
+          <p:cNvSpPr>
+            <a:spLocks noGrp="1"/>
+          </p:cNvSpPr>
+          <p:nvPr>
+            <p:ph type="body" idx="1"/>
+          </p:nvPr>
+        </p:nvSpPr>
+        <p:spPr/>
+        <p:txBody>
+          <a:bodyPr/>
+          <a:lstStyle/>
+          <a:p>
+            <a:endParaRPr lang="en-US" dirty="0"/>
+          </a:p>
+        </p:txBody>
+      </p:sp>
+      <p:sp>
+        <p:nvSpPr>
+          <p:cNvPr id="4" name="Slide Number Placeholder 3"/>
+          <p:cNvSpPr>
+            <a:spLocks noGrp="1"/>
+          </p:cNvSpPr>
+          <p:nvPr>
+            <p:ph type="sldNum" sz="quarter" idx="10"/>
+          </p:nvPr>
+        </p:nvSpPr>
+        <p:spPr/>
+        <p:txBody>
+          <a:bodyPr/>
+          <a:lstStyle/>
+          <a:p>
+            <a:fld id="{0AD24312-430C-47F9-90D6-A40331DAF7A2}" type="slidenum">
+              <a:rPr lang="en-US" smtClean="0"/>
+              <a:t>45</a:t>
+            </a:fld>
+            <a:endParaRPr lang="en-US"/>
+          </a:p>
+        </p:txBody>
+      </p:sp>
+    </p:spTree>
+    <p:extLst>
+      <p:ext uri="{BB962C8B-B14F-4D97-AF65-F5344CB8AC3E}">
+        <p14:creationId xmlns:p14="http://schemas.microsoft.com/office/powerpoint/2010/main" val="22259152"/>
+      </p:ext>
+    </p:extLst>
+  </p:cSld>
+  <p:clrMapOvr>
+    <a:masterClrMapping/>
+  </p:clrMapOvr>
+</p:notes>
+</file>
+
+<file path=ppt/notesSlides/notesSlide17.xml><?xml version="1.0" encoding="utf-8"?>
+<p:notes xmlns:a="http://schemas.openxmlformats.org/drawingml/2006/main" xmlns:r="http://schemas.openxmlformats.org/officeDocument/2006/relationships" xmlns:p="http://schemas.openxmlformats.org/presentationml/2006/main">
+  <p:cSld>
+    <p:spTree>
+      <p:nvGrpSpPr>
+        <p:cNvPr id="1" name=""/>
+        <p:cNvGrpSpPr/>
+        <p:nvPr/>
+      </p:nvGrpSpPr>
+      <p:grpSpPr>
+        <a:xfrm>
+          <a:off x="0" y="0"/>
+          <a:ext cx="0" cy="0"/>
+          <a:chOff x="0" y="0"/>
+          <a:chExt cx="0" cy="0"/>
+        </a:xfrm>
+      </p:grpSpPr>
+      <p:sp>
+        <p:nvSpPr>
+          <p:cNvPr id="2" name="Slide Image Placeholder 1"/>
+          <p:cNvSpPr>
+            <a:spLocks noGrp="1" noRot="1" noChangeAspect="1"/>
+          </p:cNvSpPr>
+          <p:nvPr>
+            <p:ph type="sldImg"/>
+          </p:nvPr>
+        </p:nvSpPr>
+        <p:spPr/>
+      </p:sp>
+      <p:sp>
+        <p:nvSpPr>
+          <p:cNvPr id="3" name="Notes Placeholder 2"/>
+          <p:cNvSpPr>
+            <a:spLocks noGrp="1"/>
+          </p:cNvSpPr>
+          <p:nvPr>
+            <p:ph type="body" idx="1"/>
+          </p:nvPr>
+        </p:nvSpPr>
+        <p:spPr/>
+        <p:txBody>
+          <a:bodyPr/>
+          <a:lstStyle/>
+          <a:p>
+            <a:pPr marL="0" marR="0" indent="0" algn="l" defTabSz="914400" rtl="0" eaLnBrk="1" fontAlgn="auto" latinLnBrk="0" hangingPunct="1">
+              <a:lnSpc>
+                <a:spcPct val="100000"/>
+              </a:lnSpc>
+              <a:spcBef>
+                <a:spcPts val="0"/>
+              </a:spcBef>
+              <a:spcAft>
+                <a:spcPts val="0"/>
+              </a:spcAft>
+              <a:buClrTx/>
+              <a:buSzTx/>
+              <a:buFontTx/>
+              <a:buNone/>
+              <a:tabLst/>
+              <a:defRPr/>
+            </a:pPr>
+            <a:endParaRPr lang="vi-VN" dirty="0"/>
+          </a:p>
+        </p:txBody>
+      </p:sp>
+      <p:sp>
+        <p:nvSpPr>
+          <p:cNvPr id="4" name="Slide Number Placeholder 3"/>
+          <p:cNvSpPr>
+            <a:spLocks noGrp="1"/>
+          </p:cNvSpPr>
+          <p:nvPr>
+            <p:ph type="sldNum" sz="quarter" idx="10"/>
+          </p:nvPr>
+        </p:nvSpPr>
+        <p:spPr/>
+        <p:txBody>
+          <a:bodyPr/>
+          <a:lstStyle/>
+          <a:p>
+            <a:fld id="{0AD24312-430C-47F9-90D6-A40331DAF7A2}" type="slidenum">
+              <a:rPr lang="en-US" smtClean="0"/>
+              <a:t>46</a:t>
+            </a:fld>
+            <a:endParaRPr lang="en-US"/>
+          </a:p>
+        </p:txBody>
+      </p:sp>
+    </p:spTree>
+    <p:extLst>
+      <p:ext uri="{BB962C8B-B14F-4D97-AF65-F5344CB8AC3E}">
+        <p14:creationId xmlns:p14="http://schemas.microsoft.com/office/powerpoint/2010/main" val="4043038985"/>
       </p:ext>
     </p:extLst>
   </p:cSld>
@@ -10699,11 +11142,7 @@
           <a:p>
             <a:r>
               <a:rPr lang="en-US" dirty="0" smtClean="0"/>
-              <a:t>Word </a:t>
-            </a:r>
-            <a:r>
-              <a:rPr lang="en-US" dirty="0" smtClean="0"/>
-              <a:t>count</a:t>
+              <a:t>Word count</a:t>
             </a:r>
             <a:endParaRPr lang="en-US" dirty="0"/>
           </a:p>
@@ -10772,8 +11211,40 @@
             <a:pPr lvl="1"/>
             <a:r>
               <a:rPr lang="en-US" dirty="0" smtClean="0"/>
-              <a:t>In 2 ways: Hadoop &amp; Spark</a:t>
-            </a:r>
+              <a:t>In 2 ways: Hadoop &amp; </a:t>
+            </a:r>
+            <a:r>
+              <a:rPr lang="en-US" dirty="0" smtClean="0"/>
+              <a:t>Spark</a:t>
+            </a:r>
+          </a:p>
+          <a:p>
+            <a:pPr lvl="1"/>
+            <a:r>
+              <a:rPr lang="en-US" dirty="0" smtClean="0"/>
+              <a:t>\project\spark\</a:t>
+            </a:r>
+            <a:r>
+              <a:rPr lang="en-US" dirty="0" err="1" smtClean="0"/>
+              <a:t>src</a:t>
+            </a:r>
+            <a:r>
+              <a:rPr lang="en-US" dirty="0" smtClean="0"/>
+              <a:t>\main\java\com\spark\</a:t>
+            </a:r>
+            <a:r>
+              <a:rPr lang="en-US" dirty="0" err="1" smtClean="0"/>
+              <a:t>wordcount</a:t>
+            </a:r>
+            <a:r>
+              <a:rPr lang="en-US" dirty="0" smtClean="0"/>
+              <a:t>\WordCount.java</a:t>
+            </a:r>
+            <a:endParaRPr lang="en-US" dirty="0"/>
+          </a:p>
+          <a:p>
+            <a:pPr lvl="1"/>
+            <a:endParaRPr lang="en-US" dirty="0" smtClean="0"/>
           </a:p>
           <a:p>
             <a:endParaRPr lang="en-US" dirty="0"/>
@@ -13112,6 +13583,1748 @@
           <a:chExt cx="0" cy="0"/>
         </a:xfrm>
       </p:grpSpPr>
+      <p:sp>
+        <p:nvSpPr>
+          <p:cNvPr id="2" name="Title 1"/>
+          <p:cNvSpPr>
+            <a:spLocks noGrp="1"/>
+          </p:cNvSpPr>
+          <p:nvPr>
+            <p:ph type="title"/>
+          </p:nvPr>
+        </p:nvSpPr>
+        <p:spPr/>
+        <p:txBody>
+          <a:bodyPr/>
+          <a:lstStyle/>
+          <a:p>
+            <a:r>
+              <a:rPr lang="en-US" dirty="0" err="1" smtClean="0"/>
+              <a:t>HBAse</a:t>
+            </a:r>
+            <a:r>
+              <a:rPr lang="en-US" dirty="0" smtClean="0"/>
+              <a:t> Table</a:t>
+            </a:r>
+            <a:endParaRPr lang="en-US" dirty="0"/>
+          </a:p>
+        </p:txBody>
+      </p:sp>
+      <p:sp>
+        <p:nvSpPr>
+          <p:cNvPr id="3" name="Content Placeholder 2"/>
+          <p:cNvSpPr>
+            <a:spLocks noGrp="1"/>
+          </p:cNvSpPr>
+          <p:nvPr>
+            <p:ph idx="1"/>
+          </p:nvPr>
+        </p:nvSpPr>
+        <p:spPr>
+          <a:xfrm>
+            <a:off x="457199" y="1500317"/>
+            <a:ext cx="8259098" cy="4886835"/>
+          </a:xfrm>
+        </p:spPr>
+        <p:txBody>
+          <a:bodyPr/>
+          <a:lstStyle/>
+          <a:p>
+            <a:r>
+              <a:rPr lang="en-US" dirty="0" smtClean="0"/>
+              <a:t>Purpose </a:t>
+            </a:r>
+          </a:p>
+          <a:p>
+            <a:pPr lvl="1"/>
+            <a:r>
+              <a:rPr lang="en-US" dirty="0" smtClean="0"/>
+              <a:t>Understands </a:t>
+            </a:r>
+            <a:r>
+              <a:rPr lang="en-US" dirty="0" smtClean="0"/>
+              <a:t>more about </a:t>
+            </a:r>
+            <a:r>
+              <a:rPr lang="en-US" dirty="0" err="1" smtClean="0"/>
+              <a:t>HBase</a:t>
+            </a:r>
+            <a:r>
+              <a:rPr lang="en-US" dirty="0" smtClean="0"/>
+              <a:t> </a:t>
+            </a:r>
+          </a:p>
+          <a:p>
+            <a:pPr lvl="1"/>
+            <a:r>
+              <a:rPr lang="en-US" dirty="0" smtClean="0"/>
+              <a:t>Using </a:t>
+            </a:r>
+            <a:r>
+              <a:rPr lang="en-US" dirty="0" err="1" smtClean="0"/>
+              <a:t>HBase</a:t>
+            </a:r>
+            <a:r>
+              <a:rPr lang="en-US" dirty="0" smtClean="0"/>
+              <a:t> Java API </a:t>
+            </a:r>
+            <a:endParaRPr lang="en-US" dirty="0" smtClean="0"/>
+          </a:p>
+          <a:p>
+            <a:r>
+              <a:rPr lang="en-US" dirty="0" smtClean="0"/>
+              <a:t>Feature:</a:t>
+            </a:r>
+            <a:endParaRPr lang="en-US" dirty="0" smtClean="0"/>
+          </a:p>
+          <a:p>
+            <a:pPr lvl="1"/>
+            <a:r>
+              <a:rPr lang="en-US" dirty="0" smtClean="0"/>
+              <a:t>Create table, d</a:t>
+            </a:r>
+            <a:r>
+              <a:rPr lang="en-US" dirty="0" smtClean="0"/>
+              <a:t>elete table</a:t>
+            </a:r>
+          </a:p>
+          <a:p>
+            <a:pPr lvl="1"/>
+            <a:r>
+              <a:rPr lang="en-US" dirty="0" smtClean="0"/>
+              <a:t>Add record, delete record.</a:t>
+            </a:r>
+          </a:p>
+          <a:p>
+            <a:pPr lvl="1"/>
+            <a:r>
+              <a:rPr lang="en-US" dirty="0" smtClean="0"/>
+              <a:t>Get one/all record(s)</a:t>
+            </a:r>
+            <a:endParaRPr lang="en-US" dirty="0"/>
+          </a:p>
+          <a:p>
+            <a:r>
+              <a:rPr lang="en-US" dirty="0" smtClean="0"/>
+              <a:t>Implemented </a:t>
+            </a:r>
+            <a:r>
+              <a:rPr lang="en-US" dirty="0" smtClean="0"/>
+              <a:t>code</a:t>
+            </a:r>
+            <a:endParaRPr lang="en-US" dirty="0" smtClean="0"/>
+          </a:p>
+          <a:p>
+            <a:pPr lvl="1"/>
+            <a:r>
+              <a:rPr lang="en-US" dirty="0" smtClean="0"/>
+              <a:t>Basic </a:t>
+            </a:r>
+            <a:r>
+              <a:rPr lang="en-US" dirty="0" err="1" smtClean="0"/>
+              <a:t>H</a:t>
+            </a:r>
+            <a:r>
+              <a:rPr lang="en-US" dirty="0" err="1"/>
+              <a:t>B</a:t>
+            </a:r>
+            <a:r>
+              <a:rPr lang="en-US" dirty="0" err="1" smtClean="0"/>
+              <a:t>ase</a:t>
+            </a:r>
+            <a:r>
+              <a:rPr lang="en-US" dirty="0" smtClean="0"/>
+              <a:t> example</a:t>
+            </a:r>
+            <a:endParaRPr lang="en-US" dirty="0" smtClean="0"/>
+          </a:p>
+          <a:p>
+            <a:endParaRPr lang="en-US" dirty="0"/>
+          </a:p>
+        </p:txBody>
+      </p:sp>
+    </p:spTree>
+    <p:extLst>
+      <p:ext uri="{BB962C8B-B14F-4D97-AF65-F5344CB8AC3E}">
+        <p14:creationId xmlns:p14="http://schemas.microsoft.com/office/powerpoint/2010/main" val="367674034"/>
+      </p:ext>
+    </p:extLst>
+  </p:cSld>
+  <p:clrMapOvr>
+    <a:masterClrMapping/>
+  </p:clrMapOvr>
+  <p:timing>
+    <p:tnLst>
+      <p:par>
+        <p:cTn id="1" dur="indefinite" restart="never" nodeType="tmRoot"/>
+      </p:par>
+    </p:tnLst>
+  </p:timing>
+</p:sld>
+</file>
+
+<file path=ppt/slides/slide43.xml><?xml version="1.0" encoding="utf-8"?>
+<p:sld xmlns:a="http://schemas.openxmlformats.org/drawingml/2006/main" xmlns:r="http://schemas.openxmlformats.org/officeDocument/2006/relationships" xmlns:p="http://schemas.openxmlformats.org/presentationml/2006/main">
+  <p:cSld>
+    <p:spTree>
+      <p:nvGrpSpPr>
+        <p:cNvPr id="1" name=""/>
+        <p:cNvGrpSpPr/>
+        <p:nvPr/>
+      </p:nvGrpSpPr>
+      <p:grpSpPr>
+        <a:xfrm>
+          <a:off x="0" y="0"/>
+          <a:ext cx="0" cy="0"/>
+          <a:chOff x="0" y="0"/>
+          <a:chExt cx="0" cy="0"/>
+        </a:xfrm>
+      </p:grpSpPr>
+      <p:sp>
+        <p:nvSpPr>
+          <p:cNvPr id="2" name="Title 1"/>
+          <p:cNvSpPr>
+            <a:spLocks noGrp="1"/>
+          </p:cNvSpPr>
+          <p:nvPr>
+            <p:ph type="title"/>
+          </p:nvPr>
+        </p:nvSpPr>
+        <p:spPr/>
+        <p:txBody>
+          <a:bodyPr/>
+          <a:lstStyle/>
+          <a:p>
+            <a:r>
+              <a:rPr lang="en-US" dirty="0" smtClean="0"/>
+              <a:t>Project steps</a:t>
+            </a:r>
+            <a:endParaRPr lang="en-US" dirty="0"/>
+          </a:p>
+        </p:txBody>
+      </p:sp>
+      <p:sp>
+        <p:nvSpPr>
+          <p:cNvPr id="3" name="Content Placeholder 2"/>
+          <p:cNvSpPr>
+            <a:spLocks noGrp="1"/>
+          </p:cNvSpPr>
+          <p:nvPr>
+            <p:ph idx="1"/>
+          </p:nvPr>
+        </p:nvSpPr>
+        <p:spPr>
+          <a:xfrm>
+            <a:off x="457199" y="1315005"/>
+            <a:ext cx="8259098" cy="4525963"/>
+          </a:xfrm>
+        </p:spPr>
+        <p:txBody>
+          <a:bodyPr/>
+          <a:lstStyle/>
+          <a:p>
+            <a:r>
+              <a:rPr lang="en-US" dirty="0" err="1"/>
+              <a:t>Creat</a:t>
+            </a:r>
+            <a:r>
+              <a:rPr lang="en-US" dirty="0"/>
+              <a:t> an </a:t>
+            </a:r>
+            <a:r>
+              <a:rPr lang="en-US" dirty="0" err="1"/>
+              <a:t>HBase</a:t>
+            </a:r>
+            <a:r>
+              <a:rPr lang="en-US" dirty="0"/>
+              <a:t> Maven Project</a:t>
+            </a:r>
+          </a:p>
+          <a:p>
+            <a:r>
+              <a:rPr lang="en-US" dirty="0" smtClean="0"/>
+              <a:t>Edit file pom.xml </a:t>
+            </a:r>
+            <a:r>
+              <a:rPr lang="en-US" dirty="0" err="1" smtClean="0"/>
+              <a:t>config</a:t>
+            </a:r>
+            <a:r>
+              <a:rPr lang="en-US" dirty="0" smtClean="0"/>
+              <a:t>.</a:t>
+            </a:r>
+          </a:p>
+          <a:p>
+            <a:endParaRPr lang="en-US" dirty="0" smtClean="0"/>
+          </a:p>
+          <a:p>
+            <a:endParaRPr lang="en-US" dirty="0"/>
+          </a:p>
+          <a:p>
+            <a:endParaRPr lang="en-US" dirty="0" smtClean="0"/>
+          </a:p>
+          <a:p>
+            <a:r>
+              <a:rPr lang="en-US" dirty="0" smtClean="0"/>
+              <a:t>Implemented code</a:t>
+            </a:r>
+            <a:endParaRPr lang="en-US" dirty="0" smtClean="0"/>
+          </a:p>
+          <a:p>
+            <a:pPr lvl="1"/>
+            <a:r>
+              <a:rPr lang="en-US" dirty="0" smtClean="0"/>
+              <a:t>Basic </a:t>
+            </a:r>
+            <a:r>
+              <a:rPr lang="en-US" dirty="0" err="1" smtClean="0"/>
+              <a:t>HB</a:t>
+            </a:r>
+            <a:r>
+              <a:rPr lang="en-US" dirty="0" err="1" smtClean="0"/>
+              <a:t>ase</a:t>
+            </a:r>
+            <a:r>
+              <a:rPr lang="en-US" dirty="0" smtClean="0"/>
+              <a:t> example</a:t>
+            </a:r>
+          </a:p>
+          <a:p>
+            <a:pPr lvl="1"/>
+            <a:r>
+              <a:rPr lang="en-US" dirty="0"/>
+              <a:t>\</a:t>
+            </a:r>
+            <a:r>
+              <a:rPr lang="en-US" dirty="0" smtClean="0"/>
+              <a:t>project\</a:t>
+            </a:r>
+            <a:r>
+              <a:rPr lang="en-US" dirty="0" err="1" smtClean="0"/>
+              <a:t>hbase</a:t>
+            </a:r>
+            <a:r>
+              <a:rPr lang="en-US" dirty="0" smtClean="0"/>
+              <a:t>\</a:t>
+            </a:r>
+            <a:r>
+              <a:rPr lang="en-US" dirty="0" err="1" smtClean="0"/>
+              <a:t>src</a:t>
+            </a:r>
+            <a:r>
+              <a:rPr lang="en-US" dirty="0" smtClean="0"/>
+              <a:t>\main\java\com\</a:t>
+            </a:r>
+            <a:r>
+              <a:rPr lang="en-US" dirty="0" err="1" smtClean="0"/>
+              <a:t>hbase</a:t>
+            </a:r>
+            <a:r>
+              <a:rPr lang="en-US" dirty="0" smtClean="0"/>
+              <a:t>\table\HBaseTable.java</a:t>
+            </a:r>
+            <a:endParaRPr lang="en-US" dirty="0"/>
+          </a:p>
+          <a:p>
+            <a:pPr marL="457188" lvl="1" indent="0">
+              <a:buNone/>
+            </a:pPr>
+            <a:endParaRPr lang="en-US" dirty="0" smtClean="0"/>
+          </a:p>
+          <a:p>
+            <a:endParaRPr lang="en-US" dirty="0"/>
+          </a:p>
+        </p:txBody>
+      </p:sp>
+      <p:pic>
+        <p:nvPicPr>
+          <p:cNvPr id="4" name="Picture 3"/>
+          <p:cNvPicPr>
+            <a:picLocks noChangeAspect="1"/>
+          </p:cNvPicPr>
+          <p:nvPr/>
+        </p:nvPicPr>
+        <p:blipFill>
+          <a:blip r:embed="rId3"/>
+          <a:stretch>
+            <a:fillRect/>
+          </a:stretch>
+        </p:blipFill>
+        <p:spPr>
+          <a:xfrm>
+            <a:off x="1518358" y="2570327"/>
+            <a:ext cx="6136780" cy="1578593"/>
+          </a:xfrm>
+          <a:prstGeom prst="rect">
+            <a:avLst/>
+          </a:prstGeom>
+        </p:spPr>
+      </p:pic>
+    </p:spTree>
+    <p:extLst>
+      <p:ext uri="{BB962C8B-B14F-4D97-AF65-F5344CB8AC3E}">
+        <p14:creationId xmlns:p14="http://schemas.microsoft.com/office/powerpoint/2010/main" val="1422347040"/>
+      </p:ext>
+    </p:extLst>
+  </p:cSld>
+  <p:clrMapOvr>
+    <a:masterClrMapping/>
+  </p:clrMapOvr>
+  <p:timing>
+    <p:tnLst>
+      <p:par>
+        <p:cTn id="1" dur="indefinite" restart="never" nodeType="tmRoot"/>
+      </p:par>
+    </p:tnLst>
+  </p:timing>
+</p:sld>
+</file>
+
+<file path=ppt/slides/slide44.xml><?xml version="1.0" encoding="utf-8"?>
+<p:sld xmlns:a="http://schemas.openxmlformats.org/drawingml/2006/main" xmlns:r="http://schemas.openxmlformats.org/officeDocument/2006/relationships" xmlns:p="http://schemas.openxmlformats.org/presentationml/2006/main">
+  <p:cSld>
+    <p:spTree>
+      <p:nvGrpSpPr>
+        <p:cNvPr id="1" name=""/>
+        <p:cNvGrpSpPr/>
+        <p:nvPr/>
+      </p:nvGrpSpPr>
+      <p:grpSpPr>
+        <a:xfrm>
+          <a:off x="0" y="0"/>
+          <a:ext cx="0" cy="0"/>
+          <a:chOff x="0" y="0"/>
+          <a:chExt cx="0" cy="0"/>
+        </a:xfrm>
+      </p:grpSpPr>
+      <p:sp>
+        <p:nvSpPr>
+          <p:cNvPr id="2" name="Title 1"/>
+          <p:cNvSpPr>
+            <a:spLocks noGrp="1"/>
+          </p:cNvSpPr>
+          <p:nvPr>
+            <p:ph type="title"/>
+          </p:nvPr>
+        </p:nvSpPr>
+        <p:spPr/>
+        <p:txBody>
+          <a:bodyPr/>
+          <a:lstStyle/>
+          <a:p>
+            <a:r>
+              <a:rPr lang="en-US" dirty="0" smtClean="0"/>
+              <a:t>OUTPUT</a:t>
+            </a:r>
+            <a:endParaRPr lang="en-US" dirty="0"/>
+          </a:p>
+        </p:txBody>
+      </p:sp>
+      <p:pic>
+        <p:nvPicPr>
+          <p:cNvPr id="6" name="Picture 5"/>
+          <p:cNvPicPr>
+            <a:picLocks noChangeAspect="1"/>
+          </p:cNvPicPr>
+          <p:nvPr/>
+        </p:nvPicPr>
+        <p:blipFill rotWithShape="1">
+          <a:blip r:embed="rId3"/>
+          <a:srcRect r="16785"/>
+          <a:stretch/>
+        </p:blipFill>
+        <p:spPr>
+          <a:xfrm>
+            <a:off x="671938" y="914399"/>
+            <a:ext cx="4023117" cy="3930555"/>
+          </a:xfrm>
+          <a:prstGeom prst="rect">
+            <a:avLst/>
+          </a:prstGeom>
+        </p:spPr>
+      </p:pic>
+      <p:pic>
+        <p:nvPicPr>
+          <p:cNvPr id="7" name="Picture 6"/>
+          <p:cNvPicPr>
+            <a:picLocks noChangeAspect="1"/>
+          </p:cNvPicPr>
+          <p:nvPr/>
+        </p:nvPicPr>
+        <p:blipFill>
+          <a:blip r:embed="rId4"/>
+          <a:stretch>
+            <a:fillRect/>
+          </a:stretch>
+        </p:blipFill>
+        <p:spPr>
+          <a:xfrm>
+            <a:off x="4909792" y="3774852"/>
+            <a:ext cx="3916908" cy="2358568"/>
+          </a:xfrm>
+          <a:prstGeom prst="rect">
+            <a:avLst/>
+          </a:prstGeom>
+        </p:spPr>
+      </p:pic>
+    </p:spTree>
+    <p:extLst>
+      <p:ext uri="{BB962C8B-B14F-4D97-AF65-F5344CB8AC3E}">
+        <p14:creationId xmlns:p14="http://schemas.microsoft.com/office/powerpoint/2010/main" val="2808027754"/>
+      </p:ext>
+    </p:extLst>
+  </p:cSld>
+  <p:clrMapOvr>
+    <a:masterClrMapping/>
+  </p:clrMapOvr>
+  <p:timing>
+    <p:tnLst>
+      <p:par>
+        <p:cTn id="1" dur="indefinite" restart="never" nodeType="tmRoot"/>
+      </p:par>
+    </p:tnLst>
+  </p:timing>
+</p:sld>
+</file>
+
+<file path=ppt/slides/slide45.xml><?xml version="1.0" encoding="utf-8"?>
+<p:sld xmlns:a="http://schemas.openxmlformats.org/drawingml/2006/main" xmlns:r="http://schemas.openxmlformats.org/officeDocument/2006/relationships" xmlns:p="http://schemas.openxmlformats.org/presentationml/2006/main">
+  <p:cSld>
+    <p:spTree>
+      <p:nvGrpSpPr>
+        <p:cNvPr id="1" name=""/>
+        <p:cNvGrpSpPr/>
+        <p:nvPr/>
+      </p:nvGrpSpPr>
+      <p:grpSpPr>
+        <a:xfrm>
+          <a:off x="0" y="0"/>
+          <a:ext cx="0" cy="0"/>
+          <a:chOff x="0" y="0"/>
+          <a:chExt cx="0" cy="0"/>
+        </a:xfrm>
+      </p:grpSpPr>
+      <p:sp>
+        <p:nvSpPr>
+          <p:cNvPr id="2" name="Title 1"/>
+          <p:cNvSpPr>
+            <a:spLocks noGrp="1"/>
+          </p:cNvSpPr>
+          <p:nvPr>
+            <p:ph type="title"/>
+          </p:nvPr>
+        </p:nvSpPr>
+        <p:spPr/>
+        <p:txBody>
+          <a:bodyPr/>
+          <a:lstStyle/>
+          <a:p>
+            <a:r>
+              <a:rPr lang="en-US" dirty="0" smtClean="0"/>
+              <a:t>Using UI to Manage</a:t>
+            </a:r>
+            <a:endParaRPr lang="en-US" dirty="0"/>
+          </a:p>
+        </p:txBody>
+      </p:sp>
+      <p:pic>
+        <p:nvPicPr>
+          <p:cNvPr id="3" name="Picture 2"/>
+          <p:cNvPicPr>
+            <a:picLocks noChangeAspect="1"/>
+          </p:cNvPicPr>
+          <p:nvPr/>
+        </p:nvPicPr>
+        <p:blipFill>
+          <a:blip r:embed="rId3"/>
+          <a:stretch>
+            <a:fillRect/>
+          </a:stretch>
+        </p:blipFill>
+        <p:spPr>
+          <a:xfrm>
+            <a:off x="341194" y="1624084"/>
+            <a:ext cx="8502555" cy="4473905"/>
+          </a:xfrm>
+          <a:prstGeom prst="rect">
+            <a:avLst/>
+          </a:prstGeom>
+        </p:spPr>
+      </p:pic>
+      <p:sp>
+        <p:nvSpPr>
+          <p:cNvPr id="8" name="Content Placeholder 2"/>
+          <p:cNvSpPr>
+            <a:spLocks noGrp="1"/>
+          </p:cNvSpPr>
+          <p:nvPr>
+            <p:ph idx="1"/>
+          </p:nvPr>
+        </p:nvSpPr>
+        <p:spPr>
+          <a:xfrm>
+            <a:off x="341194" y="919049"/>
+            <a:ext cx="8544600" cy="973640"/>
+          </a:xfrm>
+        </p:spPr>
+        <p:txBody>
+          <a:bodyPr/>
+          <a:lstStyle/>
+          <a:p>
+            <a:r>
+              <a:rPr lang="en-US" dirty="0" smtClean="0"/>
+              <a:t>Default username/password: </a:t>
+            </a:r>
+            <a:r>
+              <a:rPr lang="en-US" dirty="0" err="1" smtClean="0"/>
+              <a:t>cloudera</a:t>
+            </a:r>
+            <a:r>
+              <a:rPr lang="en-US" dirty="0"/>
+              <a:t>/ </a:t>
+            </a:r>
+            <a:r>
+              <a:rPr lang="en-US" dirty="0" err="1"/>
+              <a:t>cloudera</a:t>
+            </a:r>
+            <a:endParaRPr lang="en-US" dirty="0" smtClean="0"/>
+          </a:p>
+          <a:p>
+            <a:endParaRPr lang="en-US" dirty="0"/>
+          </a:p>
+        </p:txBody>
+      </p:sp>
+    </p:spTree>
+    <p:extLst>
+      <p:ext uri="{BB962C8B-B14F-4D97-AF65-F5344CB8AC3E}">
+        <p14:creationId xmlns:p14="http://schemas.microsoft.com/office/powerpoint/2010/main" val="536958049"/>
+      </p:ext>
+    </p:extLst>
+  </p:cSld>
+  <p:clrMapOvr>
+    <a:masterClrMapping/>
+  </p:clrMapOvr>
+  <p:timing>
+    <p:tnLst>
+      <p:par>
+        <p:cTn id="1" dur="indefinite" restart="never" nodeType="tmRoot"/>
+      </p:par>
+    </p:tnLst>
+  </p:timing>
+</p:sld>
+</file>
+
+<file path=ppt/slides/slide46.xml><?xml version="1.0" encoding="utf-8"?>
+<p:sld xmlns:a="http://schemas.openxmlformats.org/drawingml/2006/main" xmlns:r="http://schemas.openxmlformats.org/officeDocument/2006/relationships" xmlns:p="http://schemas.openxmlformats.org/presentationml/2006/main">
+  <p:cSld>
+    <p:spTree>
+      <p:nvGrpSpPr>
+        <p:cNvPr id="1" name=""/>
+        <p:cNvGrpSpPr/>
+        <p:nvPr/>
+      </p:nvGrpSpPr>
+      <p:grpSpPr>
+        <a:xfrm>
+          <a:off x="0" y="0"/>
+          <a:ext cx="0" cy="0"/>
+          <a:chOff x="0" y="0"/>
+          <a:chExt cx="0" cy="0"/>
+        </a:xfrm>
+      </p:grpSpPr>
+      <p:sp>
+        <p:nvSpPr>
+          <p:cNvPr id="2" name="Title 1"/>
+          <p:cNvSpPr>
+            <a:spLocks noGrp="1"/>
+          </p:cNvSpPr>
+          <p:nvPr>
+            <p:ph type="ctrTitle"/>
+          </p:nvPr>
+        </p:nvSpPr>
+        <p:spPr>
+          <a:xfrm>
+            <a:off x="2197701" y="2301665"/>
+            <a:ext cx="5574700" cy="1369583"/>
+          </a:xfrm>
+        </p:spPr>
+        <p:txBody>
+          <a:bodyPr/>
+          <a:lstStyle/>
+          <a:p>
+            <a:r>
+              <a:rPr lang="en-US" dirty="0" smtClean="0"/>
+              <a:t>Part </a:t>
+            </a:r>
+            <a:r>
+              <a:rPr lang="en-US" dirty="0" smtClean="0"/>
+              <a:t>9</a:t>
+            </a:r>
+            <a:r>
+              <a:rPr lang="en-US" dirty="0" smtClean="0"/>
+              <a:t/>
+            </a:r>
+            <a:br>
+              <a:rPr lang="en-US" dirty="0" smtClean="0"/>
+            </a:br>
+            <a:r>
+              <a:rPr lang="en-US" dirty="0"/>
+              <a:t>Optional Project</a:t>
+            </a:r>
+            <a:endParaRPr lang="en-US" dirty="0"/>
+          </a:p>
+        </p:txBody>
+      </p:sp>
+      <p:sp>
+        <p:nvSpPr>
+          <p:cNvPr id="4" name="TextBox 3"/>
+          <p:cNvSpPr txBox="1"/>
+          <p:nvPr/>
+        </p:nvSpPr>
+        <p:spPr>
+          <a:xfrm>
+            <a:off x="713983" y="5796870"/>
+            <a:ext cx="5824603" cy="1691014"/>
+          </a:xfrm>
+          <a:prstGeom prst="rect">
+            <a:avLst/>
+          </a:prstGeom>
+        </p:spPr>
+        <p:txBody>
+          <a:bodyPr vert="horz" wrap="square" lIns="91440" tIns="45720" rIns="91440" bIns="45720" rtlCol="0" anchor="t">
+            <a:normAutofit/>
+          </a:bodyPr>
+          <a:lstStyle/>
+          <a:p>
+            <a:endParaRPr lang="en-US" b="0" i="0" dirty="0" smtClean="0">
+              <a:latin typeface="Gill Sans Light"/>
+              <a:cs typeface="Gill Sans Light"/>
+            </a:endParaRPr>
+          </a:p>
+        </p:txBody>
+      </p:sp>
+    </p:spTree>
+    <p:extLst>
+      <p:ext uri="{BB962C8B-B14F-4D97-AF65-F5344CB8AC3E}">
+        <p14:creationId xmlns:p14="http://schemas.microsoft.com/office/powerpoint/2010/main" val="552526671"/>
+      </p:ext>
+    </p:extLst>
+  </p:cSld>
+  <p:clrMapOvr>
+    <a:masterClrMapping/>
+  </p:clrMapOvr>
+  <p:timing>
+    <p:tnLst>
+      <p:par>
+        <p:cTn id="1" dur="indefinite" restart="never" nodeType="tmRoot"/>
+      </p:par>
+    </p:tnLst>
+  </p:timing>
+</p:sld>
+</file>
+
+<file path=ppt/slides/slide47.xml><?xml version="1.0" encoding="utf-8"?>
+<p:sld xmlns:a="http://schemas.openxmlformats.org/drawingml/2006/main" xmlns:r="http://schemas.openxmlformats.org/officeDocument/2006/relationships" xmlns:p="http://schemas.openxmlformats.org/presentationml/2006/main">
+  <p:cSld>
+    <p:spTree>
+      <p:nvGrpSpPr>
+        <p:cNvPr id="1" name=""/>
+        <p:cNvGrpSpPr/>
+        <p:nvPr/>
+      </p:nvGrpSpPr>
+      <p:grpSpPr>
+        <a:xfrm>
+          <a:off x="0" y="0"/>
+          <a:ext cx="0" cy="0"/>
+          <a:chOff x="0" y="0"/>
+          <a:chExt cx="0" cy="0"/>
+        </a:xfrm>
+      </p:grpSpPr>
+      <p:sp>
+        <p:nvSpPr>
+          <p:cNvPr id="2" name="Title 1"/>
+          <p:cNvSpPr>
+            <a:spLocks noGrp="1"/>
+          </p:cNvSpPr>
+          <p:nvPr>
+            <p:ph type="title"/>
+          </p:nvPr>
+        </p:nvSpPr>
+        <p:spPr/>
+        <p:txBody>
+          <a:bodyPr/>
+          <a:lstStyle/>
+          <a:p>
+            <a:r>
+              <a:rPr lang="en-US" dirty="0" smtClean="0"/>
+              <a:t>Pseudo code</a:t>
+            </a:r>
+            <a:endParaRPr lang="en-US" dirty="0"/>
+          </a:p>
+        </p:txBody>
+      </p:sp>
+      <p:sp>
+        <p:nvSpPr>
+          <p:cNvPr id="6" name="Rectangle 5"/>
+          <p:cNvSpPr/>
+          <p:nvPr/>
+        </p:nvSpPr>
+        <p:spPr>
+          <a:xfrm>
+            <a:off x="694937" y="1064750"/>
+            <a:ext cx="7374195" cy="4822723"/>
+          </a:xfrm>
+          <a:prstGeom prst="rect">
+            <a:avLst/>
+          </a:prstGeom>
+        </p:spPr>
+        <p:style>
+          <a:lnRef idx="1">
+            <a:schemeClr val="accent1"/>
+          </a:lnRef>
+          <a:fillRef idx="3">
+            <a:schemeClr val="accent1"/>
+          </a:fillRef>
+          <a:effectRef idx="2">
+            <a:schemeClr val="accent1"/>
+          </a:effectRef>
+          <a:fontRef idx="minor">
+            <a:schemeClr val="lt1"/>
+          </a:fontRef>
+        </p:style>
+        <p:txBody>
+          <a:bodyPr rtlCol="0" anchor="ctr"/>
+          <a:lstStyle/>
+          <a:p>
+            <a:r>
+              <a:rPr lang="en-US" sz="1600" dirty="0"/>
+              <a:t>	class Mapper</a:t>
+            </a:r>
+          </a:p>
+          <a:p>
+            <a:r>
+              <a:rPr lang="en-US" sz="1600" dirty="0"/>
+              <a:t>		method Map(</a:t>
+            </a:r>
+            <a:r>
+              <a:rPr lang="en-US" sz="1600" dirty="0" err="1"/>
+              <a:t>docid</a:t>
+            </a:r>
+            <a:r>
+              <a:rPr lang="en-US" sz="1600" dirty="0"/>
+              <a:t> a, doc d)</a:t>
+            </a:r>
+          </a:p>
+          <a:p>
+            <a:r>
+              <a:rPr lang="en-US" sz="1600" dirty="0"/>
+              <a:t>			for all </a:t>
+            </a:r>
+            <a:r>
+              <a:rPr lang="en-US" sz="1600" dirty="0" smtClean="0"/>
+              <a:t>row </a:t>
+            </a:r>
+            <a:r>
+              <a:rPr lang="en-US" sz="1600" dirty="0"/>
+              <a:t>in doc d </a:t>
+            </a:r>
+            <a:r>
+              <a:rPr lang="en-US" sz="1600" dirty="0" smtClean="0"/>
+              <a:t>do</a:t>
+            </a:r>
+          </a:p>
+          <a:p>
+            <a:r>
+              <a:rPr lang="en-US" sz="1600" dirty="0"/>
+              <a:t>	</a:t>
+            </a:r>
+            <a:r>
+              <a:rPr lang="en-US" sz="1600" dirty="0" smtClean="0"/>
+              <a:t>			array = SPLIT(row)</a:t>
+            </a:r>
+            <a:endParaRPr lang="en-US" sz="1600" dirty="0" smtClean="0"/>
+          </a:p>
+          <a:p>
+            <a:r>
+              <a:rPr lang="en-US" sz="1600" dirty="0"/>
+              <a:t>	</a:t>
+            </a:r>
+            <a:r>
+              <a:rPr lang="en-US" sz="1600" dirty="0" smtClean="0"/>
+              <a:t>			</a:t>
+            </a:r>
+            <a:r>
+              <a:rPr lang="en-US" sz="1600" dirty="0" err="1" smtClean="0"/>
+              <a:t>firstName</a:t>
+            </a:r>
+            <a:r>
+              <a:rPr lang="en-US" sz="1600" dirty="0" smtClean="0"/>
+              <a:t> = array[0]</a:t>
+            </a:r>
+            <a:endParaRPr lang="en-US" sz="1600" dirty="0"/>
+          </a:p>
+          <a:p>
+            <a:r>
+              <a:rPr lang="en-US" sz="1600" dirty="0"/>
+              <a:t>				H = new </a:t>
+            </a:r>
+            <a:r>
+              <a:rPr lang="en-US" sz="1600" dirty="0" err="1"/>
+              <a:t>AssociativeArray</a:t>
+            </a:r>
+            <a:endParaRPr lang="en-US" sz="1600" dirty="0"/>
+          </a:p>
+          <a:p>
+            <a:r>
+              <a:rPr lang="en-US" sz="1600" dirty="0"/>
+              <a:t>				for all term u </a:t>
+            </a:r>
+            <a:r>
+              <a:rPr lang="en-US" sz="1600" dirty="0"/>
+              <a:t>in </a:t>
+            </a:r>
+            <a:r>
+              <a:rPr lang="en-US" sz="1600" dirty="0" smtClean="0"/>
+              <a:t>array[1]  </a:t>
+            </a:r>
+            <a:r>
+              <a:rPr lang="en-US" sz="1600" dirty="0"/>
+              <a:t>do</a:t>
+            </a:r>
+          </a:p>
+          <a:p>
+            <a:r>
+              <a:rPr lang="en-US" sz="1600" dirty="0"/>
+              <a:t>					H{u} </a:t>
+            </a:r>
+            <a:r>
+              <a:rPr lang="en-US" sz="1600" dirty="0" smtClean="0"/>
+              <a:t>&lt;-- 1 // Check exist</a:t>
+            </a:r>
+            <a:endParaRPr lang="en-US" sz="1600" dirty="0"/>
+          </a:p>
+          <a:p>
+            <a:r>
+              <a:rPr lang="en-US" sz="1600" dirty="0"/>
+              <a:t>				Emit(term w, stripe H)</a:t>
+            </a:r>
+          </a:p>
+          <a:p>
+            <a:r>
+              <a:rPr lang="en-US" sz="1600" dirty="0"/>
+              <a:t>	class Reducer</a:t>
+            </a:r>
+          </a:p>
+          <a:p>
+            <a:r>
+              <a:rPr lang="en-US" sz="1600" dirty="0"/>
+              <a:t>		method Reduce(term w, stripes [H1, H2,...])</a:t>
+            </a:r>
+          </a:p>
+          <a:p>
+            <a:r>
+              <a:rPr lang="en-US" sz="1600" dirty="0"/>
+              <a:t>			</a:t>
+            </a:r>
+            <a:r>
+              <a:rPr lang="en-US" sz="1600" dirty="0" err="1"/>
+              <a:t>Hf</a:t>
+            </a:r>
+            <a:r>
+              <a:rPr lang="en-US" sz="1600" dirty="0"/>
+              <a:t> = new </a:t>
+            </a:r>
+            <a:r>
+              <a:rPr lang="en-US" sz="1600" dirty="0" err="1"/>
+              <a:t>AssociativeArray</a:t>
+            </a:r>
+            <a:endParaRPr lang="en-US" sz="1600" dirty="0"/>
+          </a:p>
+          <a:p>
+            <a:r>
+              <a:rPr lang="en-US" sz="1600" dirty="0"/>
+              <a:t>			 marginal = 0 </a:t>
+            </a:r>
+          </a:p>
+          <a:p>
+            <a:r>
+              <a:rPr lang="en-US" sz="1600" dirty="0"/>
+              <a:t>			for all stripe H in stripes [H1, H2, ...] do</a:t>
+            </a:r>
+          </a:p>
+          <a:p>
+            <a:r>
+              <a:rPr lang="en-US" sz="1600" dirty="0"/>
+              <a:t>				</a:t>
+            </a:r>
+            <a:r>
+              <a:rPr lang="en-US" sz="1600" dirty="0" err="1" smtClean="0"/>
+              <a:t>Hf</a:t>
+            </a:r>
+            <a:r>
+              <a:rPr lang="en-US" sz="1600" dirty="0" smtClean="0"/>
+              <a:t> = INTERSECT(H, </a:t>
+            </a:r>
+            <a:r>
+              <a:rPr lang="en-US" sz="1600" dirty="0" err="1" smtClean="0"/>
+              <a:t>Hf</a:t>
+            </a:r>
+            <a:r>
+              <a:rPr lang="en-US" sz="1600" dirty="0" smtClean="0"/>
+              <a:t>)</a:t>
+            </a:r>
+            <a:endParaRPr lang="en-US" sz="1600" dirty="0"/>
+          </a:p>
+          <a:p>
+            <a:r>
+              <a:rPr lang="en-US" sz="1600" dirty="0"/>
+              <a:t>			Emit(term w, stripe </a:t>
+            </a:r>
+            <a:r>
+              <a:rPr lang="en-US" sz="1600" dirty="0" err="1"/>
+              <a:t>Hf</a:t>
+            </a:r>
+            <a:r>
+              <a:rPr lang="en-US" sz="1600" dirty="0"/>
+              <a:t>)</a:t>
+            </a:r>
+          </a:p>
+        </p:txBody>
+      </p:sp>
+    </p:spTree>
+    <p:extLst>
+      <p:ext uri="{BB962C8B-B14F-4D97-AF65-F5344CB8AC3E}">
+        <p14:creationId xmlns:p14="http://schemas.microsoft.com/office/powerpoint/2010/main" val="744712813"/>
+      </p:ext>
+    </p:extLst>
+  </p:cSld>
+  <p:clrMapOvr>
+    <a:masterClrMapping/>
+  </p:clrMapOvr>
+  <p:timing>
+    <p:tnLst>
+      <p:par>
+        <p:cTn id="1" dur="indefinite" restart="never" nodeType="tmRoot"/>
+      </p:par>
+    </p:tnLst>
+  </p:timing>
+</p:sld>
+</file>
+
+<file path=ppt/slides/slide48.xml><?xml version="1.0" encoding="utf-8"?>
+<p:sld xmlns:a="http://schemas.openxmlformats.org/drawingml/2006/main" xmlns:r="http://schemas.openxmlformats.org/officeDocument/2006/relationships" xmlns:p="http://schemas.openxmlformats.org/presentationml/2006/main">
+  <p:cSld>
+    <p:spTree>
+      <p:nvGrpSpPr>
+        <p:cNvPr id="1" name=""/>
+        <p:cNvGrpSpPr/>
+        <p:nvPr/>
+      </p:nvGrpSpPr>
+      <p:grpSpPr>
+        <a:xfrm>
+          <a:off x="0" y="0"/>
+          <a:ext cx="0" cy="0"/>
+          <a:chOff x="0" y="0"/>
+          <a:chExt cx="0" cy="0"/>
+        </a:xfrm>
+      </p:grpSpPr>
+      <p:sp>
+        <p:nvSpPr>
+          <p:cNvPr id="2" name="Title 1"/>
+          <p:cNvSpPr>
+            <a:spLocks noGrp="1"/>
+          </p:cNvSpPr>
+          <p:nvPr>
+            <p:ph type="title"/>
+          </p:nvPr>
+        </p:nvSpPr>
+        <p:spPr/>
+        <p:txBody>
+          <a:bodyPr/>
+          <a:lstStyle/>
+          <a:p>
+            <a:r>
+              <a:rPr lang="en-US" dirty="0" smtClean="0"/>
+              <a:t>Implement code</a:t>
+            </a:r>
+            <a:endParaRPr lang="en-US" dirty="0"/>
+          </a:p>
+        </p:txBody>
+      </p:sp>
+      <p:sp>
+        <p:nvSpPr>
+          <p:cNvPr id="3" name="Content Placeholder 2"/>
+          <p:cNvSpPr>
+            <a:spLocks noGrp="1"/>
+          </p:cNvSpPr>
+          <p:nvPr>
+            <p:ph idx="1"/>
+          </p:nvPr>
+        </p:nvSpPr>
+        <p:spPr>
+          <a:xfrm>
+            <a:off x="457206" y="1500325"/>
+            <a:ext cx="8436077" cy="3426518"/>
+          </a:xfrm>
+        </p:spPr>
+        <p:txBody>
+          <a:bodyPr/>
+          <a:lstStyle/>
+          <a:p>
+            <a:r>
+              <a:rPr lang="en-US" dirty="0" smtClean="0"/>
+              <a:t>Implement Java code:</a:t>
+            </a:r>
+          </a:p>
+          <a:p>
+            <a:pPr lvl="1"/>
+            <a:r>
+              <a:rPr lang="en-US" dirty="0"/>
+              <a:t>\project\optional\</a:t>
+            </a:r>
+            <a:r>
+              <a:rPr lang="en-US" dirty="0" err="1"/>
+              <a:t>src</a:t>
+            </a:r>
+            <a:r>
+              <a:rPr lang="en-US" dirty="0"/>
+              <a:t>\main\java\com\</a:t>
+            </a:r>
+            <a:r>
+              <a:rPr lang="en-US" dirty="0" err="1"/>
+              <a:t>hadoop</a:t>
+            </a:r>
+            <a:r>
+              <a:rPr lang="en-US" dirty="0"/>
+              <a:t>\jobs </a:t>
+            </a:r>
+            <a:r>
+              <a:rPr lang="en-US" dirty="0" smtClean="0"/>
+              <a:t>CustomerDriver.java</a:t>
+            </a:r>
+            <a:endParaRPr lang="en-US" dirty="0" smtClean="0"/>
+          </a:p>
+          <a:p>
+            <a:pPr lvl="1"/>
+            <a:r>
+              <a:rPr lang="en-US" dirty="0"/>
+              <a:t>\</a:t>
+            </a:r>
+            <a:r>
+              <a:rPr lang="en-US" dirty="0" smtClean="0"/>
+              <a:t>project\optional\</a:t>
+            </a:r>
+            <a:r>
+              <a:rPr lang="en-US" dirty="0" err="1" smtClean="0"/>
+              <a:t>src</a:t>
+            </a:r>
+            <a:r>
+              <a:rPr lang="en-US" dirty="0" smtClean="0"/>
+              <a:t>\main\java\com\</a:t>
+            </a:r>
+            <a:r>
+              <a:rPr lang="en-US" dirty="0" err="1" smtClean="0"/>
+              <a:t>hadoop</a:t>
+            </a:r>
+            <a:r>
+              <a:rPr lang="en-US" dirty="0" smtClean="0"/>
+              <a:t>\mappers\</a:t>
+            </a:r>
+            <a:r>
+              <a:rPr lang="en-US" dirty="0"/>
+              <a:t>Customer</a:t>
+            </a:r>
+            <a:r>
+              <a:rPr lang="en-US" dirty="0" smtClean="0"/>
+              <a:t>Mapper.java</a:t>
+            </a:r>
+            <a:endParaRPr lang="en-US" dirty="0" smtClean="0"/>
+          </a:p>
+          <a:p>
+            <a:pPr lvl="1"/>
+            <a:r>
+              <a:rPr lang="en-US" dirty="0"/>
+              <a:t>\project\optional\</a:t>
+            </a:r>
+            <a:r>
+              <a:rPr lang="en-US" dirty="0" err="1"/>
+              <a:t>src</a:t>
+            </a:r>
+            <a:r>
+              <a:rPr lang="en-US" dirty="0"/>
+              <a:t>\main\java\com\</a:t>
+            </a:r>
+            <a:r>
+              <a:rPr lang="en-US" dirty="0" err="1"/>
+              <a:t>hadoop</a:t>
+            </a:r>
+            <a:r>
+              <a:rPr lang="en-US" dirty="0"/>
+              <a:t>\</a:t>
+            </a:r>
+            <a:r>
+              <a:rPr lang="en-US" dirty="0" smtClean="0"/>
+              <a:t>reducers\CustomerReducer.java</a:t>
+            </a:r>
+            <a:endParaRPr lang="en-US" dirty="0"/>
+          </a:p>
+          <a:p>
+            <a:pPr lvl="1"/>
+            <a:endParaRPr lang="en-US" dirty="0" smtClean="0"/>
+          </a:p>
+          <a:p>
+            <a:endParaRPr lang="en-US" dirty="0"/>
+          </a:p>
+        </p:txBody>
+      </p:sp>
+    </p:spTree>
+    <p:extLst>
+      <p:ext uri="{BB962C8B-B14F-4D97-AF65-F5344CB8AC3E}">
+        <p14:creationId xmlns:p14="http://schemas.microsoft.com/office/powerpoint/2010/main" val="716783205"/>
+      </p:ext>
+    </p:extLst>
+  </p:cSld>
+  <p:clrMapOvr>
+    <a:masterClrMapping/>
+  </p:clrMapOvr>
+  <p:timing>
+    <p:tnLst>
+      <p:par>
+        <p:cTn id="1" dur="indefinite" restart="never" nodeType="tmRoot"/>
+      </p:par>
+    </p:tnLst>
+  </p:timing>
+</p:sld>
+</file>
+
+<file path=ppt/slides/slide49.xml><?xml version="1.0" encoding="utf-8"?>
+<p:sld xmlns:a="http://schemas.openxmlformats.org/drawingml/2006/main" xmlns:r="http://schemas.openxmlformats.org/officeDocument/2006/relationships" xmlns:p="http://schemas.openxmlformats.org/presentationml/2006/main">
+  <p:cSld>
+    <p:spTree>
+      <p:nvGrpSpPr>
+        <p:cNvPr id="1" name=""/>
+        <p:cNvGrpSpPr/>
+        <p:nvPr/>
+      </p:nvGrpSpPr>
+      <p:grpSpPr>
+        <a:xfrm>
+          <a:off x="0" y="0"/>
+          <a:ext cx="0" cy="0"/>
+          <a:chOff x="0" y="0"/>
+          <a:chExt cx="0" cy="0"/>
+        </a:xfrm>
+      </p:grpSpPr>
+      <p:sp>
+        <p:nvSpPr>
+          <p:cNvPr id="2" name="Title 1"/>
+          <p:cNvSpPr>
+            <a:spLocks noGrp="1"/>
+          </p:cNvSpPr>
+          <p:nvPr>
+            <p:ph type="title"/>
+          </p:nvPr>
+        </p:nvSpPr>
+        <p:spPr/>
+        <p:txBody>
+          <a:bodyPr/>
+          <a:lstStyle/>
+          <a:p>
+            <a:r>
+              <a:rPr lang="en-US" dirty="0" smtClean="0"/>
+              <a:t>Input</a:t>
+            </a:r>
+            <a:endParaRPr lang="en-US" dirty="0"/>
+          </a:p>
+        </p:txBody>
+      </p:sp>
+      <p:sp>
+        <p:nvSpPr>
+          <p:cNvPr id="3" name="Content Placeholder 2"/>
+          <p:cNvSpPr>
+            <a:spLocks noGrp="1"/>
+          </p:cNvSpPr>
+          <p:nvPr>
+            <p:ph idx="1"/>
+          </p:nvPr>
+        </p:nvSpPr>
+        <p:spPr>
+          <a:xfrm>
+            <a:off x="457200" y="889083"/>
+            <a:ext cx="8229600" cy="694057"/>
+          </a:xfrm>
+        </p:spPr>
+        <p:txBody>
+          <a:bodyPr/>
+          <a:lstStyle/>
+          <a:p>
+            <a:r>
+              <a:rPr lang="en-US" dirty="0" smtClean="0"/>
+              <a:t>Input</a:t>
+            </a:r>
+            <a:r>
+              <a:rPr lang="en-US" dirty="0"/>
+              <a:t>: /</a:t>
+            </a:r>
+            <a:r>
+              <a:rPr lang="en-US" dirty="0" smtClean="0"/>
+              <a:t>project/input/</a:t>
+            </a:r>
+            <a:r>
+              <a:rPr lang="en-US" dirty="0" err="1" smtClean="0"/>
+              <a:t>customerinput</a:t>
+            </a:r>
+            <a:r>
+              <a:rPr lang="en-US" dirty="0" smtClean="0"/>
+              <a:t>*</a:t>
+            </a:r>
+            <a:endParaRPr lang="en-US" dirty="0" smtClean="0"/>
+          </a:p>
+          <a:p>
+            <a:endParaRPr lang="en-US" dirty="0" smtClean="0"/>
+          </a:p>
+          <a:p>
+            <a:endParaRPr lang="en-US" dirty="0" smtClean="0"/>
+          </a:p>
+          <a:p>
+            <a:endParaRPr lang="en-US" dirty="0" smtClean="0"/>
+          </a:p>
+          <a:p>
+            <a:endParaRPr lang="en-US" dirty="0"/>
+          </a:p>
+        </p:txBody>
+      </p:sp>
+      <p:pic>
+        <p:nvPicPr>
+          <p:cNvPr id="4" name="Picture 3"/>
+          <p:cNvPicPr>
+            <a:picLocks noChangeAspect="1"/>
+          </p:cNvPicPr>
+          <p:nvPr/>
+        </p:nvPicPr>
+        <p:blipFill rotWithShape="1">
+          <a:blip r:embed="rId2"/>
+          <a:srcRect b="14243"/>
+          <a:stretch/>
+        </p:blipFill>
+        <p:spPr>
+          <a:xfrm>
+            <a:off x="871964" y="1528845"/>
+            <a:ext cx="7271555" cy="2142403"/>
+          </a:xfrm>
+          <a:prstGeom prst="rect">
+            <a:avLst/>
+          </a:prstGeom>
+        </p:spPr>
+      </p:pic>
+      <p:pic>
+        <p:nvPicPr>
+          <p:cNvPr id="6" name="Picture 5"/>
+          <p:cNvPicPr>
+            <a:picLocks noChangeAspect="1"/>
+          </p:cNvPicPr>
+          <p:nvPr/>
+        </p:nvPicPr>
+        <p:blipFill rotWithShape="1">
+          <a:blip r:embed="rId3"/>
+          <a:srcRect b="20151"/>
+          <a:stretch/>
+        </p:blipFill>
+        <p:spPr>
+          <a:xfrm>
+            <a:off x="871964" y="4085940"/>
+            <a:ext cx="7400072" cy="2041905"/>
+          </a:xfrm>
+          <a:prstGeom prst="rect">
+            <a:avLst/>
+          </a:prstGeom>
+        </p:spPr>
+      </p:pic>
+    </p:spTree>
+    <p:extLst>
+      <p:ext uri="{BB962C8B-B14F-4D97-AF65-F5344CB8AC3E}">
+        <p14:creationId xmlns:p14="http://schemas.microsoft.com/office/powerpoint/2010/main" val="953601930"/>
+      </p:ext>
+    </p:extLst>
+  </p:cSld>
+  <p:clrMapOvr>
+    <a:masterClrMapping/>
+  </p:clrMapOvr>
+  <p:timing>
+    <p:tnLst>
+      <p:par>
+        <p:cTn id="1" dur="indefinite" restart="never" nodeType="tmRoot"/>
+      </p:par>
+    </p:tnLst>
+  </p:timing>
+</p:sld>
+</file>
+
+<file path=ppt/slides/slide5.xml><?xml version="1.0" encoding="utf-8"?>
+<p:sld xmlns:a="http://schemas.openxmlformats.org/drawingml/2006/main" xmlns:r="http://schemas.openxmlformats.org/officeDocument/2006/relationships" xmlns:p="http://schemas.openxmlformats.org/presentationml/2006/main">
+  <p:cSld>
+    <p:spTree>
+      <p:nvGrpSpPr>
+        <p:cNvPr id="1" name=""/>
+        <p:cNvGrpSpPr/>
+        <p:nvPr/>
+      </p:nvGrpSpPr>
+      <p:grpSpPr>
+        <a:xfrm>
+          <a:off x="0" y="0"/>
+          <a:ext cx="0" cy="0"/>
+          <a:chOff x="0" y="0"/>
+          <a:chExt cx="0" cy="0"/>
+        </a:xfrm>
+      </p:grpSpPr>
+      <p:sp>
+        <p:nvSpPr>
+          <p:cNvPr id="2" name="Title 1"/>
+          <p:cNvSpPr>
+            <a:spLocks noGrp="1"/>
+          </p:cNvSpPr>
+          <p:nvPr>
+            <p:ph type="title"/>
+          </p:nvPr>
+        </p:nvSpPr>
+        <p:spPr/>
+        <p:txBody>
+          <a:bodyPr/>
+          <a:lstStyle/>
+          <a:p>
+            <a:r>
+              <a:rPr lang="en-US" dirty="0" smtClean="0"/>
+              <a:t>SETUP STEPS</a:t>
+            </a:r>
+            <a:endParaRPr lang="en-US" dirty="0"/>
+          </a:p>
+        </p:txBody>
+      </p:sp>
+      <p:sp>
+        <p:nvSpPr>
+          <p:cNvPr id="3" name="Content Placeholder 2"/>
+          <p:cNvSpPr>
+            <a:spLocks noGrp="1"/>
+          </p:cNvSpPr>
+          <p:nvPr>
+            <p:ph idx="1"/>
+          </p:nvPr>
+        </p:nvSpPr>
+        <p:spPr>
+          <a:xfrm>
+            <a:off x="457208" y="1064532"/>
+            <a:ext cx="4198798" cy="4961755"/>
+          </a:xfrm>
+        </p:spPr>
+        <p:txBody>
+          <a:bodyPr/>
+          <a:lstStyle/>
+          <a:p>
+            <a:r>
+              <a:rPr lang="en-US" dirty="0" smtClean="0"/>
+              <a:t>Create Maven Project</a:t>
+            </a:r>
+          </a:p>
+          <a:p>
+            <a:r>
+              <a:rPr lang="en-US" dirty="0" smtClean="0"/>
+              <a:t>Add dependency (see pom.xml)</a:t>
+            </a:r>
+          </a:p>
+          <a:p>
+            <a:r>
+              <a:rPr lang="en-US" dirty="0" smtClean="0"/>
+              <a:t>Create package and project	structure like below</a:t>
+            </a:r>
+          </a:p>
+          <a:p>
+            <a:r>
+              <a:rPr lang="en-US" dirty="0"/>
+              <a:t>Create Mapper, Reducer, Driver classes</a:t>
+            </a:r>
+            <a:r>
+              <a:rPr lang="en-US" dirty="0" smtClean="0"/>
+              <a:t>.</a:t>
+            </a:r>
+          </a:p>
+          <a:p>
+            <a:endParaRPr lang="en-US" dirty="0" smtClean="0"/>
+          </a:p>
+          <a:p>
+            <a:pPr marL="0" indent="0">
+              <a:buNone/>
+            </a:pPr>
+            <a:endParaRPr lang="en-US" dirty="0" smtClean="0"/>
+          </a:p>
+          <a:p>
+            <a:pPr lvl="1"/>
+            <a:endParaRPr lang="en-US" dirty="0"/>
+          </a:p>
+        </p:txBody>
+      </p:sp>
+      <p:pic>
+        <p:nvPicPr>
+          <p:cNvPr id="5" name="Picture 4"/>
+          <p:cNvPicPr>
+            <a:picLocks noChangeAspect="1"/>
+          </p:cNvPicPr>
+          <p:nvPr/>
+        </p:nvPicPr>
+        <p:blipFill>
+          <a:blip r:embed="rId2"/>
+          <a:stretch>
+            <a:fillRect/>
+          </a:stretch>
+        </p:blipFill>
+        <p:spPr>
+          <a:xfrm>
+            <a:off x="4656005" y="739467"/>
+            <a:ext cx="4392809" cy="5101775"/>
+          </a:xfrm>
+          <a:prstGeom prst="rect">
+            <a:avLst/>
+          </a:prstGeom>
+        </p:spPr>
+      </p:pic>
+    </p:spTree>
+    <p:extLst>
+      <p:ext uri="{BB962C8B-B14F-4D97-AF65-F5344CB8AC3E}">
+        <p14:creationId xmlns:p14="http://schemas.microsoft.com/office/powerpoint/2010/main" val="2966593648"/>
+      </p:ext>
+    </p:extLst>
+  </p:cSld>
+  <p:clrMapOvr>
+    <a:masterClrMapping/>
+  </p:clrMapOvr>
+  <p:timing>
+    <p:tnLst>
+      <p:par>
+        <p:cTn id="1" dur="indefinite" restart="never" nodeType="tmRoot"/>
+      </p:par>
+    </p:tnLst>
+  </p:timing>
+</p:sld>
+</file>
+
+<file path=ppt/slides/slide50.xml><?xml version="1.0" encoding="utf-8"?>
+<p:sld xmlns:a="http://schemas.openxmlformats.org/drawingml/2006/main" xmlns:r="http://schemas.openxmlformats.org/officeDocument/2006/relationships" xmlns:p="http://schemas.openxmlformats.org/presentationml/2006/main">
+  <p:cSld>
+    <p:spTree>
+      <p:nvGrpSpPr>
+        <p:cNvPr id="1" name=""/>
+        <p:cNvGrpSpPr/>
+        <p:nvPr/>
+      </p:nvGrpSpPr>
+      <p:grpSpPr>
+        <a:xfrm>
+          <a:off x="0" y="0"/>
+          <a:ext cx="0" cy="0"/>
+          <a:chOff x="0" y="0"/>
+          <a:chExt cx="0" cy="0"/>
+        </a:xfrm>
+      </p:grpSpPr>
+      <p:sp>
+        <p:nvSpPr>
+          <p:cNvPr id="2" name="Title 1"/>
+          <p:cNvSpPr>
+            <a:spLocks noGrp="1"/>
+          </p:cNvSpPr>
+          <p:nvPr>
+            <p:ph type="title"/>
+          </p:nvPr>
+        </p:nvSpPr>
+        <p:spPr/>
+        <p:txBody>
+          <a:bodyPr/>
+          <a:lstStyle/>
+          <a:p>
+            <a:r>
+              <a:rPr lang="en-US" dirty="0" smtClean="0"/>
+              <a:t>Command line</a:t>
+            </a:r>
+            <a:endParaRPr lang="en-US" dirty="0"/>
+          </a:p>
+        </p:txBody>
+      </p:sp>
+      <p:sp>
+        <p:nvSpPr>
+          <p:cNvPr id="3" name="Content Placeholder 2"/>
+          <p:cNvSpPr>
+            <a:spLocks noGrp="1"/>
+          </p:cNvSpPr>
+          <p:nvPr>
+            <p:ph idx="1"/>
+          </p:nvPr>
+        </p:nvSpPr>
+        <p:spPr>
+          <a:xfrm>
+            <a:off x="457200" y="889083"/>
+            <a:ext cx="8229600" cy="694057"/>
+          </a:xfrm>
+        </p:spPr>
+        <p:txBody>
+          <a:bodyPr/>
+          <a:lstStyle/>
+          <a:p>
+            <a:r>
+              <a:rPr lang="en-US" dirty="0" smtClean="0"/>
+              <a:t>\bash\run_optional_job.sh</a:t>
+            </a:r>
+            <a:endParaRPr lang="en-US" dirty="0" smtClean="0"/>
+          </a:p>
+          <a:p>
+            <a:endParaRPr lang="en-US" dirty="0" smtClean="0"/>
+          </a:p>
+          <a:p>
+            <a:endParaRPr lang="en-US" dirty="0" smtClean="0"/>
+          </a:p>
+          <a:p>
+            <a:endParaRPr lang="en-US" dirty="0"/>
+          </a:p>
+        </p:txBody>
+      </p:sp>
+      <p:pic>
+        <p:nvPicPr>
+          <p:cNvPr id="7" name="Picture 6"/>
+          <p:cNvPicPr>
+            <a:picLocks noChangeAspect="1"/>
+          </p:cNvPicPr>
+          <p:nvPr/>
+        </p:nvPicPr>
+        <p:blipFill>
+          <a:blip r:embed="rId2"/>
+          <a:stretch>
+            <a:fillRect/>
+          </a:stretch>
+        </p:blipFill>
+        <p:spPr>
+          <a:xfrm>
+            <a:off x="644857" y="1760713"/>
+            <a:ext cx="7854286" cy="1255738"/>
+          </a:xfrm>
+          <a:prstGeom prst="rect">
+            <a:avLst/>
+          </a:prstGeom>
+        </p:spPr>
+      </p:pic>
+    </p:spTree>
+    <p:extLst>
+      <p:ext uri="{BB962C8B-B14F-4D97-AF65-F5344CB8AC3E}">
+        <p14:creationId xmlns:p14="http://schemas.microsoft.com/office/powerpoint/2010/main" val="979575510"/>
+      </p:ext>
+    </p:extLst>
+  </p:cSld>
+  <p:clrMapOvr>
+    <a:masterClrMapping/>
+  </p:clrMapOvr>
+  <p:timing>
+    <p:tnLst>
+      <p:par>
+        <p:cTn id="1" dur="indefinite" restart="never" nodeType="tmRoot"/>
+      </p:par>
+    </p:tnLst>
+  </p:timing>
+</p:sld>
+</file>
+
+<file path=ppt/slides/slide51.xml><?xml version="1.0" encoding="utf-8"?>
+<p:sld xmlns:a="http://schemas.openxmlformats.org/drawingml/2006/main" xmlns:r="http://schemas.openxmlformats.org/officeDocument/2006/relationships" xmlns:p="http://schemas.openxmlformats.org/presentationml/2006/main">
+  <p:cSld>
+    <p:spTree>
+      <p:nvGrpSpPr>
+        <p:cNvPr id="1" name=""/>
+        <p:cNvGrpSpPr/>
+        <p:nvPr/>
+      </p:nvGrpSpPr>
+      <p:grpSpPr>
+        <a:xfrm>
+          <a:off x="0" y="0"/>
+          <a:ext cx="0" cy="0"/>
+          <a:chOff x="0" y="0"/>
+          <a:chExt cx="0" cy="0"/>
+        </a:xfrm>
+      </p:grpSpPr>
+      <p:sp>
+        <p:nvSpPr>
+          <p:cNvPr id="2" name="Title 1"/>
+          <p:cNvSpPr>
+            <a:spLocks noGrp="1"/>
+          </p:cNvSpPr>
+          <p:nvPr>
+            <p:ph type="title"/>
+          </p:nvPr>
+        </p:nvSpPr>
+        <p:spPr/>
+        <p:txBody>
+          <a:bodyPr/>
+          <a:lstStyle/>
+          <a:p>
+            <a:r>
+              <a:rPr lang="en-US" dirty="0" smtClean="0"/>
+              <a:t>Terminal Output</a:t>
+            </a:r>
+            <a:endParaRPr lang="en-US" dirty="0"/>
+          </a:p>
+        </p:txBody>
+      </p:sp>
+      <p:pic>
+        <p:nvPicPr>
+          <p:cNvPr id="3" name="Picture 2"/>
+          <p:cNvPicPr>
+            <a:picLocks noChangeAspect="1"/>
+          </p:cNvPicPr>
+          <p:nvPr/>
+        </p:nvPicPr>
+        <p:blipFill rotWithShape="1">
+          <a:blip r:embed="rId2"/>
+          <a:srcRect t="252" b="670"/>
+          <a:stretch/>
+        </p:blipFill>
+        <p:spPr>
+          <a:xfrm>
+            <a:off x="868551" y="928048"/>
+            <a:ext cx="7688595" cy="5377218"/>
+          </a:xfrm>
+          <a:prstGeom prst="rect">
+            <a:avLst/>
+          </a:prstGeom>
+        </p:spPr>
+      </p:pic>
+    </p:spTree>
+    <p:extLst>
+      <p:ext uri="{BB962C8B-B14F-4D97-AF65-F5344CB8AC3E}">
+        <p14:creationId xmlns:p14="http://schemas.microsoft.com/office/powerpoint/2010/main" val="1238206560"/>
+      </p:ext>
+    </p:extLst>
+  </p:cSld>
+  <p:clrMapOvr>
+    <a:masterClrMapping/>
+  </p:clrMapOvr>
+  <p:timing>
+    <p:tnLst>
+      <p:par>
+        <p:cTn id="1" dur="indefinite" restart="never" nodeType="tmRoot"/>
+      </p:par>
+    </p:tnLst>
+  </p:timing>
+</p:sld>
+</file>
+
+<file path=ppt/slides/slide52.xml><?xml version="1.0" encoding="utf-8"?>
+<p:sld xmlns:a="http://schemas.openxmlformats.org/drawingml/2006/main" xmlns:r="http://schemas.openxmlformats.org/officeDocument/2006/relationships" xmlns:p="http://schemas.openxmlformats.org/presentationml/2006/main">
+  <p:cSld>
+    <p:spTree>
+      <p:nvGrpSpPr>
+        <p:cNvPr id="1" name=""/>
+        <p:cNvGrpSpPr/>
+        <p:nvPr/>
+      </p:nvGrpSpPr>
+      <p:grpSpPr>
+        <a:xfrm>
+          <a:off x="0" y="0"/>
+          <a:ext cx="0" cy="0"/>
+          <a:chOff x="0" y="0"/>
+          <a:chExt cx="0" cy="0"/>
+        </a:xfrm>
+      </p:grpSpPr>
       <p:pic>
         <p:nvPicPr>
           <p:cNvPr id="3076" name="Picture 4" descr="http://propertyinvestment.joburg/wp-content/uploads/2015/02/07.02.jpg"/>
@@ -13173,7 +15386,7 @@
 </p:sld>
 </file>
 
-<file path=ppt/slides/slide43.xml><?xml version="1.0" encoding="utf-8"?>
+<file path=ppt/slides/slide53.xml><?xml version="1.0" encoding="utf-8"?>
 <p:sld xmlns:a="http://schemas.openxmlformats.org/drawingml/2006/main" xmlns:r="http://schemas.openxmlformats.org/officeDocument/2006/relationships" xmlns:p="http://schemas.openxmlformats.org/presentationml/2006/main">
   <p:cSld>
     <p:spTree>
@@ -13213,8 +15426,8 @@
         </p:blipFill>
         <p:spPr bwMode="auto">
           <a:xfrm>
-            <a:off x="-130627" y="744513"/>
-            <a:ext cx="9522347" cy="5441340"/>
+            <a:off x="-40944" y="823612"/>
+            <a:ext cx="9383921" cy="5362240"/>
           </a:xfrm>
           <a:prstGeom prst="rect">
             <a:avLst/>
@@ -13241,152 +15454,6 @@
   <p:clrMapOvr>
     <a:masterClrMapping/>
   </p:clrMapOvr>
-</p:sld>
-</file>
-
-<file path=ppt/slides/slide5.xml><?xml version="1.0" encoding="utf-8"?>
-<p:sld xmlns:a="http://schemas.openxmlformats.org/drawingml/2006/main" xmlns:r="http://schemas.openxmlformats.org/officeDocument/2006/relationships" xmlns:p="http://schemas.openxmlformats.org/presentationml/2006/main">
-  <p:cSld>
-    <p:spTree>
-      <p:nvGrpSpPr>
-        <p:cNvPr id="1" name=""/>
-        <p:cNvGrpSpPr/>
-        <p:nvPr/>
-      </p:nvGrpSpPr>
-      <p:grpSpPr>
-        <a:xfrm>
-          <a:off x="0" y="0"/>
-          <a:ext cx="0" cy="0"/>
-          <a:chOff x="0" y="0"/>
-          <a:chExt cx="0" cy="0"/>
-        </a:xfrm>
-      </p:grpSpPr>
-      <p:sp>
-        <p:nvSpPr>
-          <p:cNvPr id="2" name="Title 1"/>
-          <p:cNvSpPr>
-            <a:spLocks noGrp="1"/>
-          </p:cNvSpPr>
-          <p:nvPr>
-            <p:ph type="title"/>
-          </p:nvPr>
-        </p:nvSpPr>
-        <p:spPr/>
-        <p:txBody>
-          <a:bodyPr/>
-          <a:lstStyle/>
-          <a:p>
-            <a:r>
-              <a:rPr lang="en-US" dirty="0" smtClean="0"/>
-              <a:t>SETUP STEPS</a:t>
-            </a:r>
-            <a:endParaRPr lang="en-US" dirty="0"/>
-          </a:p>
-        </p:txBody>
-      </p:sp>
-      <p:sp>
-        <p:nvSpPr>
-          <p:cNvPr id="3" name="Content Placeholder 2"/>
-          <p:cNvSpPr>
-            <a:spLocks noGrp="1"/>
-          </p:cNvSpPr>
-          <p:nvPr>
-            <p:ph idx="1"/>
-          </p:nvPr>
-        </p:nvSpPr>
-        <p:spPr>
-          <a:xfrm>
-            <a:off x="457208" y="1064532"/>
-            <a:ext cx="4198798" cy="4961755"/>
-          </a:xfrm>
-        </p:spPr>
-        <p:txBody>
-          <a:bodyPr/>
-          <a:lstStyle/>
-          <a:p>
-            <a:r>
-              <a:rPr lang="en-US" dirty="0" smtClean="0"/>
-              <a:t>Create Maven Project</a:t>
-            </a:r>
-          </a:p>
-          <a:p>
-            <a:r>
-              <a:rPr lang="en-US" dirty="0" smtClean="0"/>
-              <a:t>Add dependency (see pom.xml)</a:t>
-            </a:r>
-          </a:p>
-          <a:p>
-            <a:r>
-              <a:rPr lang="en-US" dirty="0" smtClean="0"/>
-              <a:t>Create package and project	structure like below</a:t>
-            </a:r>
-          </a:p>
-          <a:p>
-            <a:r>
-              <a:rPr lang="en-US" dirty="0"/>
-              <a:t>Create Mapper, Reducer, Driver classes</a:t>
-            </a:r>
-            <a:r>
-              <a:rPr lang="en-US" dirty="0" smtClean="0"/>
-              <a:t>.</a:t>
-            </a:r>
-          </a:p>
-          <a:p>
-            <a:endParaRPr lang="en-US" dirty="0" smtClean="0"/>
-          </a:p>
-          <a:p>
-            <a:pPr marL="0" indent="0">
-              <a:buNone/>
-            </a:pPr>
-            <a:endParaRPr lang="en-US" dirty="0" smtClean="0"/>
-          </a:p>
-          <a:p>
-            <a:pPr lvl="1"/>
-            <a:endParaRPr lang="en-US" dirty="0"/>
-          </a:p>
-        </p:txBody>
-      </p:sp>
-      <p:pic>
-        <p:nvPicPr>
-          <p:cNvPr id="5" name="Picture 4"/>
-          <p:cNvPicPr>
-            <a:picLocks noChangeAspect="1"/>
-          </p:cNvPicPr>
-          <p:nvPr/>
-        </p:nvPicPr>
-        <p:blipFill>
-          <a:blip r:embed="rId2"/>
-          <a:stretch>
-            <a:fillRect/>
-          </a:stretch>
-        </p:blipFill>
-        <p:spPr>
-          <a:xfrm>
-            <a:off x="4656005" y="739467"/>
-            <a:ext cx="4392809" cy="5101775"/>
-          </a:xfrm>
-          <a:prstGeom prst="rect">
-            <a:avLst/>
-          </a:prstGeom>
-        </p:spPr>
-      </p:pic>
-    </p:spTree>
-    <p:extLst>
-      <p:ext uri="{BB962C8B-B14F-4D97-AF65-F5344CB8AC3E}">
-        <p14:creationId xmlns:p14="http://schemas.microsoft.com/office/powerpoint/2010/main" val="2966593648"/>
-      </p:ext>
-    </p:extLst>
-  </p:cSld>
-  <p:clrMapOvr>
-    <a:masterClrMapping/>
-  </p:clrMapOvr>
-  <p:timing>
-    <p:tnLst>
-      <p:par>
-        <p:cTn id="1" dur="indefinite" restart="never" nodeType="tmRoot"/>
-      </p:par>
-    </p:tnLst>
-  </p:timing>
 </p:sld>
 </file>
 
@@ -13745,8 +15812,12 @@
           <a:p>
             <a:pPr lvl="1"/>
             <a:r>
+              <a:rPr lang="en-US" sz="2400" dirty="0" err="1" smtClean="0"/>
+              <a:t>cloudera</a:t>
+            </a:r>
+            <a:r>
               <a:rPr lang="en-US" sz="2400" dirty="0" smtClean="0"/>
-              <a:t>...</a:t>
+              <a:t>\bash\run_optional_job.sh: run part 9.</a:t>
             </a:r>
             <a:endParaRPr lang="en-US" sz="2400" dirty="0"/>
           </a:p>
